--- a/assets/001/advanced_rag_qiita.pptx
+++ b/assets/001/advanced_rag_qiita.pptx
@@ -2,15 +2,16 @@
 <file path=ppt/presentation.xml><?xml version="1.0" encoding="utf-8"?>
 <p:presentation xmlns:a="http://schemas.openxmlformats.org/drawingml/2006/main" xmlns:r="http://schemas.openxmlformats.org/officeDocument/2006/relationships" xmlns:p="http://schemas.openxmlformats.org/presentationml/2006/main" saveSubsetFonts="1">
   <p:sldMasterIdLst>
-    <p:sldMasterId id="2147483660" r:id="rId1"/>
+    <p:sldMasterId id="2147483672" r:id="rId1"/>
   </p:sldMasterIdLst>
   <p:notesMasterIdLst>
-    <p:notesMasterId r:id="rId3"/>
+    <p:notesMasterId r:id="rId4"/>
   </p:notesMasterIdLst>
   <p:sldIdLst>
     <p:sldId id="257" r:id="rId2"/>
+    <p:sldId id="258" r:id="rId3"/>
   </p:sldIdLst>
-  <p:sldSz cx="12192000" cy="10458450"/>
+  <p:sldSz cx="22991763" cy="10458450"/>
   <p:notesSz cx="6858000" cy="9144000"/>
   <p:defaultTextStyle>
     <a:defPPr>
@@ -115,7 +116,7 @@
             <a:srgbClr val="A4A3A4"/>
           </p15:clr>
         </p15:guide>
-        <p15:guide id="2" pos="3840" userDrawn="1">
+        <p15:guide id="2" pos="7242" userDrawn="1">
           <p15:clr>
             <a:srgbClr val="A4A3A4"/>
           </p15:clr>
@@ -129,7 +130,7 @@
 <file path=ppt/revisionInfo.xml><?xml version="1.0" encoding="utf-8"?>
 <p1510:revInfo xmlns:a="http://schemas.openxmlformats.org/drawingml/2006/main" xmlns:r="http://schemas.openxmlformats.org/officeDocument/2006/relationships" xmlns:p1510="http://schemas.microsoft.com/office/powerpoint/2015/10/main">
   <p1510:revLst>
-    <p1510:client id="{B0966611-449D-499A-90ED-448E66AEAD1F}" v="315" dt="2024-05-21T11:41:41.024"/>
+    <p1510:client id="{B0966611-449D-499A-90ED-448E66AEAD1F}" v="419" dt="2024-05-22T08:39:58.925"/>
   </p1510:revLst>
 </p1510:revInfo>
 </file>
@@ -139,7 +140,7 @@
   <pc:docChgLst>
     <pc:chgData name="Renya Kujirada" userId="e48068c41cbe41b3" providerId="LiveId" clId="{B0966611-449D-499A-90ED-448E66AEAD1F}"/>
     <pc:docChg chg="undo redo custSel addSld delSld modSld modMainMaster modNotesMaster">
-      <pc:chgData name="Renya Kujirada" userId="e48068c41cbe41b3" providerId="LiveId" clId="{B0966611-449D-499A-90ED-448E66AEAD1F}" dt="2024-05-21T11:51:21.896" v="886" actId="14100"/>
+      <pc:chgData name="Renya Kujirada" userId="e48068c41cbe41b3" providerId="LiveId" clId="{B0966611-449D-499A-90ED-448E66AEAD1F}" dt="2024-05-22T09:47:34.150" v="1433" actId="12788"/>
       <pc:docMkLst>
         <pc:docMk/>
       </pc:docMkLst>
@@ -762,6 +763,501 @@
             <pc:docMk/>
             <pc:sldMk cId="3229397666" sldId="257"/>
             <ac:cxnSpMk id="1059" creationId="{7211FD37-4E4C-5D02-296C-CE111FA319ED}"/>
+          </ac:cxnSpMkLst>
+        </pc:cxnChg>
+      </pc:sldChg>
+      <pc:sldChg chg="addSp delSp modSp new mod">
+        <pc:chgData name="Renya Kujirada" userId="e48068c41cbe41b3" providerId="LiveId" clId="{B0966611-449D-499A-90ED-448E66AEAD1F}" dt="2024-05-22T09:47:34.150" v="1433" actId="12788"/>
+        <pc:sldMkLst>
+          <pc:docMk/>
+          <pc:sldMk cId="571670197" sldId="258"/>
+        </pc:sldMkLst>
+        <pc:spChg chg="add del mod">
+          <ac:chgData name="Renya Kujirada" userId="e48068c41cbe41b3" providerId="LiveId" clId="{B0966611-449D-499A-90ED-448E66AEAD1F}" dt="2024-05-22T08:23:53.080" v="1069" actId="478"/>
+          <ac:spMkLst>
+            <pc:docMk/>
+            <pc:sldMk cId="571670197" sldId="258"/>
+            <ac:spMk id="2" creationId="{9C13C48D-47B7-A200-7D93-BD54AB1A1792}"/>
+          </ac:spMkLst>
+        </pc:spChg>
+        <pc:spChg chg="del">
+          <ac:chgData name="Renya Kujirada" userId="e48068c41cbe41b3" providerId="LiveId" clId="{B0966611-449D-499A-90ED-448E66AEAD1F}" dt="2024-05-22T08:02:33.653" v="888" actId="478"/>
+          <ac:spMkLst>
+            <pc:docMk/>
+            <pc:sldMk cId="571670197" sldId="258"/>
+            <ac:spMk id="2" creationId="{AAD76987-7E82-7A79-6A05-B7A4B5173912}"/>
+          </ac:spMkLst>
+        </pc:spChg>
+        <pc:spChg chg="del">
+          <ac:chgData name="Renya Kujirada" userId="e48068c41cbe41b3" providerId="LiveId" clId="{B0966611-449D-499A-90ED-448E66AEAD1F}" dt="2024-05-22T08:02:33.653" v="888" actId="478"/>
+          <ac:spMkLst>
+            <pc:docMk/>
+            <pc:sldMk cId="571670197" sldId="258"/>
+            <ac:spMk id="3" creationId="{19C50D1C-3954-FD57-1073-297AEF8C67C4}"/>
+          </ac:spMkLst>
+        </pc:spChg>
+        <pc:spChg chg="add del">
+          <ac:chgData name="Renya Kujirada" userId="e48068c41cbe41b3" providerId="LiveId" clId="{B0966611-449D-499A-90ED-448E66AEAD1F}" dt="2024-05-22T08:25:08.827" v="1073" actId="11529"/>
+          <ac:spMkLst>
+            <pc:docMk/>
+            <pc:sldMk cId="571670197" sldId="258"/>
+            <ac:spMk id="3" creationId="{1D7A35CD-B233-8142-A04A-680251E03CB4}"/>
+          </ac:spMkLst>
+        </pc:spChg>
+        <pc:spChg chg="add mod">
+          <ac:chgData name="Renya Kujirada" userId="e48068c41cbe41b3" providerId="LiveId" clId="{B0966611-449D-499A-90ED-448E66AEAD1F}" dt="2024-05-22T08:39:58.925" v="1411" actId="1076"/>
+          <ac:spMkLst>
+            <pc:docMk/>
+            <pc:sldMk cId="571670197" sldId="258"/>
+            <ac:spMk id="6" creationId="{5EC9B946-F974-079E-499C-B6CE3EB89F94}"/>
+          </ac:spMkLst>
+        </pc:spChg>
+        <pc:spChg chg="add mod">
+          <ac:chgData name="Renya Kujirada" userId="e48068c41cbe41b3" providerId="LiveId" clId="{B0966611-449D-499A-90ED-448E66AEAD1F}" dt="2024-05-22T08:39:58.925" v="1411" actId="1076"/>
+          <ac:spMkLst>
+            <pc:docMk/>
+            <pc:sldMk cId="571670197" sldId="258"/>
+            <ac:spMk id="7" creationId="{3FD44162-6738-0460-CCA1-31846E3533A0}"/>
+          </ac:spMkLst>
+        </pc:spChg>
+        <pc:spChg chg="add mod">
+          <ac:chgData name="Renya Kujirada" userId="e48068c41cbe41b3" providerId="LiveId" clId="{B0966611-449D-499A-90ED-448E66AEAD1F}" dt="2024-05-22T08:39:58.925" v="1411" actId="1076"/>
+          <ac:spMkLst>
+            <pc:docMk/>
+            <pc:sldMk cId="571670197" sldId="258"/>
+            <ac:spMk id="8" creationId="{B3B15DE0-5EE8-471F-3A04-89AF5E324F24}"/>
+          </ac:spMkLst>
+        </pc:spChg>
+        <pc:spChg chg="add mod">
+          <ac:chgData name="Renya Kujirada" userId="e48068c41cbe41b3" providerId="LiveId" clId="{B0966611-449D-499A-90ED-448E66AEAD1F}" dt="2024-05-22T08:40:10.898" v="1412" actId="554"/>
+          <ac:spMkLst>
+            <pc:docMk/>
+            <pc:sldMk cId="571670197" sldId="258"/>
+            <ac:spMk id="9" creationId="{F40EE823-2809-CBB0-C95B-8D6047314488}"/>
+          </ac:spMkLst>
+        </pc:spChg>
+        <pc:spChg chg="add del">
+          <ac:chgData name="Renya Kujirada" userId="e48068c41cbe41b3" providerId="LiveId" clId="{B0966611-449D-499A-90ED-448E66AEAD1F}" dt="2024-05-22T08:25:21.460" v="1075" actId="11529"/>
+          <ac:spMkLst>
+            <pc:docMk/>
+            <pc:sldMk cId="571670197" sldId="258"/>
+            <ac:spMk id="11" creationId="{F9AB7319-59AD-E114-54A7-7ACCB088087B}"/>
+          </ac:spMkLst>
+        </pc:spChg>
+        <pc:spChg chg="add mod">
+          <ac:chgData name="Renya Kujirada" userId="e48068c41cbe41b3" providerId="LiveId" clId="{B0966611-449D-499A-90ED-448E66AEAD1F}" dt="2024-05-22T08:40:10.898" v="1412" actId="554"/>
+          <ac:spMkLst>
+            <pc:docMk/>
+            <pc:sldMk cId="571670197" sldId="258"/>
+            <ac:spMk id="33" creationId="{5534E278-4ADF-77E6-3D8E-F37E34154613}"/>
+          </ac:spMkLst>
+        </pc:spChg>
+        <pc:spChg chg="add mod">
+          <ac:chgData name="Renya Kujirada" userId="e48068c41cbe41b3" providerId="LiveId" clId="{B0966611-449D-499A-90ED-448E66AEAD1F}" dt="2024-05-22T08:39:58.925" v="1411" actId="1076"/>
+          <ac:spMkLst>
+            <pc:docMk/>
+            <pc:sldMk cId="571670197" sldId="258"/>
+            <ac:spMk id="35" creationId="{C29C8DE9-76BC-9243-F989-909AB644E58E}"/>
+          </ac:spMkLst>
+        </pc:spChg>
+        <pc:spChg chg="add mod">
+          <ac:chgData name="Renya Kujirada" userId="e48068c41cbe41b3" providerId="LiveId" clId="{B0966611-449D-499A-90ED-448E66AEAD1F}" dt="2024-05-22T09:46:21.871" v="1420" actId="20577"/>
+          <ac:spMkLst>
+            <pc:docMk/>
+            <pc:sldMk cId="571670197" sldId="258"/>
+            <ac:spMk id="36" creationId="{7D44C719-D30D-5D7B-9658-5C7BA2DB7961}"/>
+          </ac:spMkLst>
+        </pc:spChg>
+        <pc:spChg chg="add mod">
+          <ac:chgData name="Renya Kujirada" userId="e48068c41cbe41b3" providerId="LiveId" clId="{B0966611-449D-499A-90ED-448E66AEAD1F}" dt="2024-05-22T08:39:58.925" v="1411" actId="1076"/>
+          <ac:spMkLst>
+            <pc:docMk/>
+            <pc:sldMk cId="571670197" sldId="258"/>
+            <ac:spMk id="37" creationId="{E49B8942-CD84-EA0A-3948-9716501038FE}"/>
+          </ac:spMkLst>
+        </pc:spChg>
+        <pc:spChg chg="add mod">
+          <ac:chgData name="Renya Kujirada" userId="e48068c41cbe41b3" providerId="LiveId" clId="{B0966611-449D-499A-90ED-448E66AEAD1F}" dt="2024-05-22T08:39:58.925" v="1411" actId="1076"/>
+          <ac:spMkLst>
+            <pc:docMk/>
+            <pc:sldMk cId="571670197" sldId="258"/>
+            <ac:spMk id="40" creationId="{FF919A20-900A-4B02-70DC-6926C87B9D6E}"/>
+          </ac:spMkLst>
+        </pc:spChg>
+        <pc:spChg chg="add mod">
+          <ac:chgData name="Renya Kujirada" userId="e48068c41cbe41b3" providerId="LiveId" clId="{B0966611-449D-499A-90ED-448E66AEAD1F}" dt="2024-05-22T09:46:16.576" v="1416" actId="20577"/>
+          <ac:spMkLst>
+            <pc:docMk/>
+            <pc:sldMk cId="571670197" sldId="258"/>
+            <ac:spMk id="43" creationId="{F5AED7AC-7C98-467C-955A-CEB21D72E1AD}"/>
+          </ac:spMkLst>
+        </pc:spChg>
+        <pc:spChg chg="add mod">
+          <ac:chgData name="Renya Kujirada" userId="e48068c41cbe41b3" providerId="LiveId" clId="{B0966611-449D-499A-90ED-448E66AEAD1F}" dt="2024-05-22T08:39:58.925" v="1411" actId="1076"/>
+          <ac:spMkLst>
+            <pc:docMk/>
+            <pc:sldMk cId="571670197" sldId="258"/>
+            <ac:spMk id="44" creationId="{85AF2176-C5FD-1FE2-5BBD-331704F9508C}"/>
+          </ac:spMkLst>
+        </pc:spChg>
+        <pc:spChg chg="add mod">
+          <ac:chgData name="Renya Kujirada" userId="e48068c41cbe41b3" providerId="LiveId" clId="{B0966611-449D-499A-90ED-448E66AEAD1F}" dt="2024-05-22T08:39:58.925" v="1411" actId="1076"/>
+          <ac:spMkLst>
+            <pc:docMk/>
+            <pc:sldMk cId="571670197" sldId="258"/>
+            <ac:spMk id="50" creationId="{6752639C-790B-4499-B908-F556910C5A6F}"/>
+          </ac:spMkLst>
+        </pc:spChg>
+        <pc:spChg chg="add mod">
+          <ac:chgData name="Renya Kujirada" userId="e48068c41cbe41b3" providerId="LiveId" clId="{B0966611-449D-499A-90ED-448E66AEAD1F}" dt="2024-05-22T08:39:58.925" v="1411" actId="1076"/>
+          <ac:spMkLst>
+            <pc:docMk/>
+            <pc:sldMk cId="571670197" sldId="258"/>
+            <ac:spMk id="57" creationId="{B8DD9475-802F-0863-2B10-16751D96AD15}"/>
+          </ac:spMkLst>
+        </pc:spChg>
+        <pc:spChg chg="add mod">
+          <ac:chgData name="Renya Kujirada" userId="e48068c41cbe41b3" providerId="LiveId" clId="{B0966611-449D-499A-90ED-448E66AEAD1F}" dt="2024-05-22T09:47:34.150" v="1433" actId="12788"/>
+          <ac:spMkLst>
+            <pc:docMk/>
+            <pc:sldMk cId="571670197" sldId="258"/>
+            <ac:spMk id="58" creationId="{C3B7F172-95D8-D75F-D785-2FF5D111EB6A}"/>
+          </ac:spMkLst>
+        </pc:spChg>
+        <pc:spChg chg="add mod">
+          <ac:chgData name="Renya Kujirada" userId="e48068c41cbe41b3" providerId="LiveId" clId="{B0966611-449D-499A-90ED-448E66AEAD1F}" dt="2024-05-22T08:37:30.256" v="1354" actId="571"/>
+          <ac:spMkLst>
+            <pc:docMk/>
+            <pc:sldMk cId="571670197" sldId="258"/>
+            <ac:spMk id="61" creationId="{06654BC6-C5CD-90A7-5BB9-DFB961CF8655}"/>
+          </ac:spMkLst>
+        </pc:spChg>
+        <pc:spChg chg="add mod">
+          <ac:chgData name="Renya Kujirada" userId="e48068c41cbe41b3" providerId="LiveId" clId="{B0966611-449D-499A-90ED-448E66AEAD1F}" dt="2024-05-22T08:37:30.256" v="1354" actId="571"/>
+          <ac:spMkLst>
+            <pc:docMk/>
+            <pc:sldMk cId="571670197" sldId="258"/>
+            <ac:spMk id="62" creationId="{EB79EC3B-9CEB-0C84-FF86-58CC3AEC813F}"/>
+          </ac:spMkLst>
+        </pc:spChg>
+        <pc:spChg chg="add mod">
+          <ac:chgData name="Renya Kujirada" userId="e48068c41cbe41b3" providerId="LiveId" clId="{B0966611-449D-499A-90ED-448E66AEAD1F}" dt="2024-05-22T09:46:19.215" v="1418" actId="20577"/>
+          <ac:spMkLst>
+            <pc:docMk/>
+            <pc:sldMk cId="571670197" sldId="258"/>
+            <ac:spMk id="65" creationId="{61C61209-058F-A886-77E9-B5ADD8A92EEA}"/>
+          </ac:spMkLst>
+        </pc:spChg>
+        <pc:spChg chg="add mod">
+          <ac:chgData name="Renya Kujirada" userId="e48068c41cbe41b3" providerId="LiveId" clId="{B0966611-449D-499A-90ED-448E66AEAD1F}" dt="2024-05-22T08:39:58.925" v="1411" actId="1076"/>
+          <ac:spMkLst>
+            <pc:docMk/>
+            <pc:sldMk cId="571670197" sldId="258"/>
+            <ac:spMk id="66" creationId="{9C4D190C-E814-822A-D263-1BADFF9C7EA5}"/>
+          </ac:spMkLst>
+        </pc:spChg>
+        <pc:spChg chg="add mod">
+          <ac:chgData name="Renya Kujirada" userId="e48068c41cbe41b3" providerId="LiveId" clId="{B0966611-449D-499A-90ED-448E66AEAD1F}" dt="2024-05-22T08:38:05.985" v="1357" actId="571"/>
+          <ac:spMkLst>
+            <pc:docMk/>
+            <pc:sldMk cId="571670197" sldId="258"/>
+            <ac:spMk id="71" creationId="{A24EAF43-621D-8D80-7980-296D4309EA24}"/>
+          </ac:spMkLst>
+        </pc:spChg>
+        <pc:spChg chg="add mod">
+          <ac:chgData name="Renya Kujirada" userId="e48068c41cbe41b3" providerId="LiveId" clId="{B0966611-449D-499A-90ED-448E66AEAD1F}" dt="2024-05-22T08:38:32.981" v="1365" actId="571"/>
+          <ac:spMkLst>
+            <pc:docMk/>
+            <pc:sldMk cId="571670197" sldId="258"/>
+            <ac:spMk id="74" creationId="{E3370B6C-FC77-F875-6A86-806C39696448}"/>
+          </ac:spMkLst>
+        </pc:spChg>
+        <pc:spChg chg="add mod">
+          <ac:chgData name="Renya Kujirada" userId="e48068c41cbe41b3" providerId="LiveId" clId="{B0966611-449D-499A-90ED-448E66AEAD1F}" dt="2024-05-22T08:39:58.925" v="1411" actId="1076"/>
+          <ac:spMkLst>
+            <pc:docMk/>
+            <pc:sldMk cId="571670197" sldId="258"/>
+            <ac:spMk id="77" creationId="{76F44301-7370-666B-5836-7344B67AC2DF}"/>
+          </ac:spMkLst>
+        </pc:spChg>
+        <pc:spChg chg="add mod">
+          <ac:chgData name="Renya Kujirada" userId="e48068c41cbe41b3" providerId="LiveId" clId="{B0966611-449D-499A-90ED-448E66AEAD1F}" dt="2024-05-22T09:46:59.616" v="1421" actId="12788"/>
+          <ac:spMkLst>
+            <pc:docMk/>
+            <pc:sldMk cId="571670197" sldId="258"/>
+            <ac:spMk id="78" creationId="{22476242-B6AB-381F-A11B-918D72FEB2E8}"/>
+          </ac:spMkLst>
+        </pc:spChg>
+        <pc:spChg chg="add mod">
+          <ac:chgData name="Renya Kujirada" userId="e48068c41cbe41b3" providerId="LiveId" clId="{B0966611-449D-499A-90ED-448E66AEAD1F}" dt="2024-05-22T08:39:58.925" v="1411" actId="1076"/>
+          <ac:spMkLst>
+            <pc:docMk/>
+            <pc:sldMk cId="571670197" sldId="258"/>
+            <ac:spMk id="81" creationId="{DC8258EB-2F23-277C-7767-1388ED8D0AB0}"/>
+          </ac:spMkLst>
+        </pc:spChg>
+        <pc:picChg chg="add mod">
+          <ac:chgData name="Renya Kujirada" userId="e48068c41cbe41b3" providerId="LiveId" clId="{B0966611-449D-499A-90ED-448E66AEAD1F}" dt="2024-05-22T08:39:58.925" v="1411" actId="1076"/>
+          <ac:picMkLst>
+            <pc:docMk/>
+            <pc:sldMk cId="571670197" sldId="258"/>
+            <ac:picMk id="4" creationId="{B1ADFCFD-0171-0729-4902-5AC6A755ED16}"/>
+          </ac:picMkLst>
+        </pc:picChg>
+        <pc:picChg chg="add mod">
+          <ac:chgData name="Renya Kujirada" userId="e48068c41cbe41b3" providerId="LiveId" clId="{B0966611-449D-499A-90ED-448E66AEAD1F}" dt="2024-05-22T08:39:58.925" v="1411" actId="1076"/>
+          <ac:picMkLst>
+            <pc:docMk/>
+            <pc:sldMk cId="571670197" sldId="258"/>
+            <ac:picMk id="5" creationId="{EBDADFF3-D964-344C-2A6A-F78FF246447A}"/>
+          </ac:picMkLst>
+        </pc:picChg>
+        <pc:picChg chg="add mod">
+          <ac:chgData name="Renya Kujirada" userId="e48068c41cbe41b3" providerId="LiveId" clId="{B0966611-449D-499A-90ED-448E66AEAD1F}" dt="2024-05-22T09:47:34.150" v="1433" actId="12788"/>
+          <ac:picMkLst>
+            <pc:docMk/>
+            <pc:sldMk cId="571670197" sldId="258"/>
+            <ac:picMk id="56" creationId="{19DC1A60-6A70-4668-95C9-AAEA2D433E88}"/>
+          </ac:picMkLst>
+        </pc:picChg>
+        <pc:picChg chg="add mod">
+          <ac:chgData name="Renya Kujirada" userId="e48068c41cbe41b3" providerId="LiveId" clId="{B0966611-449D-499A-90ED-448E66AEAD1F}" dt="2024-05-22T08:38:05.985" v="1357" actId="571"/>
+          <ac:picMkLst>
+            <pc:docMk/>
+            <pc:sldMk cId="571670197" sldId="258"/>
+            <ac:picMk id="70" creationId="{61FFDF25-6FE8-81E2-2EBF-776A19B63DEA}"/>
+          </ac:picMkLst>
+        </pc:picChg>
+        <pc:picChg chg="add mod">
+          <ac:chgData name="Renya Kujirada" userId="e48068c41cbe41b3" providerId="LiveId" clId="{B0966611-449D-499A-90ED-448E66AEAD1F}" dt="2024-05-22T08:38:32.981" v="1365" actId="571"/>
+          <ac:picMkLst>
+            <pc:docMk/>
+            <pc:sldMk cId="571670197" sldId="258"/>
+            <ac:picMk id="73" creationId="{D776FC55-5F5B-7AC4-710F-8C4590E5C3C9}"/>
+          </ac:picMkLst>
+        </pc:picChg>
+        <pc:picChg chg="add mod">
+          <ac:chgData name="Renya Kujirada" userId="e48068c41cbe41b3" providerId="LiveId" clId="{B0966611-449D-499A-90ED-448E66AEAD1F}" dt="2024-05-22T09:46:59.616" v="1421" actId="12788"/>
+          <ac:picMkLst>
+            <pc:docMk/>
+            <pc:sldMk cId="571670197" sldId="258"/>
+            <ac:picMk id="76" creationId="{99384EBF-9683-2F15-A542-60CE42FF0077}"/>
+          </ac:picMkLst>
+        </pc:picChg>
+        <pc:cxnChg chg="add mod">
+          <ac:chgData name="Renya Kujirada" userId="e48068c41cbe41b3" providerId="LiveId" clId="{B0966611-449D-499A-90ED-448E66AEAD1F}" dt="2024-05-22T08:39:58.925" v="1411" actId="1076"/>
+          <ac:cxnSpMkLst>
+            <pc:docMk/>
+            <pc:sldMk cId="571670197" sldId="258"/>
+            <ac:cxnSpMk id="10" creationId="{1C65B2DB-712C-FEC6-FF71-3807ED4A34F2}"/>
+          </ac:cxnSpMkLst>
+        </pc:cxnChg>
+        <pc:cxnChg chg="add mod">
+          <ac:chgData name="Renya Kujirada" userId="e48068c41cbe41b3" providerId="LiveId" clId="{B0966611-449D-499A-90ED-448E66AEAD1F}" dt="2024-05-22T08:39:58.925" v="1411" actId="1076"/>
+          <ac:cxnSpMkLst>
+            <pc:docMk/>
+            <pc:sldMk cId="571670197" sldId="258"/>
+            <ac:cxnSpMk id="13" creationId="{96B7FDB3-E975-EE4F-7D88-56DE6F3CC0AB}"/>
+          </ac:cxnSpMkLst>
+        </pc:cxnChg>
+        <pc:cxnChg chg="add mod">
+          <ac:chgData name="Renya Kujirada" userId="e48068c41cbe41b3" providerId="LiveId" clId="{B0966611-449D-499A-90ED-448E66AEAD1F}" dt="2024-05-22T08:39:58.925" v="1411" actId="1076"/>
+          <ac:cxnSpMkLst>
+            <pc:docMk/>
+            <pc:sldMk cId="571670197" sldId="258"/>
+            <ac:cxnSpMk id="14" creationId="{AEB1EA0E-6EF5-399F-2EE7-73584A864DF2}"/>
+          </ac:cxnSpMkLst>
+        </pc:cxnChg>
+        <pc:cxnChg chg="add del mod">
+          <ac:chgData name="Renya Kujirada" userId="e48068c41cbe41b3" providerId="LiveId" clId="{B0966611-449D-499A-90ED-448E66AEAD1F}" dt="2024-05-22T08:39:58.925" v="1411" actId="1076"/>
+          <ac:cxnSpMkLst>
+            <pc:docMk/>
+            <pc:sldMk cId="571670197" sldId="258"/>
+            <ac:cxnSpMk id="16" creationId="{483A1D9E-F1AF-FBF8-2E79-F2DC6BDE6BD9}"/>
+          </ac:cxnSpMkLst>
+        </pc:cxnChg>
+        <pc:cxnChg chg="add mod">
+          <ac:chgData name="Renya Kujirada" userId="e48068c41cbe41b3" providerId="LiveId" clId="{B0966611-449D-499A-90ED-448E66AEAD1F}" dt="2024-05-22T08:39:58.925" v="1411" actId="1076"/>
+          <ac:cxnSpMkLst>
+            <pc:docMk/>
+            <pc:sldMk cId="571670197" sldId="258"/>
+            <ac:cxnSpMk id="20" creationId="{61B57041-2BAF-941E-BF97-EBA8089F27E5}"/>
+          </ac:cxnSpMkLst>
+        </pc:cxnChg>
+        <pc:cxnChg chg="add del">
+          <ac:chgData name="Renya Kujirada" userId="e48068c41cbe41b3" providerId="LiveId" clId="{B0966611-449D-499A-90ED-448E66AEAD1F}" dt="2024-05-22T08:12:18.411" v="984" actId="478"/>
+          <ac:cxnSpMkLst>
+            <pc:docMk/>
+            <pc:sldMk cId="571670197" sldId="258"/>
+            <ac:cxnSpMk id="26" creationId="{5B0C9DB3-1600-87EE-5DA6-3318377CC4A4}"/>
+          </ac:cxnSpMkLst>
+        </pc:cxnChg>
+        <pc:cxnChg chg="add mod">
+          <ac:chgData name="Renya Kujirada" userId="e48068c41cbe41b3" providerId="LiveId" clId="{B0966611-449D-499A-90ED-448E66AEAD1F}" dt="2024-05-22T08:39:58.925" v="1411" actId="1076"/>
+          <ac:cxnSpMkLst>
+            <pc:docMk/>
+            <pc:sldMk cId="571670197" sldId="258"/>
+            <ac:cxnSpMk id="34" creationId="{285FD186-9725-7DDC-42AD-7642FF7C1ED8}"/>
+          </ac:cxnSpMkLst>
+        </pc:cxnChg>
+        <pc:cxnChg chg="add mod">
+          <ac:chgData name="Renya Kujirada" userId="e48068c41cbe41b3" providerId="LiveId" clId="{B0966611-449D-499A-90ED-448E66AEAD1F}" dt="2024-05-22T08:39:58.925" v="1411" actId="1076"/>
+          <ac:cxnSpMkLst>
+            <pc:docMk/>
+            <pc:sldMk cId="571670197" sldId="258"/>
+            <ac:cxnSpMk id="38" creationId="{BB756058-A813-3ED0-3D4A-95D7E2B310B1}"/>
+          </ac:cxnSpMkLst>
+        </pc:cxnChg>
+        <pc:cxnChg chg="add mod">
+          <ac:chgData name="Renya Kujirada" userId="e48068c41cbe41b3" providerId="LiveId" clId="{B0966611-449D-499A-90ED-448E66AEAD1F}" dt="2024-05-22T08:39:58.925" v="1411" actId="1076"/>
+          <ac:cxnSpMkLst>
+            <pc:docMk/>
+            <pc:sldMk cId="571670197" sldId="258"/>
+            <ac:cxnSpMk id="39" creationId="{E67B5C68-183C-04B1-016B-C4DDDC3E9044}"/>
+          </ac:cxnSpMkLst>
+        </pc:cxnChg>
+        <pc:cxnChg chg="add mod">
+          <ac:chgData name="Renya Kujirada" userId="e48068c41cbe41b3" providerId="LiveId" clId="{B0966611-449D-499A-90ED-448E66AEAD1F}" dt="2024-05-22T08:39:58.925" v="1411" actId="1076"/>
+          <ac:cxnSpMkLst>
+            <pc:docMk/>
+            <pc:sldMk cId="571670197" sldId="258"/>
+            <ac:cxnSpMk id="41" creationId="{1B590832-F1E1-E11D-505C-588C555A1BAF}"/>
+          </ac:cxnSpMkLst>
+        </pc:cxnChg>
+        <pc:cxnChg chg="add mod">
+          <ac:chgData name="Renya Kujirada" userId="e48068c41cbe41b3" providerId="LiveId" clId="{B0966611-449D-499A-90ED-448E66AEAD1F}" dt="2024-05-22T08:39:58.925" v="1411" actId="1076"/>
+          <ac:cxnSpMkLst>
+            <pc:docMk/>
+            <pc:sldMk cId="571670197" sldId="258"/>
+            <ac:cxnSpMk id="42" creationId="{D6ED5AF2-3FA6-B536-4C36-41F89CF3B396}"/>
+          </ac:cxnSpMkLst>
+        </pc:cxnChg>
+        <pc:cxnChg chg="add mod">
+          <ac:chgData name="Renya Kujirada" userId="e48068c41cbe41b3" providerId="LiveId" clId="{B0966611-449D-499A-90ED-448E66AEAD1F}" dt="2024-05-22T08:16:04.781" v="1054" actId="571"/>
+          <ac:cxnSpMkLst>
+            <pc:docMk/>
+            <pc:sldMk cId="571670197" sldId="258"/>
+            <ac:cxnSpMk id="43" creationId="{169AB870-8F3B-11A1-E435-0C7D846D8389}"/>
+          </ac:cxnSpMkLst>
+        </pc:cxnChg>
+        <pc:cxnChg chg="add mod">
+          <ac:chgData name="Renya Kujirada" userId="e48068c41cbe41b3" providerId="LiveId" clId="{B0966611-449D-499A-90ED-448E66AEAD1F}" dt="2024-05-22T08:16:04.781" v="1054" actId="571"/>
+          <ac:cxnSpMkLst>
+            <pc:docMk/>
+            <pc:sldMk cId="571670197" sldId="258"/>
+            <ac:cxnSpMk id="44" creationId="{F22C5FB5-CD00-6E3E-A66E-8AFF56DD897A}"/>
+          </ac:cxnSpMkLst>
+        </pc:cxnChg>
+        <pc:cxnChg chg="add mod">
+          <ac:chgData name="Renya Kujirada" userId="e48068c41cbe41b3" providerId="LiveId" clId="{B0966611-449D-499A-90ED-448E66AEAD1F}" dt="2024-05-22T08:39:58.925" v="1411" actId="1076"/>
+          <ac:cxnSpMkLst>
+            <pc:docMk/>
+            <pc:sldMk cId="571670197" sldId="258"/>
+            <ac:cxnSpMk id="45" creationId="{0BC38828-1D71-4D87-2A15-6249E9D03F27}"/>
+          </ac:cxnSpMkLst>
+        </pc:cxnChg>
+        <pc:cxnChg chg="add mod">
+          <ac:chgData name="Renya Kujirada" userId="e48068c41cbe41b3" providerId="LiveId" clId="{B0966611-449D-499A-90ED-448E66AEAD1F}" dt="2024-05-22T08:39:58.925" v="1411" actId="1076"/>
+          <ac:cxnSpMkLst>
+            <pc:docMk/>
+            <pc:sldMk cId="571670197" sldId="258"/>
+            <ac:cxnSpMk id="46" creationId="{F3D751CF-F836-50D4-C5EC-64D90F957E1F}"/>
+          </ac:cxnSpMkLst>
+        </pc:cxnChg>
+        <pc:cxnChg chg="add mod">
+          <ac:chgData name="Renya Kujirada" userId="e48068c41cbe41b3" providerId="LiveId" clId="{B0966611-449D-499A-90ED-448E66AEAD1F}" dt="2024-05-22T08:39:58.925" v="1411" actId="1076"/>
+          <ac:cxnSpMkLst>
+            <pc:docMk/>
+            <pc:sldMk cId="571670197" sldId="258"/>
+            <ac:cxnSpMk id="47" creationId="{06CE0013-D8AD-2B42-1B83-31B4AF03E006}"/>
+          </ac:cxnSpMkLst>
+        </pc:cxnChg>
+        <pc:cxnChg chg="add mod">
+          <ac:chgData name="Renya Kujirada" userId="e48068c41cbe41b3" providerId="LiveId" clId="{B0966611-449D-499A-90ED-448E66AEAD1F}" dt="2024-05-22T08:39:58.925" v="1411" actId="1076"/>
+          <ac:cxnSpMkLst>
+            <pc:docMk/>
+            <pc:sldMk cId="571670197" sldId="258"/>
+            <ac:cxnSpMk id="48" creationId="{EF0D03B9-73BC-DC36-9F93-6901520B3664}"/>
+          </ac:cxnSpMkLst>
+        </pc:cxnChg>
+        <pc:cxnChg chg="add mod">
+          <ac:chgData name="Renya Kujirada" userId="e48068c41cbe41b3" providerId="LiveId" clId="{B0966611-449D-499A-90ED-448E66AEAD1F}" dt="2024-05-22T08:39:58.925" v="1411" actId="1076"/>
+          <ac:cxnSpMkLst>
+            <pc:docMk/>
+            <pc:sldMk cId="571670197" sldId="258"/>
+            <ac:cxnSpMk id="49" creationId="{0394C686-BE12-10B4-AC4B-474DAF5BF950}"/>
+          </ac:cxnSpMkLst>
+        </pc:cxnChg>
+        <pc:cxnChg chg="add del mod">
+          <ac:chgData name="Renya Kujirada" userId="e48068c41cbe41b3" providerId="LiveId" clId="{B0966611-449D-499A-90ED-448E66AEAD1F}" dt="2024-05-22T08:17:30.118" v="1066" actId="478"/>
+          <ac:cxnSpMkLst>
+            <pc:docMk/>
+            <pc:sldMk cId="571670197" sldId="258"/>
+            <ac:cxnSpMk id="49" creationId="{688B1E64-C658-F9BD-6888-E54A5CEE621C}"/>
+          </ac:cxnSpMkLst>
+        </pc:cxnChg>
+        <pc:cxnChg chg="add mod">
+          <ac:chgData name="Renya Kujirada" userId="e48068c41cbe41b3" providerId="LiveId" clId="{B0966611-449D-499A-90ED-448E66AEAD1F}" dt="2024-05-22T08:39:58.925" v="1411" actId="1076"/>
+          <ac:cxnSpMkLst>
+            <pc:docMk/>
+            <pc:sldMk cId="571670197" sldId="258"/>
+            <ac:cxnSpMk id="52" creationId="{819BA52E-5602-642B-D19A-540D25C12874}"/>
+          </ac:cxnSpMkLst>
+        </pc:cxnChg>
+        <pc:cxnChg chg="add mod">
+          <ac:chgData name="Renya Kujirada" userId="e48068c41cbe41b3" providerId="LiveId" clId="{B0966611-449D-499A-90ED-448E66AEAD1F}" dt="2024-05-22T08:37:30.256" v="1354" actId="571"/>
+          <ac:cxnSpMkLst>
+            <pc:docMk/>
+            <pc:sldMk cId="571670197" sldId="258"/>
+            <ac:cxnSpMk id="59" creationId="{0A82F83E-51AB-2EB2-8ED8-8FCD7B6F3318}"/>
+          </ac:cxnSpMkLst>
+        </pc:cxnChg>
+        <pc:cxnChg chg="add mod">
+          <ac:chgData name="Renya Kujirada" userId="e48068c41cbe41b3" providerId="LiveId" clId="{B0966611-449D-499A-90ED-448E66AEAD1F}" dt="2024-05-22T08:37:30.256" v="1354" actId="571"/>
+          <ac:cxnSpMkLst>
+            <pc:docMk/>
+            <pc:sldMk cId="571670197" sldId="258"/>
+            <ac:cxnSpMk id="60" creationId="{660B92FC-1CA6-BA5B-D457-B51E27E75885}"/>
+          </ac:cxnSpMkLst>
+        </pc:cxnChg>
+        <pc:cxnChg chg="add mod">
+          <ac:chgData name="Renya Kujirada" userId="e48068c41cbe41b3" providerId="LiveId" clId="{B0966611-449D-499A-90ED-448E66AEAD1F}" dt="2024-05-22T08:39:58.925" v="1411" actId="1076"/>
+          <ac:cxnSpMkLst>
+            <pc:docMk/>
+            <pc:sldMk cId="571670197" sldId="258"/>
+            <ac:cxnSpMk id="63" creationId="{EF37669A-A7AB-ECE3-7746-E0EDE08B7516}"/>
+          </ac:cxnSpMkLst>
+        </pc:cxnChg>
+        <pc:cxnChg chg="add mod">
+          <ac:chgData name="Renya Kujirada" userId="e48068c41cbe41b3" providerId="LiveId" clId="{B0966611-449D-499A-90ED-448E66AEAD1F}" dt="2024-05-22T08:39:58.925" v="1411" actId="1076"/>
+          <ac:cxnSpMkLst>
+            <pc:docMk/>
+            <pc:sldMk cId="571670197" sldId="258"/>
+            <ac:cxnSpMk id="64" creationId="{DAC21460-F036-C912-04F7-D7498E23FB15}"/>
+          </ac:cxnSpMkLst>
+        </pc:cxnChg>
+        <pc:cxnChg chg="add mod">
+          <ac:chgData name="Renya Kujirada" userId="e48068c41cbe41b3" providerId="LiveId" clId="{B0966611-449D-499A-90ED-448E66AEAD1F}" dt="2024-05-22T08:39:58.925" v="1411" actId="1076"/>
+          <ac:cxnSpMkLst>
+            <pc:docMk/>
+            <pc:sldMk cId="571670197" sldId="258"/>
+            <ac:cxnSpMk id="67" creationId="{4991DCAC-005E-B4A1-4932-B445EF10F445}"/>
+          </ac:cxnSpMkLst>
+        </pc:cxnChg>
+        <pc:cxnChg chg="add mod">
+          <ac:chgData name="Renya Kujirada" userId="e48068c41cbe41b3" providerId="LiveId" clId="{B0966611-449D-499A-90ED-448E66AEAD1F}" dt="2024-05-22T08:39:58.925" v="1411" actId="1076"/>
+          <ac:cxnSpMkLst>
+            <pc:docMk/>
+            <pc:sldMk cId="571670197" sldId="258"/>
+            <ac:cxnSpMk id="68" creationId="{A5B3276B-F37A-003A-65B2-0D3B55777294}"/>
+          </ac:cxnSpMkLst>
+        </pc:cxnChg>
+        <pc:cxnChg chg="add mod">
+          <ac:chgData name="Renya Kujirada" userId="e48068c41cbe41b3" providerId="LiveId" clId="{B0966611-449D-499A-90ED-448E66AEAD1F}" dt="2024-05-22T08:39:58.925" v="1411" actId="1076"/>
+          <ac:cxnSpMkLst>
+            <pc:docMk/>
+            <pc:sldMk cId="571670197" sldId="258"/>
+            <ac:cxnSpMk id="79" creationId="{5046276E-FA99-ABBF-0D84-11731CD9EA20}"/>
           </ac:cxnSpMkLst>
         </pc:cxnChg>
       </pc:sldChg>
@@ -1126,7 +1622,7 @@
           <a:p>
             <a:fld id="{D47D50EF-F837-48D5-A620-16CEA19BDC38}" type="datetimeFigureOut">
               <a:rPr kumimoji="1" lang="ja-JP" altLang="en-US" smtClean="0"/>
-              <a:t>2024/5/21</a:t>
+              <a:t>2024/5/22</a:t>
             </a:fld>
             <a:endParaRPr kumimoji="1" lang="ja-JP" altLang="en-US"/>
           </a:p>
@@ -1144,8 +1640,8 @@
         </p:nvSpPr>
         <p:spPr>
           <a:xfrm>
-            <a:off x="1630363" y="1143000"/>
-            <a:ext cx="3597275" cy="3086100"/>
+            <a:off x="38100" y="1143000"/>
+            <a:ext cx="6781800" cy="3086100"/>
           </a:xfrm>
           <a:prstGeom prst="rect">
             <a:avLst/>
@@ -1454,8 +1950,8 @@
         </p:nvSpPr>
         <p:spPr>
           <a:xfrm>
-            <a:off x="1630363" y="1143000"/>
-            <a:ext cx="3597275" cy="3086100"/>
+            <a:off x="38100" y="1143000"/>
+            <a:ext cx="6781800" cy="3086100"/>
           </a:xfrm>
         </p:spPr>
       </p:sp>
@@ -1543,15 +2039,15 @@
         </p:nvSpPr>
         <p:spPr>
           <a:xfrm>
-            <a:off x="914400" y="1711604"/>
-            <a:ext cx="10363200" cy="3641090"/>
+            <a:off x="2873971" y="1711604"/>
+            <a:ext cx="17243822" cy="3641090"/>
           </a:xfrm>
         </p:spPr>
         <p:txBody>
           <a:bodyPr anchor="b"/>
           <a:lstStyle>
             <a:lvl1pPr algn="ctr">
-              <a:defRPr sz="8000"/>
+              <a:defRPr sz="9150"/>
             </a:lvl1pPr>
           </a:lstStyle>
           <a:p>
@@ -1575,8 +2071,8 @@
         </p:nvSpPr>
         <p:spPr>
           <a:xfrm>
-            <a:off x="1524000" y="5493108"/>
-            <a:ext cx="9144000" cy="2525037"/>
+            <a:off x="2873971" y="5493108"/>
+            <a:ext cx="17243822" cy="2525037"/>
           </a:xfrm>
         </p:spPr>
         <p:txBody>
@@ -1584,39 +2080,39 @@
           <a:lstStyle>
             <a:lvl1pPr marL="0" indent="0" algn="ctr">
               <a:buNone/>
-              <a:defRPr sz="3200"/>
+              <a:defRPr sz="3660"/>
             </a:lvl1pPr>
-            <a:lvl2pPr marL="609585" indent="0" algn="ctr">
+            <a:lvl2pPr marL="697230" indent="0" algn="ctr">
               <a:buNone/>
-              <a:defRPr sz="2667"/>
+              <a:defRPr sz="3050"/>
             </a:lvl2pPr>
-            <a:lvl3pPr marL="1219170" indent="0" algn="ctr">
+            <a:lvl3pPr marL="1394460" indent="0" algn="ctr">
               <a:buNone/>
-              <a:defRPr sz="2400"/>
+              <a:defRPr sz="2745"/>
             </a:lvl3pPr>
-            <a:lvl4pPr marL="1828754" indent="0" algn="ctr">
+            <a:lvl4pPr marL="2091690" indent="0" algn="ctr">
               <a:buNone/>
-              <a:defRPr sz="2133"/>
+              <a:defRPr sz="2440"/>
             </a:lvl4pPr>
-            <a:lvl5pPr marL="2438339" indent="0" algn="ctr">
+            <a:lvl5pPr marL="2788920" indent="0" algn="ctr">
               <a:buNone/>
-              <a:defRPr sz="2133"/>
+              <a:defRPr sz="2440"/>
             </a:lvl5pPr>
-            <a:lvl6pPr marL="3047924" indent="0" algn="ctr">
+            <a:lvl6pPr marL="3486150" indent="0" algn="ctr">
               <a:buNone/>
-              <a:defRPr sz="2133"/>
+              <a:defRPr sz="2440"/>
             </a:lvl6pPr>
-            <a:lvl7pPr marL="3657509" indent="0" algn="ctr">
+            <a:lvl7pPr marL="4183380" indent="0" algn="ctr">
               <a:buNone/>
-              <a:defRPr sz="2133"/>
+              <a:defRPr sz="2440"/>
             </a:lvl7pPr>
-            <a:lvl8pPr marL="4267093" indent="0" algn="ctr">
+            <a:lvl8pPr marL="4880610" indent="0" algn="ctr">
               <a:buNone/>
-              <a:defRPr sz="2133"/>
+              <a:defRPr sz="2440"/>
             </a:lvl8pPr>
-            <a:lvl9pPr marL="4876678" indent="0" algn="ctr">
+            <a:lvl9pPr marL="5577840" indent="0" algn="ctr">
               <a:buNone/>
-              <a:defRPr sz="2133"/>
+              <a:defRPr sz="2440"/>
             </a:lvl9pPr>
           </a:lstStyle>
           <a:p>
@@ -1645,7 +2141,7 @@
           <a:p>
             <a:fld id="{0DEB71B6-FAFF-4E12-AA26-CF422FD449B5}" type="datetimeFigureOut">
               <a:rPr kumimoji="1" lang="ja-JP" altLang="en-US" smtClean="0"/>
-              <a:t>2024/5/21</a:t>
+              <a:t>2024/5/22</a:t>
             </a:fld>
             <a:endParaRPr kumimoji="1" lang="ja-JP" altLang="en-US"/>
           </a:p>
@@ -1696,7 +2192,7 @@
     </p:spTree>
     <p:extLst>
       <p:ext uri="{BB962C8B-B14F-4D97-AF65-F5344CB8AC3E}">
-        <p14:creationId xmlns:p14="http://schemas.microsoft.com/office/powerpoint/2010/main" val="4089600655"/>
+        <p14:creationId xmlns:p14="http://schemas.microsoft.com/office/powerpoint/2010/main" val="4083356316"/>
       </p:ext>
     </p:extLst>
   </p:cSld>
@@ -1847,7 +2343,7 @@
           <a:p>
             <a:fld id="{0DEB71B6-FAFF-4E12-AA26-CF422FD449B5}" type="datetimeFigureOut">
               <a:rPr kumimoji="1" lang="ja-JP" altLang="en-US" smtClean="0"/>
-              <a:t>2024/5/21</a:t>
+              <a:t>2024/5/22</a:t>
             </a:fld>
             <a:endParaRPr kumimoji="1" lang="ja-JP" altLang="en-US"/>
           </a:p>
@@ -1898,7 +2394,7 @@
     </p:spTree>
     <p:extLst>
       <p:ext uri="{BB962C8B-B14F-4D97-AF65-F5344CB8AC3E}">
-        <p14:creationId xmlns:p14="http://schemas.microsoft.com/office/powerpoint/2010/main" val="908642172"/>
+        <p14:creationId xmlns:p14="http://schemas.microsoft.com/office/powerpoint/2010/main" val="2532556237"/>
       </p:ext>
     </p:extLst>
   </p:cSld>
@@ -1937,8 +2433,8 @@
         </p:nvSpPr>
         <p:spPr>
           <a:xfrm>
-            <a:off x="8724901" y="556816"/>
-            <a:ext cx="2628900" cy="8863053"/>
+            <a:off x="16453480" y="556816"/>
+            <a:ext cx="4957599" cy="8863053"/>
           </a:xfrm>
         </p:spPr>
         <p:txBody>
@@ -1965,8 +2461,8 @@
         </p:nvSpPr>
         <p:spPr>
           <a:xfrm>
-            <a:off x="838201" y="556816"/>
-            <a:ext cx="7734300" cy="8863053"/>
+            <a:off x="1580684" y="556816"/>
+            <a:ext cx="14585400" cy="8863053"/>
           </a:xfrm>
         </p:spPr>
         <p:txBody>
@@ -2059,7 +2555,7 @@
           <a:p>
             <a:fld id="{0DEB71B6-FAFF-4E12-AA26-CF422FD449B5}" type="datetimeFigureOut">
               <a:rPr kumimoji="1" lang="ja-JP" altLang="en-US" smtClean="0"/>
-              <a:t>2024/5/21</a:t>
+              <a:t>2024/5/22</a:t>
             </a:fld>
             <a:endParaRPr kumimoji="1" lang="ja-JP" altLang="en-US"/>
           </a:p>
@@ -2110,7 +2606,7 @@
     </p:spTree>
     <p:extLst>
       <p:ext uri="{BB962C8B-B14F-4D97-AF65-F5344CB8AC3E}">
-        <p14:creationId xmlns:p14="http://schemas.microsoft.com/office/powerpoint/2010/main" val="4033715969"/>
+        <p14:creationId xmlns:p14="http://schemas.microsoft.com/office/powerpoint/2010/main" val="351766332"/>
       </p:ext>
     </p:extLst>
   </p:cSld>
@@ -2261,7 +2757,7 @@
           <a:p>
             <a:fld id="{0DEB71B6-FAFF-4E12-AA26-CF422FD449B5}" type="datetimeFigureOut">
               <a:rPr kumimoji="1" lang="ja-JP" altLang="en-US" smtClean="0"/>
-              <a:t>2024/5/21</a:t>
+              <a:t>2024/5/22</a:t>
             </a:fld>
             <a:endParaRPr kumimoji="1" lang="ja-JP" altLang="en-US"/>
           </a:p>
@@ -2312,7 +2808,7 @@
     </p:spTree>
     <p:extLst>
       <p:ext uri="{BB962C8B-B14F-4D97-AF65-F5344CB8AC3E}">
-        <p14:creationId xmlns:p14="http://schemas.microsoft.com/office/powerpoint/2010/main" val="3548380069"/>
+        <p14:creationId xmlns:p14="http://schemas.microsoft.com/office/powerpoint/2010/main" val="3524215494"/>
       </p:ext>
     </p:extLst>
   </p:cSld>
@@ -2351,15 +2847,15 @@
         </p:nvSpPr>
         <p:spPr>
           <a:xfrm>
-            <a:off x="831851" y="2607353"/>
-            <a:ext cx="10515600" cy="4350424"/>
+            <a:off x="1568709" y="2607351"/>
+            <a:ext cx="19830396" cy="4350424"/>
           </a:xfrm>
         </p:spPr>
         <p:txBody>
           <a:bodyPr anchor="b"/>
           <a:lstStyle>
             <a:lvl1pPr>
-              <a:defRPr sz="8000"/>
+              <a:defRPr sz="9150"/>
             </a:lvl1pPr>
           </a:lstStyle>
           <a:p>
@@ -2383,8 +2879,8 @@
         </p:nvSpPr>
         <p:spPr>
           <a:xfrm>
-            <a:off x="831851" y="6998933"/>
-            <a:ext cx="10515600" cy="2287785"/>
+            <a:off x="1568709" y="6998932"/>
+            <a:ext cx="19830396" cy="2287785"/>
           </a:xfrm>
         </p:spPr>
         <p:txBody>
@@ -2392,7 +2888,7 @@
           <a:lstStyle>
             <a:lvl1pPr marL="0" indent="0">
               <a:buNone/>
-              <a:defRPr sz="3200">
+              <a:defRPr sz="3660">
                 <a:solidFill>
                   <a:schemeClr val="tx1">
                     <a:tint val="82000"/>
@@ -2400,9 +2896,9 @@
                 </a:solidFill>
               </a:defRPr>
             </a:lvl1pPr>
-            <a:lvl2pPr marL="609585" indent="0">
+            <a:lvl2pPr marL="697230" indent="0">
               <a:buNone/>
-              <a:defRPr sz="2667">
+              <a:defRPr sz="3050">
                 <a:solidFill>
                   <a:schemeClr val="tx1">
                     <a:tint val="82000"/>
@@ -2410,9 +2906,9 @@
                 </a:solidFill>
               </a:defRPr>
             </a:lvl2pPr>
-            <a:lvl3pPr marL="1219170" indent="0">
+            <a:lvl3pPr marL="1394460" indent="0">
               <a:buNone/>
-              <a:defRPr sz="2400">
+              <a:defRPr sz="2745">
                 <a:solidFill>
                   <a:schemeClr val="tx1">
                     <a:tint val="82000"/>
@@ -2420,9 +2916,9 @@
                 </a:solidFill>
               </a:defRPr>
             </a:lvl3pPr>
-            <a:lvl4pPr marL="1828754" indent="0">
+            <a:lvl4pPr marL="2091690" indent="0">
               <a:buNone/>
-              <a:defRPr sz="2133">
+              <a:defRPr sz="2440">
                 <a:solidFill>
                   <a:schemeClr val="tx1">
                     <a:tint val="82000"/>
@@ -2430,9 +2926,9 @@
                 </a:solidFill>
               </a:defRPr>
             </a:lvl4pPr>
-            <a:lvl5pPr marL="2438339" indent="0">
+            <a:lvl5pPr marL="2788920" indent="0">
               <a:buNone/>
-              <a:defRPr sz="2133">
+              <a:defRPr sz="2440">
                 <a:solidFill>
                   <a:schemeClr val="tx1">
                     <a:tint val="82000"/>
@@ -2440,9 +2936,9 @@
                 </a:solidFill>
               </a:defRPr>
             </a:lvl5pPr>
-            <a:lvl6pPr marL="3047924" indent="0">
+            <a:lvl6pPr marL="3486150" indent="0">
               <a:buNone/>
-              <a:defRPr sz="2133">
+              <a:defRPr sz="2440">
                 <a:solidFill>
                   <a:schemeClr val="tx1">
                     <a:tint val="82000"/>
@@ -2450,9 +2946,9 @@
                 </a:solidFill>
               </a:defRPr>
             </a:lvl6pPr>
-            <a:lvl7pPr marL="3657509" indent="0">
+            <a:lvl7pPr marL="4183380" indent="0">
               <a:buNone/>
-              <a:defRPr sz="2133">
+              <a:defRPr sz="2440">
                 <a:solidFill>
                   <a:schemeClr val="tx1">
                     <a:tint val="82000"/>
@@ -2460,9 +2956,9 @@
                 </a:solidFill>
               </a:defRPr>
             </a:lvl7pPr>
-            <a:lvl8pPr marL="4267093" indent="0">
+            <a:lvl8pPr marL="4880610" indent="0">
               <a:buNone/>
-              <a:defRPr sz="2133">
+              <a:defRPr sz="2440">
                 <a:solidFill>
                   <a:schemeClr val="tx1">
                     <a:tint val="82000"/>
@@ -2470,9 +2966,9 @@
                 </a:solidFill>
               </a:defRPr>
             </a:lvl8pPr>
-            <a:lvl9pPr marL="4876678" indent="0">
+            <a:lvl9pPr marL="5577840" indent="0">
               <a:buNone/>
-              <a:defRPr sz="2133">
+              <a:defRPr sz="2440">
                 <a:solidFill>
                   <a:schemeClr val="tx1">
                     <a:tint val="82000"/>
@@ -2507,7 +3003,7 @@
           <a:p>
             <a:fld id="{0DEB71B6-FAFF-4E12-AA26-CF422FD449B5}" type="datetimeFigureOut">
               <a:rPr kumimoji="1" lang="ja-JP" altLang="en-US" smtClean="0"/>
-              <a:t>2024/5/21</a:t>
+              <a:t>2024/5/22</a:t>
             </a:fld>
             <a:endParaRPr kumimoji="1" lang="ja-JP" altLang="en-US"/>
           </a:p>
@@ -2558,7 +3054,7 @@
     </p:spTree>
     <p:extLst>
       <p:ext uri="{BB962C8B-B14F-4D97-AF65-F5344CB8AC3E}">
-        <p14:creationId xmlns:p14="http://schemas.microsoft.com/office/powerpoint/2010/main" val="3266122765"/>
+        <p14:creationId xmlns:p14="http://schemas.microsoft.com/office/powerpoint/2010/main" val="3413075839"/>
       </p:ext>
     </p:extLst>
   </p:cSld>
@@ -2620,8 +3116,8 @@
         </p:nvSpPr>
         <p:spPr>
           <a:xfrm>
-            <a:off x="838200" y="2784078"/>
-            <a:ext cx="5181600" cy="6635790"/>
+            <a:off x="1580684" y="2784078"/>
+            <a:ext cx="9771499" cy="6635790"/>
           </a:xfrm>
         </p:spPr>
         <p:txBody>
@@ -2709,8 +3205,8 @@
         </p:nvSpPr>
         <p:spPr>
           <a:xfrm>
-            <a:off x="6172200" y="2784078"/>
-            <a:ext cx="5181600" cy="6635790"/>
+            <a:off x="11639580" y="2784078"/>
+            <a:ext cx="9771499" cy="6635790"/>
           </a:xfrm>
         </p:spPr>
         <p:txBody>
@@ -2803,7 +3299,7 @@
           <a:p>
             <a:fld id="{0DEB71B6-FAFF-4E12-AA26-CF422FD449B5}" type="datetimeFigureOut">
               <a:rPr kumimoji="1" lang="ja-JP" altLang="en-US" smtClean="0"/>
-              <a:t>2024/5/21</a:t>
+              <a:t>2024/5/22</a:t>
             </a:fld>
             <a:endParaRPr kumimoji="1" lang="ja-JP" altLang="en-US"/>
           </a:p>
@@ -2854,7 +3350,7 @@
     </p:spTree>
     <p:extLst>
       <p:ext uri="{BB962C8B-B14F-4D97-AF65-F5344CB8AC3E}">
-        <p14:creationId xmlns:p14="http://schemas.microsoft.com/office/powerpoint/2010/main" val="2155298209"/>
+        <p14:creationId xmlns:p14="http://schemas.microsoft.com/office/powerpoint/2010/main" val="1730078915"/>
       </p:ext>
     </p:extLst>
   </p:cSld>
@@ -2893,8 +3389,8 @@
         </p:nvSpPr>
         <p:spPr>
           <a:xfrm>
-            <a:off x="839788" y="556818"/>
-            <a:ext cx="10515600" cy="2021484"/>
+            <a:off x="1583678" y="556816"/>
+            <a:ext cx="19830396" cy="2021484"/>
           </a:xfrm>
         </p:spPr>
         <p:txBody>
@@ -2921,8 +3417,8 @@
         </p:nvSpPr>
         <p:spPr>
           <a:xfrm>
-            <a:off x="839789" y="2563773"/>
-            <a:ext cx="5157787" cy="1256466"/>
+            <a:off x="1583679" y="2563773"/>
+            <a:ext cx="9726593" cy="1256466"/>
           </a:xfrm>
         </p:spPr>
         <p:txBody>
@@ -2930,39 +3426,39 @@
           <a:lstStyle>
             <a:lvl1pPr marL="0" indent="0">
               <a:buNone/>
-              <a:defRPr sz="3200" b="1"/>
+              <a:defRPr sz="3660" b="1"/>
             </a:lvl1pPr>
-            <a:lvl2pPr marL="609585" indent="0">
+            <a:lvl2pPr marL="697230" indent="0">
               <a:buNone/>
-              <a:defRPr sz="2667" b="1"/>
+              <a:defRPr sz="3050" b="1"/>
             </a:lvl2pPr>
-            <a:lvl3pPr marL="1219170" indent="0">
+            <a:lvl3pPr marL="1394460" indent="0">
               <a:buNone/>
-              <a:defRPr sz="2400" b="1"/>
+              <a:defRPr sz="2745" b="1"/>
             </a:lvl3pPr>
-            <a:lvl4pPr marL="1828754" indent="0">
+            <a:lvl4pPr marL="2091690" indent="0">
               <a:buNone/>
-              <a:defRPr sz="2133" b="1"/>
+              <a:defRPr sz="2440" b="1"/>
             </a:lvl4pPr>
-            <a:lvl5pPr marL="2438339" indent="0">
+            <a:lvl5pPr marL="2788920" indent="0">
               <a:buNone/>
-              <a:defRPr sz="2133" b="1"/>
+              <a:defRPr sz="2440" b="1"/>
             </a:lvl5pPr>
-            <a:lvl6pPr marL="3047924" indent="0">
+            <a:lvl6pPr marL="3486150" indent="0">
               <a:buNone/>
-              <a:defRPr sz="2133" b="1"/>
+              <a:defRPr sz="2440" b="1"/>
             </a:lvl6pPr>
-            <a:lvl7pPr marL="3657509" indent="0">
+            <a:lvl7pPr marL="4183380" indent="0">
               <a:buNone/>
-              <a:defRPr sz="2133" b="1"/>
+              <a:defRPr sz="2440" b="1"/>
             </a:lvl7pPr>
-            <a:lvl8pPr marL="4267093" indent="0">
+            <a:lvl8pPr marL="4880610" indent="0">
               <a:buNone/>
-              <a:defRPr sz="2133" b="1"/>
+              <a:defRPr sz="2440" b="1"/>
             </a:lvl8pPr>
-            <a:lvl9pPr marL="4876678" indent="0">
+            <a:lvl9pPr marL="5577840" indent="0">
               <a:buNone/>
-              <a:defRPr sz="2133" b="1"/>
+              <a:defRPr sz="2440" b="1"/>
             </a:lvl9pPr>
           </a:lstStyle>
           <a:p>
@@ -2986,8 +3482,8 @@
         </p:nvSpPr>
         <p:spPr>
           <a:xfrm>
-            <a:off x="839789" y="3820239"/>
-            <a:ext cx="5157787" cy="5618997"/>
+            <a:off x="1583679" y="3820239"/>
+            <a:ext cx="9726593" cy="5618997"/>
           </a:xfrm>
         </p:spPr>
         <p:txBody>
@@ -3075,8 +3571,8 @@
         </p:nvSpPr>
         <p:spPr>
           <a:xfrm>
-            <a:off x="6172201" y="2563773"/>
-            <a:ext cx="5183188" cy="1256466"/>
+            <a:off x="11639580" y="2563773"/>
+            <a:ext cx="9774494" cy="1256466"/>
           </a:xfrm>
         </p:spPr>
         <p:txBody>
@@ -3084,39 +3580,39 @@
           <a:lstStyle>
             <a:lvl1pPr marL="0" indent="0">
               <a:buNone/>
-              <a:defRPr sz="3200" b="1"/>
+              <a:defRPr sz="3660" b="1"/>
             </a:lvl1pPr>
-            <a:lvl2pPr marL="609585" indent="0">
+            <a:lvl2pPr marL="697230" indent="0">
               <a:buNone/>
-              <a:defRPr sz="2667" b="1"/>
+              <a:defRPr sz="3050" b="1"/>
             </a:lvl2pPr>
-            <a:lvl3pPr marL="1219170" indent="0">
+            <a:lvl3pPr marL="1394460" indent="0">
               <a:buNone/>
-              <a:defRPr sz="2400" b="1"/>
+              <a:defRPr sz="2745" b="1"/>
             </a:lvl3pPr>
-            <a:lvl4pPr marL="1828754" indent="0">
+            <a:lvl4pPr marL="2091690" indent="0">
               <a:buNone/>
-              <a:defRPr sz="2133" b="1"/>
+              <a:defRPr sz="2440" b="1"/>
             </a:lvl4pPr>
-            <a:lvl5pPr marL="2438339" indent="0">
+            <a:lvl5pPr marL="2788920" indent="0">
               <a:buNone/>
-              <a:defRPr sz="2133" b="1"/>
+              <a:defRPr sz="2440" b="1"/>
             </a:lvl5pPr>
-            <a:lvl6pPr marL="3047924" indent="0">
+            <a:lvl6pPr marL="3486150" indent="0">
               <a:buNone/>
-              <a:defRPr sz="2133" b="1"/>
+              <a:defRPr sz="2440" b="1"/>
             </a:lvl6pPr>
-            <a:lvl7pPr marL="3657509" indent="0">
+            <a:lvl7pPr marL="4183380" indent="0">
               <a:buNone/>
-              <a:defRPr sz="2133" b="1"/>
+              <a:defRPr sz="2440" b="1"/>
             </a:lvl7pPr>
-            <a:lvl8pPr marL="4267093" indent="0">
+            <a:lvl8pPr marL="4880610" indent="0">
               <a:buNone/>
-              <a:defRPr sz="2133" b="1"/>
+              <a:defRPr sz="2440" b="1"/>
             </a:lvl8pPr>
-            <a:lvl9pPr marL="4876678" indent="0">
+            <a:lvl9pPr marL="5577840" indent="0">
               <a:buNone/>
-              <a:defRPr sz="2133" b="1"/>
+              <a:defRPr sz="2440" b="1"/>
             </a:lvl9pPr>
           </a:lstStyle>
           <a:p>
@@ -3140,8 +3636,8 @@
         </p:nvSpPr>
         <p:spPr>
           <a:xfrm>
-            <a:off x="6172201" y="3820239"/>
-            <a:ext cx="5183188" cy="5618997"/>
+            <a:off x="11639580" y="3820239"/>
+            <a:ext cx="9774494" cy="5618997"/>
           </a:xfrm>
         </p:spPr>
         <p:txBody>
@@ -3234,7 +3730,7 @@
           <a:p>
             <a:fld id="{0DEB71B6-FAFF-4E12-AA26-CF422FD449B5}" type="datetimeFigureOut">
               <a:rPr kumimoji="1" lang="ja-JP" altLang="en-US" smtClean="0"/>
-              <a:t>2024/5/21</a:t>
+              <a:t>2024/5/22</a:t>
             </a:fld>
             <a:endParaRPr kumimoji="1" lang="ja-JP" altLang="en-US"/>
           </a:p>
@@ -3285,7 +3781,7 @@
     </p:spTree>
     <p:extLst>
       <p:ext uri="{BB962C8B-B14F-4D97-AF65-F5344CB8AC3E}">
-        <p14:creationId xmlns:p14="http://schemas.microsoft.com/office/powerpoint/2010/main" val="1463389029"/>
+        <p14:creationId xmlns:p14="http://schemas.microsoft.com/office/powerpoint/2010/main" val="2936969625"/>
       </p:ext>
     </p:extLst>
   </p:cSld>
@@ -3352,7 +3848,7 @@
           <a:p>
             <a:fld id="{0DEB71B6-FAFF-4E12-AA26-CF422FD449B5}" type="datetimeFigureOut">
               <a:rPr kumimoji="1" lang="ja-JP" altLang="en-US" smtClean="0"/>
-              <a:t>2024/5/21</a:t>
+              <a:t>2024/5/22</a:t>
             </a:fld>
             <a:endParaRPr kumimoji="1" lang="ja-JP" altLang="en-US"/>
           </a:p>
@@ -3403,7 +3899,7 @@
     </p:spTree>
     <p:extLst>
       <p:ext uri="{BB962C8B-B14F-4D97-AF65-F5344CB8AC3E}">
-        <p14:creationId xmlns:p14="http://schemas.microsoft.com/office/powerpoint/2010/main" val="1934360881"/>
+        <p14:creationId xmlns:p14="http://schemas.microsoft.com/office/powerpoint/2010/main" val="1647433110"/>
       </p:ext>
     </p:extLst>
   </p:cSld>
@@ -3447,7 +3943,7 @@
           <a:p>
             <a:fld id="{0DEB71B6-FAFF-4E12-AA26-CF422FD449B5}" type="datetimeFigureOut">
               <a:rPr kumimoji="1" lang="ja-JP" altLang="en-US" smtClean="0"/>
-              <a:t>2024/5/21</a:t>
+              <a:t>2024/5/22</a:t>
             </a:fld>
             <a:endParaRPr kumimoji="1" lang="ja-JP" altLang="en-US"/>
           </a:p>
@@ -3498,7 +3994,7 @@
     </p:spTree>
     <p:extLst>
       <p:ext uri="{BB962C8B-B14F-4D97-AF65-F5344CB8AC3E}">
-        <p14:creationId xmlns:p14="http://schemas.microsoft.com/office/powerpoint/2010/main" val="3712400475"/>
+        <p14:creationId xmlns:p14="http://schemas.microsoft.com/office/powerpoint/2010/main" val="2762554993"/>
       </p:ext>
     </p:extLst>
   </p:cSld>
@@ -3537,15 +4033,15 @@
         </p:nvSpPr>
         <p:spPr>
           <a:xfrm>
-            <a:off x="839788" y="697230"/>
-            <a:ext cx="3932237" cy="2440305"/>
+            <a:off x="1583679" y="697230"/>
+            <a:ext cx="7415441" cy="2440305"/>
           </a:xfrm>
         </p:spPr>
         <p:txBody>
           <a:bodyPr anchor="b"/>
           <a:lstStyle>
             <a:lvl1pPr>
-              <a:defRPr sz="4267"/>
+              <a:defRPr sz="4880"/>
             </a:lvl1pPr>
           </a:lstStyle>
           <a:p>
@@ -3569,39 +4065,39 @@
         </p:nvSpPr>
         <p:spPr>
           <a:xfrm>
-            <a:off x="5183188" y="1505825"/>
-            <a:ext cx="6172200" cy="7432278"/>
+            <a:off x="9774494" y="1505824"/>
+            <a:ext cx="11639580" cy="7432278"/>
           </a:xfrm>
         </p:spPr>
         <p:txBody>
           <a:bodyPr/>
           <a:lstStyle>
             <a:lvl1pPr>
-              <a:defRPr sz="4267"/>
+              <a:defRPr sz="4880"/>
             </a:lvl1pPr>
             <a:lvl2pPr>
-              <a:defRPr sz="3733"/>
+              <a:defRPr sz="4270"/>
             </a:lvl2pPr>
             <a:lvl3pPr>
-              <a:defRPr sz="3200"/>
+              <a:defRPr sz="3660"/>
             </a:lvl3pPr>
             <a:lvl4pPr>
-              <a:defRPr sz="2667"/>
+              <a:defRPr sz="3050"/>
             </a:lvl4pPr>
             <a:lvl5pPr>
-              <a:defRPr sz="2667"/>
+              <a:defRPr sz="3050"/>
             </a:lvl5pPr>
             <a:lvl6pPr>
-              <a:defRPr sz="2667"/>
+              <a:defRPr sz="3050"/>
             </a:lvl6pPr>
             <a:lvl7pPr>
-              <a:defRPr sz="2667"/>
+              <a:defRPr sz="3050"/>
             </a:lvl7pPr>
             <a:lvl8pPr>
-              <a:defRPr sz="2667"/>
+              <a:defRPr sz="3050"/>
             </a:lvl8pPr>
             <a:lvl9pPr>
-              <a:defRPr sz="2667"/>
+              <a:defRPr sz="3050"/>
             </a:lvl9pPr>
           </a:lstStyle>
           <a:p>
@@ -3686,8 +4182,8 @@
         </p:nvSpPr>
         <p:spPr>
           <a:xfrm>
-            <a:off x="839788" y="3137535"/>
-            <a:ext cx="3932237" cy="5812672"/>
+            <a:off x="1583679" y="3137535"/>
+            <a:ext cx="7415441" cy="5812672"/>
           </a:xfrm>
         </p:spPr>
         <p:txBody>
@@ -3695,39 +4191,39 @@
           <a:lstStyle>
             <a:lvl1pPr marL="0" indent="0">
               <a:buNone/>
-              <a:defRPr sz="2133"/>
+              <a:defRPr sz="2440"/>
             </a:lvl1pPr>
-            <a:lvl2pPr marL="609585" indent="0">
+            <a:lvl2pPr marL="697230" indent="0">
               <a:buNone/>
-              <a:defRPr sz="1867"/>
+              <a:defRPr sz="2135"/>
             </a:lvl2pPr>
-            <a:lvl3pPr marL="1219170" indent="0">
+            <a:lvl3pPr marL="1394460" indent="0">
               <a:buNone/>
-              <a:defRPr sz="1600"/>
+              <a:defRPr sz="1830"/>
             </a:lvl3pPr>
-            <a:lvl4pPr marL="1828754" indent="0">
+            <a:lvl4pPr marL="2091690" indent="0">
               <a:buNone/>
-              <a:defRPr sz="1333"/>
+              <a:defRPr sz="1525"/>
             </a:lvl4pPr>
-            <a:lvl5pPr marL="2438339" indent="0">
+            <a:lvl5pPr marL="2788920" indent="0">
               <a:buNone/>
-              <a:defRPr sz="1333"/>
+              <a:defRPr sz="1525"/>
             </a:lvl5pPr>
-            <a:lvl6pPr marL="3047924" indent="0">
+            <a:lvl6pPr marL="3486150" indent="0">
               <a:buNone/>
-              <a:defRPr sz="1333"/>
+              <a:defRPr sz="1525"/>
             </a:lvl6pPr>
-            <a:lvl7pPr marL="3657509" indent="0">
+            <a:lvl7pPr marL="4183380" indent="0">
               <a:buNone/>
-              <a:defRPr sz="1333"/>
+              <a:defRPr sz="1525"/>
             </a:lvl7pPr>
-            <a:lvl8pPr marL="4267093" indent="0">
+            <a:lvl8pPr marL="4880610" indent="0">
               <a:buNone/>
-              <a:defRPr sz="1333"/>
+              <a:defRPr sz="1525"/>
             </a:lvl8pPr>
-            <a:lvl9pPr marL="4876678" indent="0">
+            <a:lvl9pPr marL="5577840" indent="0">
               <a:buNone/>
-              <a:defRPr sz="1333"/>
+              <a:defRPr sz="1525"/>
             </a:lvl9pPr>
           </a:lstStyle>
           <a:p>
@@ -3756,7 +4252,7 @@
           <a:p>
             <a:fld id="{0DEB71B6-FAFF-4E12-AA26-CF422FD449B5}" type="datetimeFigureOut">
               <a:rPr kumimoji="1" lang="ja-JP" altLang="en-US" smtClean="0"/>
-              <a:t>2024/5/21</a:t>
+              <a:t>2024/5/22</a:t>
             </a:fld>
             <a:endParaRPr kumimoji="1" lang="ja-JP" altLang="en-US"/>
           </a:p>
@@ -3807,7 +4303,7 @@
     </p:spTree>
     <p:extLst>
       <p:ext uri="{BB962C8B-B14F-4D97-AF65-F5344CB8AC3E}">
-        <p14:creationId xmlns:p14="http://schemas.microsoft.com/office/powerpoint/2010/main" val="3641458443"/>
+        <p14:creationId xmlns:p14="http://schemas.microsoft.com/office/powerpoint/2010/main" val="291198321"/>
       </p:ext>
     </p:extLst>
   </p:cSld>
@@ -3846,15 +4342,15 @@
         </p:nvSpPr>
         <p:spPr>
           <a:xfrm>
-            <a:off x="839788" y="697230"/>
-            <a:ext cx="3932237" cy="2440305"/>
+            <a:off x="1583679" y="697230"/>
+            <a:ext cx="7415441" cy="2440305"/>
           </a:xfrm>
         </p:spPr>
         <p:txBody>
           <a:bodyPr anchor="b"/>
           <a:lstStyle>
             <a:lvl1pPr>
-              <a:defRPr sz="4267"/>
+              <a:defRPr sz="4880"/>
             </a:lvl1pPr>
           </a:lstStyle>
           <a:p>
@@ -3878,8 +4374,8 @@
         </p:nvSpPr>
         <p:spPr>
           <a:xfrm>
-            <a:off x="5183188" y="1505825"/>
-            <a:ext cx="6172200" cy="7432278"/>
+            <a:off x="9774494" y="1505824"/>
+            <a:ext cx="11639580" cy="7432278"/>
           </a:xfrm>
         </p:spPr>
         <p:txBody>
@@ -3887,39 +4383,39 @@
           <a:lstStyle>
             <a:lvl1pPr marL="0" indent="0">
               <a:buNone/>
-              <a:defRPr sz="4267"/>
+              <a:defRPr sz="4880"/>
             </a:lvl1pPr>
-            <a:lvl2pPr marL="609585" indent="0">
+            <a:lvl2pPr marL="697230" indent="0">
               <a:buNone/>
-              <a:defRPr sz="3733"/>
+              <a:defRPr sz="4270"/>
             </a:lvl2pPr>
-            <a:lvl3pPr marL="1219170" indent="0">
+            <a:lvl3pPr marL="1394460" indent="0">
               <a:buNone/>
-              <a:defRPr sz="3200"/>
+              <a:defRPr sz="3660"/>
             </a:lvl3pPr>
-            <a:lvl4pPr marL="1828754" indent="0">
+            <a:lvl4pPr marL="2091690" indent="0">
               <a:buNone/>
-              <a:defRPr sz="2667"/>
+              <a:defRPr sz="3050"/>
             </a:lvl4pPr>
-            <a:lvl5pPr marL="2438339" indent="0">
+            <a:lvl5pPr marL="2788920" indent="0">
               <a:buNone/>
-              <a:defRPr sz="2667"/>
+              <a:defRPr sz="3050"/>
             </a:lvl5pPr>
-            <a:lvl6pPr marL="3047924" indent="0">
+            <a:lvl6pPr marL="3486150" indent="0">
               <a:buNone/>
-              <a:defRPr sz="2667"/>
+              <a:defRPr sz="3050"/>
             </a:lvl6pPr>
-            <a:lvl7pPr marL="3657509" indent="0">
+            <a:lvl7pPr marL="4183380" indent="0">
               <a:buNone/>
-              <a:defRPr sz="2667"/>
+              <a:defRPr sz="3050"/>
             </a:lvl7pPr>
-            <a:lvl8pPr marL="4267093" indent="0">
+            <a:lvl8pPr marL="4880610" indent="0">
               <a:buNone/>
-              <a:defRPr sz="2667"/>
+              <a:defRPr sz="3050"/>
             </a:lvl8pPr>
-            <a:lvl9pPr marL="4876678" indent="0">
+            <a:lvl9pPr marL="5577840" indent="0">
               <a:buNone/>
-              <a:defRPr sz="2667"/>
+              <a:defRPr sz="3050"/>
             </a:lvl9pPr>
           </a:lstStyle>
           <a:p>
@@ -3943,8 +4439,8 @@
         </p:nvSpPr>
         <p:spPr>
           <a:xfrm>
-            <a:off x="839788" y="3137535"/>
-            <a:ext cx="3932237" cy="5812672"/>
+            <a:off x="1583679" y="3137535"/>
+            <a:ext cx="7415441" cy="5812672"/>
           </a:xfrm>
         </p:spPr>
         <p:txBody>
@@ -3952,39 +4448,39 @@
           <a:lstStyle>
             <a:lvl1pPr marL="0" indent="0">
               <a:buNone/>
-              <a:defRPr sz="2133"/>
+              <a:defRPr sz="2440"/>
             </a:lvl1pPr>
-            <a:lvl2pPr marL="609585" indent="0">
+            <a:lvl2pPr marL="697230" indent="0">
               <a:buNone/>
-              <a:defRPr sz="1867"/>
+              <a:defRPr sz="2135"/>
             </a:lvl2pPr>
-            <a:lvl3pPr marL="1219170" indent="0">
+            <a:lvl3pPr marL="1394460" indent="0">
               <a:buNone/>
-              <a:defRPr sz="1600"/>
+              <a:defRPr sz="1830"/>
             </a:lvl3pPr>
-            <a:lvl4pPr marL="1828754" indent="0">
+            <a:lvl4pPr marL="2091690" indent="0">
               <a:buNone/>
-              <a:defRPr sz="1333"/>
+              <a:defRPr sz="1525"/>
             </a:lvl4pPr>
-            <a:lvl5pPr marL="2438339" indent="0">
+            <a:lvl5pPr marL="2788920" indent="0">
               <a:buNone/>
-              <a:defRPr sz="1333"/>
+              <a:defRPr sz="1525"/>
             </a:lvl5pPr>
-            <a:lvl6pPr marL="3047924" indent="0">
+            <a:lvl6pPr marL="3486150" indent="0">
               <a:buNone/>
-              <a:defRPr sz="1333"/>
+              <a:defRPr sz="1525"/>
             </a:lvl6pPr>
-            <a:lvl7pPr marL="3657509" indent="0">
+            <a:lvl7pPr marL="4183380" indent="0">
               <a:buNone/>
-              <a:defRPr sz="1333"/>
+              <a:defRPr sz="1525"/>
             </a:lvl7pPr>
-            <a:lvl8pPr marL="4267093" indent="0">
+            <a:lvl8pPr marL="4880610" indent="0">
               <a:buNone/>
-              <a:defRPr sz="1333"/>
+              <a:defRPr sz="1525"/>
             </a:lvl8pPr>
-            <a:lvl9pPr marL="4876678" indent="0">
+            <a:lvl9pPr marL="5577840" indent="0">
               <a:buNone/>
-              <a:defRPr sz="1333"/>
+              <a:defRPr sz="1525"/>
             </a:lvl9pPr>
           </a:lstStyle>
           <a:p>
@@ -4013,7 +4509,7 @@
           <a:p>
             <a:fld id="{0DEB71B6-FAFF-4E12-AA26-CF422FD449B5}" type="datetimeFigureOut">
               <a:rPr kumimoji="1" lang="ja-JP" altLang="en-US" smtClean="0"/>
-              <a:t>2024/5/21</a:t>
+              <a:t>2024/5/22</a:t>
             </a:fld>
             <a:endParaRPr kumimoji="1" lang="ja-JP" altLang="en-US"/>
           </a:p>
@@ -4064,7 +4560,7 @@
     </p:spTree>
     <p:extLst>
       <p:ext uri="{BB962C8B-B14F-4D97-AF65-F5344CB8AC3E}">
-        <p14:creationId xmlns:p14="http://schemas.microsoft.com/office/powerpoint/2010/main" val="1164351929"/>
+        <p14:creationId xmlns:p14="http://schemas.microsoft.com/office/powerpoint/2010/main" val="2862616776"/>
       </p:ext>
     </p:extLst>
   </p:cSld>
@@ -4108,8 +4604,8 @@
         </p:nvSpPr>
         <p:spPr>
           <a:xfrm>
-            <a:off x="838200" y="556818"/>
-            <a:ext cx="10515600" cy="2021484"/>
+            <a:off x="1580684" y="556816"/>
+            <a:ext cx="19830396" cy="2021484"/>
           </a:xfrm>
           <a:prstGeom prst="rect">
             <a:avLst/>
@@ -4141,8 +4637,8 @@
         </p:nvSpPr>
         <p:spPr>
           <a:xfrm>
-            <a:off x="838200" y="2784078"/>
-            <a:ext cx="10515600" cy="6635790"/>
+            <a:off x="1580684" y="2784078"/>
+            <a:ext cx="19830396" cy="6635790"/>
           </a:xfrm>
           <a:prstGeom prst="rect">
             <a:avLst/>
@@ -4235,8 +4731,8 @@
         </p:nvSpPr>
         <p:spPr>
           <a:xfrm>
-            <a:off x="838200" y="9693436"/>
-            <a:ext cx="2743200" cy="556816"/>
+            <a:off x="1580684" y="9693434"/>
+            <a:ext cx="5173147" cy="556816"/>
           </a:xfrm>
           <a:prstGeom prst="rect">
             <a:avLst/>
@@ -4246,7 +4742,7 @@
           <a:bodyPr vert="horz" lIns="91440" tIns="45720" rIns="91440" bIns="45720" rtlCol="0" anchor="ctr"/>
           <a:lstStyle>
             <a:lvl1pPr algn="l">
-              <a:defRPr sz="1600">
+              <a:defRPr sz="1830">
                 <a:solidFill>
                   <a:schemeClr val="tx1">
                     <a:tint val="82000"/>
@@ -4258,7 +4754,7 @@
           <a:p>
             <a:fld id="{0DEB71B6-FAFF-4E12-AA26-CF422FD449B5}" type="datetimeFigureOut">
               <a:rPr kumimoji="1" lang="ja-JP" altLang="en-US" smtClean="0"/>
-              <a:t>2024/5/21</a:t>
+              <a:t>2024/5/22</a:t>
             </a:fld>
             <a:endParaRPr kumimoji="1" lang="ja-JP" altLang="en-US"/>
           </a:p>
@@ -4276,8 +4772,8 @@
         </p:nvSpPr>
         <p:spPr>
           <a:xfrm>
-            <a:off x="4038600" y="9693436"/>
-            <a:ext cx="4114800" cy="556816"/>
+            <a:off x="7616022" y="9693434"/>
+            <a:ext cx="7759720" cy="556816"/>
           </a:xfrm>
           <a:prstGeom prst="rect">
             <a:avLst/>
@@ -4287,7 +4783,7 @@
           <a:bodyPr vert="horz" lIns="91440" tIns="45720" rIns="91440" bIns="45720" rtlCol="0" anchor="ctr"/>
           <a:lstStyle>
             <a:lvl1pPr algn="ctr">
-              <a:defRPr sz="1600">
+              <a:defRPr sz="1830">
                 <a:solidFill>
                   <a:schemeClr val="tx1">
                     <a:tint val="82000"/>
@@ -4313,8 +4809,8 @@
         </p:nvSpPr>
         <p:spPr>
           <a:xfrm>
-            <a:off x="8610600" y="9693436"/>
-            <a:ext cx="2743200" cy="556816"/>
+            <a:off x="16237932" y="9693434"/>
+            <a:ext cx="5173147" cy="556816"/>
           </a:xfrm>
           <a:prstGeom prst="rect">
             <a:avLst/>
@@ -4324,7 +4820,7 @@
           <a:bodyPr vert="horz" lIns="91440" tIns="45720" rIns="91440" bIns="45720" rtlCol="0" anchor="ctr"/>
           <a:lstStyle>
             <a:lvl1pPr algn="r">
-              <a:defRPr sz="1600">
+              <a:defRPr sz="1830">
                 <a:solidFill>
                   <a:schemeClr val="tx1">
                     <a:tint val="82000"/>
@@ -4345,27 +4841,27 @@
     </p:spTree>
     <p:extLst>
       <p:ext uri="{BB962C8B-B14F-4D97-AF65-F5344CB8AC3E}">
-        <p14:creationId xmlns:p14="http://schemas.microsoft.com/office/powerpoint/2010/main" val="2926830878"/>
+        <p14:creationId xmlns:p14="http://schemas.microsoft.com/office/powerpoint/2010/main" val="1268914406"/>
       </p:ext>
     </p:extLst>
   </p:cSld>
   <p:clrMap bg1="lt1" tx1="dk1" bg2="lt2" tx2="dk2" accent1="accent1" accent2="accent2" accent3="accent3" accent4="accent4" accent5="accent5" accent6="accent6" hlink="hlink" folHlink="folHlink"/>
   <p:sldLayoutIdLst>
-    <p:sldLayoutId id="2147483661" r:id="rId1"/>
-    <p:sldLayoutId id="2147483662" r:id="rId2"/>
-    <p:sldLayoutId id="2147483663" r:id="rId3"/>
-    <p:sldLayoutId id="2147483664" r:id="rId4"/>
-    <p:sldLayoutId id="2147483665" r:id="rId5"/>
-    <p:sldLayoutId id="2147483666" r:id="rId6"/>
-    <p:sldLayoutId id="2147483667" r:id="rId7"/>
-    <p:sldLayoutId id="2147483668" r:id="rId8"/>
-    <p:sldLayoutId id="2147483669" r:id="rId9"/>
-    <p:sldLayoutId id="2147483670" r:id="rId10"/>
-    <p:sldLayoutId id="2147483671" r:id="rId11"/>
+    <p:sldLayoutId id="2147483673" r:id="rId1"/>
+    <p:sldLayoutId id="2147483674" r:id="rId2"/>
+    <p:sldLayoutId id="2147483675" r:id="rId3"/>
+    <p:sldLayoutId id="2147483676" r:id="rId4"/>
+    <p:sldLayoutId id="2147483677" r:id="rId5"/>
+    <p:sldLayoutId id="2147483678" r:id="rId6"/>
+    <p:sldLayoutId id="2147483679" r:id="rId7"/>
+    <p:sldLayoutId id="2147483680" r:id="rId8"/>
+    <p:sldLayoutId id="2147483681" r:id="rId9"/>
+    <p:sldLayoutId id="2147483682" r:id="rId10"/>
+    <p:sldLayoutId id="2147483683" r:id="rId11"/>
   </p:sldLayoutIdLst>
   <p:txStyles>
     <p:titleStyle>
-      <a:lvl1pPr algn="l" defTabSz="1219170" rtl="0" eaLnBrk="1" latinLnBrk="0" hangingPunct="1">
+      <a:lvl1pPr algn="l" defTabSz="1394460" rtl="0" eaLnBrk="1" latinLnBrk="0" hangingPunct="1">
         <a:lnSpc>
           <a:spcPct val="90000"/>
         </a:lnSpc>
@@ -4373,7 +4869,7 @@
           <a:spcPct val="0"/>
         </a:spcBef>
         <a:buNone/>
-        <a:defRPr kumimoji="1" sz="5867" kern="1200">
+        <a:defRPr kumimoji="1" sz="6710" kern="1200">
           <a:solidFill>
             <a:schemeClr val="tx1"/>
           </a:solidFill>
@@ -4384,16 +4880,16 @@
       </a:lvl1pPr>
     </p:titleStyle>
     <p:bodyStyle>
-      <a:lvl1pPr marL="304792" indent="-304792" algn="l" defTabSz="1219170" rtl="0" eaLnBrk="1" latinLnBrk="0" hangingPunct="1">
+      <a:lvl1pPr marL="348615" indent="-348615" algn="l" defTabSz="1394460" rtl="0" eaLnBrk="1" latinLnBrk="0" hangingPunct="1">
         <a:lnSpc>
           <a:spcPct val="90000"/>
         </a:lnSpc>
         <a:spcBef>
-          <a:spcPts val="1333"/>
+          <a:spcPts val="1525"/>
         </a:spcBef>
         <a:buFont typeface="Arial" panose="020B0604020202020204" pitchFamily="34" charset="0"/>
         <a:buChar char="•"/>
-        <a:defRPr kumimoji="1" sz="3733" kern="1200">
+        <a:defRPr kumimoji="1" sz="4270" kern="1200">
           <a:solidFill>
             <a:schemeClr val="tx1"/>
           </a:solidFill>
@@ -4402,16 +4898,16 @@
           <a:cs typeface="+mn-cs"/>
         </a:defRPr>
       </a:lvl1pPr>
-      <a:lvl2pPr marL="914377" indent="-304792" algn="l" defTabSz="1219170" rtl="0" eaLnBrk="1" latinLnBrk="0" hangingPunct="1">
+      <a:lvl2pPr marL="1045845" indent="-348615" algn="l" defTabSz="1394460" rtl="0" eaLnBrk="1" latinLnBrk="0" hangingPunct="1">
         <a:lnSpc>
           <a:spcPct val="90000"/>
         </a:lnSpc>
         <a:spcBef>
-          <a:spcPts val="667"/>
+          <a:spcPts val="763"/>
         </a:spcBef>
         <a:buFont typeface="Arial" panose="020B0604020202020204" pitchFamily="34" charset="0"/>
         <a:buChar char="•"/>
-        <a:defRPr kumimoji="1" sz="3200" kern="1200">
+        <a:defRPr kumimoji="1" sz="3660" kern="1200">
           <a:solidFill>
             <a:schemeClr val="tx1"/>
           </a:solidFill>
@@ -4420,16 +4916,16 @@
           <a:cs typeface="+mn-cs"/>
         </a:defRPr>
       </a:lvl2pPr>
-      <a:lvl3pPr marL="1523962" indent="-304792" algn="l" defTabSz="1219170" rtl="0" eaLnBrk="1" latinLnBrk="0" hangingPunct="1">
+      <a:lvl3pPr marL="1743075" indent="-348615" algn="l" defTabSz="1394460" rtl="0" eaLnBrk="1" latinLnBrk="0" hangingPunct="1">
         <a:lnSpc>
           <a:spcPct val="90000"/>
         </a:lnSpc>
         <a:spcBef>
-          <a:spcPts val="667"/>
+          <a:spcPts val="763"/>
         </a:spcBef>
         <a:buFont typeface="Arial" panose="020B0604020202020204" pitchFamily="34" charset="0"/>
         <a:buChar char="•"/>
-        <a:defRPr kumimoji="1" sz="2667" kern="1200">
+        <a:defRPr kumimoji="1" sz="3050" kern="1200">
           <a:solidFill>
             <a:schemeClr val="tx1"/>
           </a:solidFill>
@@ -4438,16 +4934,16 @@
           <a:cs typeface="+mn-cs"/>
         </a:defRPr>
       </a:lvl3pPr>
-      <a:lvl4pPr marL="2133547" indent="-304792" algn="l" defTabSz="1219170" rtl="0" eaLnBrk="1" latinLnBrk="0" hangingPunct="1">
+      <a:lvl4pPr marL="2440305" indent="-348615" algn="l" defTabSz="1394460" rtl="0" eaLnBrk="1" latinLnBrk="0" hangingPunct="1">
         <a:lnSpc>
           <a:spcPct val="90000"/>
         </a:lnSpc>
         <a:spcBef>
-          <a:spcPts val="667"/>
+          <a:spcPts val="763"/>
         </a:spcBef>
         <a:buFont typeface="Arial" panose="020B0604020202020204" pitchFamily="34" charset="0"/>
         <a:buChar char="•"/>
-        <a:defRPr kumimoji="1" sz="2400" kern="1200">
+        <a:defRPr kumimoji="1" sz="2745" kern="1200">
           <a:solidFill>
             <a:schemeClr val="tx1"/>
           </a:solidFill>
@@ -4456,16 +4952,16 @@
           <a:cs typeface="+mn-cs"/>
         </a:defRPr>
       </a:lvl4pPr>
-      <a:lvl5pPr marL="2743131" indent="-304792" algn="l" defTabSz="1219170" rtl="0" eaLnBrk="1" latinLnBrk="0" hangingPunct="1">
+      <a:lvl5pPr marL="3137535" indent="-348615" algn="l" defTabSz="1394460" rtl="0" eaLnBrk="1" latinLnBrk="0" hangingPunct="1">
         <a:lnSpc>
           <a:spcPct val="90000"/>
         </a:lnSpc>
         <a:spcBef>
-          <a:spcPts val="667"/>
+          <a:spcPts val="763"/>
         </a:spcBef>
         <a:buFont typeface="Arial" panose="020B0604020202020204" pitchFamily="34" charset="0"/>
         <a:buChar char="•"/>
-        <a:defRPr kumimoji="1" sz="2400" kern="1200">
+        <a:defRPr kumimoji="1" sz="2745" kern="1200">
           <a:solidFill>
             <a:schemeClr val="tx1"/>
           </a:solidFill>
@@ -4474,16 +4970,16 @@
           <a:cs typeface="+mn-cs"/>
         </a:defRPr>
       </a:lvl5pPr>
-      <a:lvl6pPr marL="3352716" indent="-304792" algn="l" defTabSz="1219170" rtl="0" eaLnBrk="1" latinLnBrk="0" hangingPunct="1">
+      <a:lvl6pPr marL="3834765" indent="-348615" algn="l" defTabSz="1394460" rtl="0" eaLnBrk="1" latinLnBrk="0" hangingPunct="1">
         <a:lnSpc>
           <a:spcPct val="90000"/>
         </a:lnSpc>
         <a:spcBef>
-          <a:spcPts val="667"/>
+          <a:spcPts val="763"/>
         </a:spcBef>
         <a:buFont typeface="Arial" panose="020B0604020202020204" pitchFamily="34" charset="0"/>
         <a:buChar char="•"/>
-        <a:defRPr kumimoji="1" sz="2400" kern="1200">
+        <a:defRPr kumimoji="1" sz="2745" kern="1200">
           <a:solidFill>
             <a:schemeClr val="tx1"/>
           </a:solidFill>
@@ -4492,16 +4988,16 @@
           <a:cs typeface="+mn-cs"/>
         </a:defRPr>
       </a:lvl6pPr>
-      <a:lvl7pPr marL="3962301" indent="-304792" algn="l" defTabSz="1219170" rtl="0" eaLnBrk="1" latinLnBrk="0" hangingPunct="1">
+      <a:lvl7pPr marL="4531995" indent="-348615" algn="l" defTabSz="1394460" rtl="0" eaLnBrk="1" latinLnBrk="0" hangingPunct="1">
         <a:lnSpc>
           <a:spcPct val="90000"/>
         </a:lnSpc>
         <a:spcBef>
-          <a:spcPts val="667"/>
+          <a:spcPts val="763"/>
         </a:spcBef>
         <a:buFont typeface="Arial" panose="020B0604020202020204" pitchFamily="34" charset="0"/>
         <a:buChar char="•"/>
-        <a:defRPr kumimoji="1" sz="2400" kern="1200">
+        <a:defRPr kumimoji="1" sz="2745" kern="1200">
           <a:solidFill>
             <a:schemeClr val="tx1"/>
           </a:solidFill>
@@ -4510,16 +5006,16 @@
           <a:cs typeface="+mn-cs"/>
         </a:defRPr>
       </a:lvl7pPr>
-      <a:lvl8pPr marL="4571886" indent="-304792" algn="l" defTabSz="1219170" rtl="0" eaLnBrk="1" latinLnBrk="0" hangingPunct="1">
+      <a:lvl8pPr marL="5229225" indent="-348615" algn="l" defTabSz="1394460" rtl="0" eaLnBrk="1" latinLnBrk="0" hangingPunct="1">
         <a:lnSpc>
           <a:spcPct val="90000"/>
         </a:lnSpc>
         <a:spcBef>
-          <a:spcPts val="667"/>
+          <a:spcPts val="763"/>
         </a:spcBef>
         <a:buFont typeface="Arial" panose="020B0604020202020204" pitchFamily="34" charset="0"/>
         <a:buChar char="•"/>
-        <a:defRPr kumimoji="1" sz="2400" kern="1200">
+        <a:defRPr kumimoji="1" sz="2745" kern="1200">
           <a:solidFill>
             <a:schemeClr val="tx1"/>
           </a:solidFill>
@@ -4528,16 +5024,16 @@
           <a:cs typeface="+mn-cs"/>
         </a:defRPr>
       </a:lvl8pPr>
-      <a:lvl9pPr marL="5181470" indent="-304792" algn="l" defTabSz="1219170" rtl="0" eaLnBrk="1" latinLnBrk="0" hangingPunct="1">
+      <a:lvl9pPr marL="5926455" indent="-348615" algn="l" defTabSz="1394460" rtl="0" eaLnBrk="1" latinLnBrk="0" hangingPunct="1">
         <a:lnSpc>
           <a:spcPct val="90000"/>
         </a:lnSpc>
         <a:spcBef>
-          <a:spcPts val="667"/>
+          <a:spcPts val="763"/>
         </a:spcBef>
         <a:buFont typeface="Arial" panose="020B0604020202020204" pitchFamily="34" charset="0"/>
         <a:buChar char="•"/>
-        <a:defRPr kumimoji="1" sz="2400" kern="1200">
+        <a:defRPr kumimoji="1" sz="2745" kern="1200">
           <a:solidFill>
             <a:schemeClr val="tx1"/>
           </a:solidFill>
@@ -4551,8 +5047,8 @@
       <a:defPPr>
         <a:defRPr lang="en-US"/>
       </a:defPPr>
-      <a:lvl1pPr marL="0" algn="l" defTabSz="1219170" rtl="0" eaLnBrk="1" latinLnBrk="0" hangingPunct="1">
-        <a:defRPr kumimoji="1" sz="2400" kern="1200">
+      <a:lvl1pPr marL="0" algn="l" defTabSz="1394460" rtl="0" eaLnBrk="1" latinLnBrk="0" hangingPunct="1">
+        <a:defRPr kumimoji="1" sz="2745" kern="1200">
           <a:solidFill>
             <a:schemeClr val="tx1"/>
           </a:solidFill>
@@ -4561,8 +5057,8 @@
           <a:cs typeface="+mn-cs"/>
         </a:defRPr>
       </a:lvl1pPr>
-      <a:lvl2pPr marL="609585" algn="l" defTabSz="1219170" rtl="0" eaLnBrk="1" latinLnBrk="0" hangingPunct="1">
-        <a:defRPr kumimoji="1" sz="2400" kern="1200">
+      <a:lvl2pPr marL="697230" algn="l" defTabSz="1394460" rtl="0" eaLnBrk="1" latinLnBrk="0" hangingPunct="1">
+        <a:defRPr kumimoji="1" sz="2745" kern="1200">
           <a:solidFill>
             <a:schemeClr val="tx1"/>
           </a:solidFill>
@@ -4571,8 +5067,8 @@
           <a:cs typeface="+mn-cs"/>
         </a:defRPr>
       </a:lvl2pPr>
-      <a:lvl3pPr marL="1219170" algn="l" defTabSz="1219170" rtl="0" eaLnBrk="1" latinLnBrk="0" hangingPunct="1">
-        <a:defRPr kumimoji="1" sz="2400" kern="1200">
+      <a:lvl3pPr marL="1394460" algn="l" defTabSz="1394460" rtl="0" eaLnBrk="1" latinLnBrk="0" hangingPunct="1">
+        <a:defRPr kumimoji="1" sz="2745" kern="1200">
           <a:solidFill>
             <a:schemeClr val="tx1"/>
           </a:solidFill>
@@ -4581,8 +5077,8 @@
           <a:cs typeface="+mn-cs"/>
         </a:defRPr>
       </a:lvl3pPr>
-      <a:lvl4pPr marL="1828754" algn="l" defTabSz="1219170" rtl="0" eaLnBrk="1" latinLnBrk="0" hangingPunct="1">
-        <a:defRPr kumimoji="1" sz="2400" kern="1200">
+      <a:lvl4pPr marL="2091690" algn="l" defTabSz="1394460" rtl="0" eaLnBrk="1" latinLnBrk="0" hangingPunct="1">
+        <a:defRPr kumimoji="1" sz="2745" kern="1200">
           <a:solidFill>
             <a:schemeClr val="tx1"/>
           </a:solidFill>
@@ -4591,8 +5087,8 @@
           <a:cs typeface="+mn-cs"/>
         </a:defRPr>
       </a:lvl4pPr>
-      <a:lvl5pPr marL="2438339" algn="l" defTabSz="1219170" rtl="0" eaLnBrk="1" latinLnBrk="0" hangingPunct="1">
-        <a:defRPr kumimoji="1" sz="2400" kern="1200">
+      <a:lvl5pPr marL="2788920" algn="l" defTabSz="1394460" rtl="0" eaLnBrk="1" latinLnBrk="0" hangingPunct="1">
+        <a:defRPr kumimoji="1" sz="2745" kern="1200">
           <a:solidFill>
             <a:schemeClr val="tx1"/>
           </a:solidFill>
@@ -4601,8 +5097,8 @@
           <a:cs typeface="+mn-cs"/>
         </a:defRPr>
       </a:lvl5pPr>
-      <a:lvl6pPr marL="3047924" algn="l" defTabSz="1219170" rtl="0" eaLnBrk="1" latinLnBrk="0" hangingPunct="1">
-        <a:defRPr kumimoji="1" sz="2400" kern="1200">
+      <a:lvl6pPr marL="3486150" algn="l" defTabSz="1394460" rtl="0" eaLnBrk="1" latinLnBrk="0" hangingPunct="1">
+        <a:defRPr kumimoji="1" sz="2745" kern="1200">
           <a:solidFill>
             <a:schemeClr val="tx1"/>
           </a:solidFill>
@@ -4611,8 +5107,8 @@
           <a:cs typeface="+mn-cs"/>
         </a:defRPr>
       </a:lvl6pPr>
-      <a:lvl7pPr marL="3657509" algn="l" defTabSz="1219170" rtl="0" eaLnBrk="1" latinLnBrk="0" hangingPunct="1">
-        <a:defRPr kumimoji="1" sz="2400" kern="1200">
+      <a:lvl7pPr marL="4183380" algn="l" defTabSz="1394460" rtl="0" eaLnBrk="1" latinLnBrk="0" hangingPunct="1">
+        <a:defRPr kumimoji="1" sz="2745" kern="1200">
           <a:solidFill>
             <a:schemeClr val="tx1"/>
           </a:solidFill>
@@ -4621,8 +5117,8 @@
           <a:cs typeface="+mn-cs"/>
         </a:defRPr>
       </a:lvl7pPr>
-      <a:lvl8pPr marL="4267093" algn="l" defTabSz="1219170" rtl="0" eaLnBrk="1" latinLnBrk="0" hangingPunct="1">
-        <a:defRPr kumimoji="1" sz="2400" kern="1200">
+      <a:lvl8pPr marL="4880610" algn="l" defTabSz="1394460" rtl="0" eaLnBrk="1" latinLnBrk="0" hangingPunct="1">
+        <a:defRPr kumimoji="1" sz="2745" kern="1200">
           <a:solidFill>
             <a:schemeClr val="tx1"/>
           </a:solidFill>
@@ -4631,8 +5127,8 @@
           <a:cs typeface="+mn-cs"/>
         </a:defRPr>
       </a:lvl8pPr>
-      <a:lvl9pPr marL="4876678" algn="l" defTabSz="1219170" rtl="0" eaLnBrk="1" latinLnBrk="0" hangingPunct="1">
-        <a:defRPr kumimoji="1" sz="2400" kern="1200">
+      <a:lvl9pPr marL="5577840" algn="l" defTabSz="1394460" rtl="0" eaLnBrk="1" latinLnBrk="0" hangingPunct="1">
+        <a:defRPr kumimoji="1" sz="2745" kern="1200">
           <a:solidFill>
             <a:schemeClr val="tx1"/>
           </a:solidFill>
@@ -4680,7 +5176,7 @@
         </p:nvCxnSpPr>
         <p:spPr>
           <a:xfrm flipV="1">
-            <a:off x="1885828" y="3211573"/>
+            <a:off x="7285710" y="3211573"/>
             <a:ext cx="3061001" cy="2112718"/>
           </a:xfrm>
           <a:prstGeom prst="bentConnector3">
@@ -4737,7 +5233,7 @@
         </p:blipFill>
         <p:spPr bwMode="auto">
           <a:xfrm>
-            <a:off x="7398306" y="2830573"/>
+            <a:off x="12798187" y="2830573"/>
             <a:ext cx="762000" cy="770400"/>
           </a:xfrm>
           <a:prstGeom prst="rect">
@@ -4782,7 +5278,7 @@
         </p:blipFill>
         <p:spPr>
           <a:xfrm>
-            <a:off x="4946829" y="2830573"/>
+            <a:off x="10346710" y="2830573"/>
             <a:ext cx="762000" cy="762000"/>
           </a:xfrm>
           <a:prstGeom prst="rect">
@@ -4806,7 +5302,7 @@
         </p:nvSpPr>
         <p:spPr bwMode="auto">
           <a:xfrm>
-            <a:off x="4188004" y="3594163"/>
+            <a:off x="9587885" y="3594164"/>
             <a:ext cx="2279650" cy="307777"/>
           </a:xfrm>
           <a:prstGeom prst="rect">
@@ -4978,7 +5474,7 @@
         </p:blipFill>
         <p:spPr bwMode="auto">
           <a:xfrm>
-            <a:off x="1215902" y="5003800"/>
+            <a:off x="6615783" y="5003800"/>
             <a:ext cx="640982" cy="640982"/>
           </a:xfrm>
           <a:prstGeom prst="rect">
@@ -5025,7 +5521,7 @@
         </p:nvSpPr>
         <p:spPr bwMode="auto">
           <a:xfrm>
-            <a:off x="999818" y="5723360"/>
+            <a:off x="6399699" y="5723361"/>
             <a:ext cx="1073150" cy="307777"/>
           </a:xfrm>
           <a:prstGeom prst="rect">
@@ -5185,7 +5681,7 @@
         </p:nvSpPr>
         <p:spPr bwMode="auto">
           <a:xfrm>
-            <a:off x="6639481" y="3602563"/>
+            <a:off x="12039362" y="3602564"/>
             <a:ext cx="2279650" cy="307777"/>
           </a:xfrm>
           <a:prstGeom prst="rect">
@@ -5346,7 +5842,7 @@
         </p:nvSpPr>
         <p:spPr bwMode="auto">
           <a:xfrm>
-            <a:off x="9615488" y="3602563"/>
+            <a:off x="15015369" y="3602564"/>
             <a:ext cx="1203936" cy="307777"/>
           </a:xfrm>
           <a:prstGeom prst="rect">
@@ -5518,7 +6014,7 @@
         </p:blipFill>
         <p:spPr>
           <a:xfrm>
-            <a:off x="4946829" y="5120360"/>
+            <a:off x="10346710" y="5120360"/>
             <a:ext cx="762000" cy="762000"/>
           </a:xfrm>
           <a:prstGeom prst="rect">
@@ -5542,7 +6038,7 @@
         </p:nvSpPr>
         <p:spPr bwMode="auto">
           <a:xfrm>
-            <a:off x="4188004" y="5883950"/>
+            <a:off x="9587885" y="5883951"/>
             <a:ext cx="2279650" cy="307777"/>
           </a:xfrm>
           <a:prstGeom prst="rect">
@@ -5714,7 +6210,7 @@
         </p:blipFill>
         <p:spPr>
           <a:xfrm>
-            <a:off x="4946829" y="7601527"/>
+            <a:off x="10346710" y="7601527"/>
             <a:ext cx="762000" cy="762000"/>
           </a:xfrm>
           <a:prstGeom prst="rect">
@@ -5738,7 +6234,7 @@
         </p:nvSpPr>
         <p:spPr bwMode="auto">
           <a:xfrm>
-            <a:off x="4188004" y="8365117"/>
+            <a:off x="9587885" y="8365118"/>
             <a:ext cx="2279650" cy="307777"/>
           </a:xfrm>
           <a:prstGeom prst="rect">
@@ -5899,7 +6395,7 @@
         </p:nvCxnSpPr>
         <p:spPr>
           <a:xfrm>
-            <a:off x="5327829" y="6160949"/>
+            <a:off x="10727710" y="6160950"/>
             <a:ext cx="0" cy="1440581"/>
           </a:xfrm>
           <a:prstGeom prst="straightConnector1">
@@ -5945,7 +6441,7 @@
         </p:nvCxnSpPr>
         <p:spPr>
           <a:xfrm rot="5400000">
-            <a:off x="5948558" y="3670612"/>
+            <a:off x="11348439" y="3670613"/>
             <a:ext cx="1591020" cy="2070477"/>
           </a:xfrm>
           <a:prstGeom prst="bentConnector2">
@@ -5990,7 +6486,7 @@
         </p:nvCxnSpPr>
         <p:spPr>
           <a:xfrm rot="10800000">
-            <a:off x="1856885" y="5530965"/>
+            <a:off x="7256767" y="5530965"/>
             <a:ext cx="3089945" cy="2451562"/>
           </a:xfrm>
           <a:prstGeom prst="bentConnector3">
@@ -6038,7 +6534,7 @@
         </p:nvCxnSpPr>
         <p:spPr>
           <a:xfrm>
-            <a:off x="5708832" y="3211573"/>
+            <a:off x="11108714" y="3211573"/>
             <a:ext cx="1689477" cy="4200"/>
           </a:xfrm>
           <a:prstGeom prst="straightConnector1">
@@ -6095,7 +6591,7 @@
         </p:blipFill>
         <p:spPr bwMode="auto">
           <a:xfrm>
-            <a:off x="9832256" y="2779134"/>
+            <a:off x="15232137" y="2779135"/>
             <a:ext cx="770400" cy="864883"/>
           </a:xfrm>
           <a:prstGeom prst="rect">
@@ -6131,7 +6627,7 @@
         </p:nvCxnSpPr>
         <p:spPr>
           <a:xfrm flipV="1">
-            <a:off x="8160306" y="3211576"/>
+            <a:off x="13560187" y="3211577"/>
             <a:ext cx="1671950" cy="4197"/>
           </a:xfrm>
           <a:prstGeom prst="straightConnector1">
@@ -6173,7 +6669,7 @@
         </p:nvSpPr>
         <p:spPr>
           <a:xfrm>
-            <a:off x="4292593" y="3905598"/>
+            <a:off x="9692475" y="3905598"/>
             <a:ext cx="2070477" cy="338554"/>
           </a:xfrm>
           <a:prstGeom prst="rect">
@@ -6225,7 +6721,7 @@
         </p:nvSpPr>
         <p:spPr>
           <a:xfrm>
-            <a:off x="7779306" y="3905598"/>
+            <a:off x="13179187" y="3905598"/>
             <a:ext cx="3231594" cy="338554"/>
           </a:xfrm>
           <a:prstGeom prst="rect">
@@ -6277,7 +6773,7 @@
         </p:nvSpPr>
         <p:spPr>
           <a:xfrm>
-            <a:off x="5566658" y="6151980"/>
+            <a:off x="10966539" y="6151980"/>
             <a:ext cx="3054170" cy="338554"/>
           </a:xfrm>
           <a:prstGeom prst="rect">
@@ -6328,7 +6824,7 @@
         </p:nvSpPr>
         <p:spPr>
           <a:xfrm>
-            <a:off x="5566658" y="8642116"/>
+            <a:off x="10966539" y="8642116"/>
             <a:ext cx="1834970" cy="338554"/>
           </a:xfrm>
           <a:prstGeom prst="rect">
@@ -6392,7 +6888,7 @@
         </p:blipFill>
         <p:spPr bwMode="auto">
           <a:xfrm>
-            <a:off x="9834306" y="1125638"/>
+            <a:off x="15234187" y="1125638"/>
             <a:ext cx="762000" cy="762000"/>
           </a:xfrm>
           <a:prstGeom prst="rect">
@@ -6439,7 +6935,7 @@
         </p:nvSpPr>
         <p:spPr bwMode="auto">
           <a:xfrm>
-            <a:off x="9094531" y="1889225"/>
+            <a:off x="14494412" y="1889225"/>
             <a:ext cx="2239962" cy="523220"/>
           </a:xfrm>
           <a:prstGeom prst="rect">
@@ -6602,7 +7098,7 @@
         </p:nvCxnSpPr>
         <p:spPr>
           <a:xfrm rot="10800000" flipV="1">
-            <a:off x="7779306" y="1506637"/>
+            <a:off x="13179187" y="1506638"/>
             <a:ext cx="2055000" cy="1323935"/>
           </a:xfrm>
           <a:prstGeom prst="bentConnector2">
@@ -6644,7 +7140,7 @@
         </p:nvSpPr>
         <p:spPr>
           <a:xfrm>
-            <a:off x="3233899" y="2866524"/>
+            <a:off x="8633781" y="2866524"/>
             <a:ext cx="1333517" cy="338554"/>
           </a:xfrm>
           <a:prstGeom prst="rect">
@@ -6683,7 +7179,7 @@
         </p:nvSpPr>
         <p:spPr>
           <a:xfrm>
-            <a:off x="5879914" y="2866524"/>
+            <a:off x="11279796" y="2866524"/>
             <a:ext cx="1333517" cy="338554"/>
           </a:xfrm>
           <a:prstGeom prst="rect">
@@ -6722,7 +7218,7 @@
         </p:nvSpPr>
         <p:spPr>
           <a:xfrm>
-            <a:off x="6113079" y="5162806"/>
+            <a:off x="11512961" y="5162806"/>
             <a:ext cx="1333517" cy="338554"/>
           </a:xfrm>
           <a:prstGeom prst="rect">
@@ -6761,7 +7257,7 @@
         </p:nvSpPr>
         <p:spPr>
           <a:xfrm>
-            <a:off x="5425978" y="6965549"/>
+            <a:off x="10825859" y="6965550"/>
             <a:ext cx="2020616" cy="584775"/>
           </a:xfrm>
           <a:prstGeom prst="rect">
@@ -6812,7 +7308,7 @@
         </p:nvSpPr>
         <p:spPr>
           <a:xfrm>
-            <a:off x="3233899" y="7650178"/>
+            <a:off x="8633781" y="7650178"/>
             <a:ext cx="1333517" cy="338554"/>
           </a:xfrm>
           <a:prstGeom prst="rect">
@@ -6841,6 +7337,2856 @@
     <p:extLst>
       <p:ext uri="{BB962C8B-B14F-4D97-AF65-F5344CB8AC3E}">
         <p14:creationId xmlns:p14="http://schemas.microsoft.com/office/powerpoint/2010/main" val="3229397666"/>
+      </p:ext>
+    </p:extLst>
+  </p:cSld>
+  <p:clrMapOvr>
+    <a:masterClrMapping/>
+  </p:clrMapOvr>
+</p:sld>
+</file>
+
+<file path=ppt/slides/slide2.xml><?xml version="1.0" encoding="utf-8"?>
+<p:sld xmlns:a="http://schemas.openxmlformats.org/drawingml/2006/main" xmlns:r="http://schemas.openxmlformats.org/officeDocument/2006/relationships" xmlns:p="http://schemas.openxmlformats.org/presentationml/2006/main">
+  <p:cSld>
+    <p:spTree>
+      <p:nvGrpSpPr>
+        <p:cNvPr id="1" name=""/>
+        <p:cNvGrpSpPr/>
+        <p:nvPr/>
+      </p:nvGrpSpPr>
+      <p:grpSpPr>
+        <a:xfrm>
+          <a:off x="0" y="0"/>
+          <a:ext cx="0" cy="0"/>
+          <a:chOff x="0" y="0"/>
+          <a:chExt cx="0" cy="0"/>
+        </a:xfrm>
+      </p:grpSpPr>
+      <p:pic>
+        <p:nvPicPr>
+          <p:cNvPr id="4" name="Picture 2" descr="ナレッジベースは、Amazon Bedrock でフルマネージド型の RAG エクスペリエンスを提供するようになりました | Amazon Web  Services ブログ">
+            <a:extLst>
+              <a:ext uri="{FF2B5EF4-FFF2-40B4-BE49-F238E27FC236}">
+                <a16:creationId xmlns:a16="http://schemas.microsoft.com/office/drawing/2014/main" id="{B1ADFCFD-0171-0729-4902-5AC6A755ED16}"/>
+              </a:ext>
+            </a:extLst>
+          </p:cNvPr>
+          <p:cNvPicPr>
+            <a:picLocks noChangeAspect="1" noChangeArrowheads="1"/>
+          </p:cNvPicPr>
+          <p:nvPr/>
+        </p:nvPicPr>
+        <p:blipFill rotWithShape="1">
+          <a:blip r:embed="rId2">
+            <a:extLst>
+              <a:ext uri="{28A0092B-C50C-407E-A947-70E740481C1C}">
+                <a14:useLocalDpi xmlns:a14="http://schemas.microsoft.com/office/drawing/2010/main" val="0"/>
+              </a:ext>
+            </a:extLst>
+          </a:blip>
+          <a:srcRect l="57371" t="13407" r="14584" b="26868"/>
+          <a:stretch/>
+        </p:blipFill>
+        <p:spPr bwMode="auto">
+          <a:xfrm>
+            <a:off x="9158821" y="4162711"/>
+            <a:ext cx="762000" cy="770400"/>
+          </a:xfrm>
+          <a:prstGeom prst="rect">
+            <a:avLst/>
+          </a:prstGeom>
+          <a:noFill/>
+          <a:extLst>
+            <a:ext uri="{909E8E84-426E-40DD-AFC4-6F175D3DCCD1}">
+              <a14:hiddenFill xmlns:a14="http://schemas.microsoft.com/office/drawing/2010/main">
+                <a:solidFill>
+                  <a:srgbClr val="FFFFFF"/>
+                </a:solidFill>
+              </a14:hiddenFill>
+            </a:ext>
+          </a:extLst>
+        </p:spPr>
+      </p:pic>
+      <p:pic>
+        <p:nvPicPr>
+          <p:cNvPr id="5" name="Graphic 6" descr="Amazon Bedrock service icon.">
+            <a:extLst>
+              <a:ext uri="{FF2B5EF4-FFF2-40B4-BE49-F238E27FC236}">
+                <a16:creationId xmlns:a16="http://schemas.microsoft.com/office/drawing/2014/main" id="{EBDADFF3-D964-344C-2A6A-F78FF246447A}"/>
+              </a:ext>
+            </a:extLst>
+          </p:cNvPr>
+          <p:cNvPicPr>
+            <a:picLocks noChangeAspect="1"/>
+          </p:cNvPicPr>
+          <p:nvPr/>
+        </p:nvPicPr>
+        <p:blipFill>
+          <a:blip r:embed="rId3">
+            <a:extLst>
+              <a:ext uri="{96DAC541-7B7A-43D3-8B79-37D633B846F1}">
+                <asvg:svgBlip xmlns:asvg="http://schemas.microsoft.com/office/drawing/2016/SVG/main" r:embed="rId4"/>
+              </a:ext>
+            </a:extLst>
+          </a:blip>
+          <a:srcRect/>
+          <a:stretch/>
+        </p:blipFill>
+        <p:spPr>
+          <a:xfrm>
+            <a:off x="4981986" y="4162711"/>
+            <a:ext cx="762000" cy="762000"/>
+          </a:xfrm>
+          <a:prstGeom prst="rect">
+            <a:avLst/>
+          </a:prstGeom>
+        </p:spPr>
+      </p:pic>
+      <p:sp>
+        <p:nvSpPr>
+          <p:cNvPr id="6" name="TextBox 12">
+            <a:extLst>
+              <a:ext uri="{FF2B5EF4-FFF2-40B4-BE49-F238E27FC236}">
+                <a16:creationId xmlns:a16="http://schemas.microsoft.com/office/drawing/2014/main" id="{5EC9B946-F974-079E-499C-B6CE3EB89F94}"/>
+              </a:ext>
+            </a:extLst>
+          </p:cNvPr>
+          <p:cNvSpPr txBox="1">
+            <a:spLocks noChangeArrowheads="1"/>
+          </p:cNvSpPr>
+          <p:nvPr/>
+        </p:nvSpPr>
+        <p:spPr bwMode="auto">
+          <a:xfrm>
+            <a:off x="4223161" y="4926302"/>
+            <a:ext cx="2279650" cy="307777"/>
+          </a:xfrm>
+          <a:prstGeom prst="rect">
+            <a:avLst/>
+          </a:prstGeom>
+          <a:noFill/>
+          <a:ln>
+            <a:noFill/>
+          </a:ln>
+          <a:extLst>
+            <a:ext uri="{909E8E84-426E-40DD-AFC4-6F175D3DCCD1}">
+              <a14:hiddenFill xmlns:a14="http://schemas.microsoft.com/office/drawing/2010/main">
+                <a:solidFill>
+                  <a:srgbClr val="FFFFFF"/>
+                </a:solidFill>
+              </a14:hiddenFill>
+            </a:ext>
+            <a:ext uri="{91240B29-F687-4F45-9708-019B960494DF}">
+              <a14:hiddenLine xmlns:a14="http://schemas.microsoft.com/office/drawing/2010/main" w="9525">
+                <a:solidFill>
+                  <a:srgbClr val="000000"/>
+                </a:solidFill>
+                <a:miter lim="800000"/>
+                <a:headEnd/>
+                <a:tailEnd/>
+              </a14:hiddenLine>
+            </a:ext>
+          </a:extLst>
+        </p:spPr>
+        <p:txBody>
+          <a:bodyPr>
+            <a:spAutoFit/>
+          </a:bodyPr>
+          <a:lstStyle>
+            <a:lvl1pPr>
+              <a:defRPr>
+                <a:solidFill>
+                  <a:schemeClr val="tx1"/>
+                </a:solidFill>
+                <a:latin typeface="Calibri" panose="020F0502020204030204" pitchFamily="34" charset="0"/>
+              </a:defRPr>
+            </a:lvl1pPr>
+            <a:lvl2pPr marL="742950" indent="-285750">
+              <a:defRPr>
+                <a:solidFill>
+                  <a:schemeClr val="tx1"/>
+                </a:solidFill>
+                <a:latin typeface="Calibri" panose="020F0502020204030204" pitchFamily="34" charset="0"/>
+              </a:defRPr>
+            </a:lvl2pPr>
+            <a:lvl3pPr marL="1143000" indent="-228600">
+              <a:defRPr>
+                <a:solidFill>
+                  <a:schemeClr val="tx1"/>
+                </a:solidFill>
+                <a:latin typeface="Calibri" panose="020F0502020204030204" pitchFamily="34" charset="0"/>
+              </a:defRPr>
+            </a:lvl3pPr>
+            <a:lvl4pPr marL="1600200" indent="-228600">
+              <a:defRPr>
+                <a:solidFill>
+                  <a:schemeClr val="tx1"/>
+                </a:solidFill>
+                <a:latin typeface="Calibri" panose="020F0502020204030204" pitchFamily="34" charset="0"/>
+              </a:defRPr>
+            </a:lvl4pPr>
+            <a:lvl5pPr marL="2057400" indent="-228600">
+              <a:defRPr>
+                <a:solidFill>
+                  <a:schemeClr val="tx1"/>
+                </a:solidFill>
+                <a:latin typeface="Calibri" panose="020F0502020204030204" pitchFamily="34" charset="0"/>
+              </a:defRPr>
+            </a:lvl5pPr>
+            <a:lvl6pPr marL="2514600" indent="-228600" eaLnBrk="0" fontAlgn="base" hangingPunct="0">
+              <a:spcBef>
+                <a:spcPct val="0"/>
+              </a:spcBef>
+              <a:spcAft>
+                <a:spcPct val="0"/>
+              </a:spcAft>
+              <a:defRPr>
+                <a:solidFill>
+                  <a:schemeClr val="tx1"/>
+                </a:solidFill>
+                <a:latin typeface="Calibri" panose="020F0502020204030204" pitchFamily="34" charset="0"/>
+              </a:defRPr>
+            </a:lvl6pPr>
+            <a:lvl7pPr marL="2971800" indent="-228600" eaLnBrk="0" fontAlgn="base" hangingPunct="0">
+              <a:spcBef>
+                <a:spcPct val="0"/>
+              </a:spcBef>
+              <a:spcAft>
+                <a:spcPct val="0"/>
+              </a:spcAft>
+              <a:defRPr>
+                <a:solidFill>
+                  <a:schemeClr val="tx1"/>
+                </a:solidFill>
+                <a:latin typeface="Calibri" panose="020F0502020204030204" pitchFamily="34" charset="0"/>
+              </a:defRPr>
+            </a:lvl7pPr>
+            <a:lvl8pPr marL="3429000" indent="-228600" eaLnBrk="0" fontAlgn="base" hangingPunct="0">
+              <a:spcBef>
+                <a:spcPct val="0"/>
+              </a:spcBef>
+              <a:spcAft>
+                <a:spcPct val="0"/>
+              </a:spcAft>
+              <a:defRPr>
+                <a:solidFill>
+                  <a:schemeClr val="tx1"/>
+                </a:solidFill>
+                <a:latin typeface="Calibri" panose="020F0502020204030204" pitchFamily="34" charset="0"/>
+              </a:defRPr>
+            </a:lvl8pPr>
+            <a:lvl9pPr marL="3886200" indent="-228600" eaLnBrk="0" fontAlgn="base" hangingPunct="0">
+              <a:spcBef>
+                <a:spcPct val="0"/>
+              </a:spcBef>
+              <a:spcAft>
+                <a:spcPct val="0"/>
+              </a:spcAft>
+              <a:defRPr>
+                <a:solidFill>
+                  <a:schemeClr val="tx1"/>
+                </a:solidFill>
+                <a:latin typeface="Calibri" panose="020F0502020204030204" pitchFamily="34" charset="0"/>
+              </a:defRPr>
+            </a:lvl9pPr>
+          </a:lstStyle>
+          <a:p>
+            <a:pPr algn="ctr" eaLnBrk="1" hangingPunct="1"/>
+            <a:r>
+              <a:rPr lang="en-US" altLang="en-US" sz="1400" dirty="0">
+                <a:latin typeface="Arial" panose="020B0604020202020204" pitchFamily="34" charset="0"/>
+                <a:ea typeface="Amazon Ember" panose="020B0603020204020204" pitchFamily="34" charset="0"/>
+                <a:cs typeface="Arial" panose="020B0604020202020204" pitchFamily="34" charset="0"/>
+              </a:rPr>
+              <a:t>Amazon Bedrock</a:t>
+            </a:r>
+          </a:p>
+        </p:txBody>
+      </p:sp>
+      <p:sp>
+        <p:nvSpPr>
+          <p:cNvPr id="7" name="TextBox 12">
+            <a:extLst>
+              <a:ext uri="{FF2B5EF4-FFF2-40B4-BE49-F238E27FC236}">
+                <a16:creationId xmlns:a16="http://schemas.microsoft.com/office/drawing/2014/main" id="{3FD44162-6738-0460-CCA1-31846E3533A0}"/>
+              </a:ext>
+            </a:extLst>
+          </p:cNvPr>
+          <p:cNvSpPr txBox="1">
+            <a:spLocks noChangeArrowheads="1"/>
+          </p:cNvSpPr>
+          <p:nvPr/>
+        </p:nvSpPr>
+        <p:spPr bwMode="auto">
+          <a:xfrm>
+            <a:off x="8399996" y="4934702"/>
+            <a:ext cx="2279650" cy="307777"/>
+          </a:xfrm>
+          <a:prstGeom prst="rect">
+            <a:avLst/>
+          </a:prstGeom>
+          <a:noFill/>
+          <a:ln>
+            <a:noFill/>
+          </a:ln>
+          <a:extLst>
+            <a:ext uri="{909E8E84-426E-40DD-AFC4-6F175D3DCCD1}">
+              <a14:hiddenFill xmlns:a14="http://schemas.microsoft.com/office/drawing/2010/main">
+                <a:solidFill>
+                  <a:srgbClr val="FFFFFF"/>
+                </a:solidFill>
+              </a14:hiddenFill>
+            </a:ext>
+            <a:ext uri="{91240B29-F687-4F45-9708-019B960494DF}">
+              <a14:hiddenLine xmlns:a14="http://schemas.microsoft.com/office/drawing/2010/main" w="9525">
+                <a:solidFill>
+                  <a:srgbClr val="000000"/>
+                </a:solidFill>
+                <a:miter lim="800000"/>
+                <a:headEnd/>
+                <a:tailEnd/>
+              </a14:hiddenLine>
+            </a:ext>
+          </a:extLst>
+        </p:spPr>
+        <p:txBody>
+          <a:bodyPr>
+            <a:spAutoFit/>
+          </a:bodyPr>
+          <a:lstStyle>
+            <a:lvl1pPr>
+              <a:defRPr>
+                <a:solidFill>
+                  <a:schemeClr val="tx1"/>
+                </a:solidFill>
+                <a:latin typeface="Calibri" panose="020F0502020204030204" pitchFamily="34" charset="0"/>
+              </a:defRPr>
+            </a:lvl1pPr>
+            <a:lvl2pPr marL="742950" indent="-285750">
+              <a:defRPr>
+                <a:solidFill>
+                  <a:schemeClr val="tx1"/>
+                </a:solidFill>
+                <a:latin typeface="Calibri" panose="020F0502020204030204" pitchFamily="34" charset="0"/>
+              </a:defRPr>
+            </a:lvl2pPr>
+            <a:lvl3pPr marL="1143000" indent="-228600">
+              <a:defRPr>
+                <a:solidFill>
+                  <a:schemeClr val="tx1"/>
+                </a:solidFill>
+                <a:latin typeface="Calibri" panose="020F0502020204030204" pitchFamily="34" charset="0"/>
+              </a:defRPr>
+            </a:lvl3pPr>
+            <a:lvl4pPr marL="1600200" indent="-228600">
+              <a:defRPr>
+                <a:solidFill>
+                  <a:schemeClr val="tx1"/>
+                </a:solidFill>
+                <a:latin typeface="Calibri" panose="020F0502020204030204" pitchFamily="34" charset="0"/>
+              </a:defRPr>
+            </a:lvl4pPr>
+            <a:lvl5pPr marL="2057400" indent="-228600">
+              <a:defRPr>
+                <a:solidFill>
+                  <a:schemeClr val="tx1"/>
+                </a:solidFill>
+                <a:latin typeface="Calibri" panose="020F0502020204030204" pitchFamily="34" charset="0"/>
+              </a:defRPr>
+            </a:lvl5pPr>
+            <a:lvl6pPr marL="2514600" indent="-228600" eaLnBrk="0" fontAlgn="base" hangingPunct="0">
+              <a:spcBef>
+                <a:spcPct val="0"/>
+              </a:spcBef>
+              <a:spcAft>
+                <a:spcPct val="0"/>
+              </a:spcAft>
+              <a:defRPr>
+                <a:solidFill>
+                  <a:schemeClr val="tx1"/>
+                </a:solidFill>
+                <a:latin typeface="Calibri" panose="020F0502020204030204" pitchFamily="34" charset="0"/>
+              </a:defRPr>
+            </a:lvl6pPr>
+            <a:lvl7pPr marL="2971800" indent="-228600" eaLnBrk="0" fontAlgn="base" hangingPunct="0">
+              <a:spcBef>
+                <a:spcPct val="0"/>
+              </a:spcBef>
+              <a:spcAft>
+                <a:spcPct val="0"/>
+              </a:spcAft>
+              <a:defRPr>
+                <a:solidFill>
+                  <a:schemeClr val="tx1"/>
+                </a:solidFill>
+                <a:latin typeface="Calibri" panose="020F0502020204030204" pitchFamily="34" charset="0"/>
+              </a:defRPr>
+            </a:lvl7pPr>
+            <a:lvl8pPr marL="3429000" indent="-228600" eaLnBrk="0" fontAlgn="base" hangingPunct="0">
+              <a:spcBef>
+                <a:spcPct val="0"/>
+              </a:spcBef>
+              <a:spcAft>
+                <a:spcPct val="0"/>
+              </a:spcAft>
+              <a:defRPr>
+                <a:solidFill>
+                  <a:schemeClr val="tx1"/>
+                </a:solidFill>
+                <a:latin typeface="Calibri" panose="020F0502020204030204" pitchFamily="34" charset="0"/>
+              </a:defRPr>
+            </a:lvl8pPr>
+            <a:lvl9pPr marL="3886200" indent="-228600" eaLnBrk="0" fontAlgn="base" hangingPunct="0">
+              <a:spcBef>
+                <a:spcPct val="0"/>
+              </a:spcBef>
+              <a:spcAft>
+                <a:spcPct val="0"/>
+              </a:spcAft>
+              <a:defRPr>
+                <a:solidFill>
+                  <a:schemeClr val="tx1"/>
+                </a:solidFill>
+                <a:latin typeface="Calibri" panose="020F0502020204030204" pitchFamily="34" charset="0"/>
+              </a:defRPr>
+            </a:lvl9pPr>
+          </a:lstStyle>
+          <a:p>
+            <a:pPr algn="ctr" eaLnBrk="1" hangingPunct="1"/>
+            <a:r>
+              <a:rPr lang="en-US" altLang="en-US" sz="1400" dirty="0">
+                <a:latin typeface="Arial" panose="020B0604020202020204" pitchFamily="34" charset="0"/>
+                <a:ea typeface="Amazon Ember" panose="020B0603020204020204" pitchFamily="34" charset="0"/>
+                <a:cs typeface="Arial" panose="020B0604020202020204" pitchFamily="34" charset="0"/>
+              </a:rPr>
+              <a:t>Knowledge Bases</a:t>
+            </a:r>
+          </a:p>
+        </p:txBody>
+      </p:sp>
+      <p:sp>
+        <p:nvSpPr>
+          <p:cNvPr id="8" name="正方形/長方形 7">
+            <a:extLst>
+              <a:ext uri="{FF2B5EF4-FFF2-40B4-BE49-F238E27FC236}">
+                <a16:creationId xmlns:a16="http://schemas.microsoft.com/office/drawing/2014/main" id="{B3B15DE0-5EE8-471F-3A04-89AF5E324F24}"/>
+              </a:ext>
+            </a:extLst>
+          </p:cNvPr>
+          <p:cNvSpPr/>
+          <p:nvPr/>
+        </p:nvSpPr>
+        <p:spPr>
+          <a:xfrm>
+            <a:off x="2628367" y="4321290"/>
+            <a:ext cx="1269895" cy="444843"/>
+          </a:xfrm>
+          <a:prstGeom prst="rect">
+            <a:avLst/>
+          </a:prstGeom>
+          <a:noFill/>
+        </p:spPr>
+        <p:style>
+          <a:lnRef idx="2">
+            <a:schemeClr val="accent1">
+              <a:shade val="15000"/>
+            </a:schemeClr>
+          </a:lnRef>
+          <a:fillRef idx="1">
+            <a:schemeClr val="accent1"/>
+          </a:fillRef>
+          <a:effectRef idx="0">
+            <a:schemeClr val="accent1"/>
+          </a:effectRef>
+          <a:fontRef idx="minor">
+            <a:schemeClr val="lt1"/>
+          </a:fontRef>
+        </p:style>
+        <p:txBody>
+          <a:bodyPr rot="0" spcFirstLastPara="0" vertOverflow="overflow" horzOverflow="overflow" vert="horz" wrap="square" lIns="91440" tIns="45720" rIns="91440" bIns="45720" numCol="1" spcCol="0" rtlCol="0" fromWordArt="0" anchor="ctr" anchorCtr="1" forceAA="0" compatLnSpc="1">
+            <a:prstTxWarp prst="textNoShape">
+              <a:avLst/>
+            </a:prstTxWarp>
+            <a:normAutofit/>
+          </a:bodyPr>
+          <a:lstStyle/>
+          <a:p>
+            <a:pPr algn="ctr"/>
+            <a:r>
+              <a:rPr kumimoji="1" lang="ja-JP" altLang="en-US" sz="1600" dirty="0">
+                <a:solidFill>
+                  <a:schemeClr val="tx1"/>
+                </a:solidFill>
+                <a:latin typeface="メイリオ" panose="020B0604030504040204" pitchFamily="50" charset="-128"/>
+                <a:ea typeface="メイリオ" panose="020B0604030504040204" pitchFamily="50" charset="-128"/>
+              </a:rPr>
+              <a:t>クエリ</a:t>
+            </a:r>
+            <a:r>
+              <a:rPr kumimoji="1" lang="en-US" altLang="ja-JP" sz="1600" dirty="0">
+                <a:solidFill>
+                  <a:schemeClr val="tx1"/>
+                </a:solidFill>
+                <a:latin typeface="メイリオ" panose="020B0604030504040204" pitchFamily="50" charset="-128"/>
+                <a:ea typeface="メイリオ" panose="020B0604030504040204" pitchFamily="50" charset="-128"/>
+              </a:rPr>
+              <a:t>0</a:t>
+            </a:r>
+            <a:endParaRPr kumimoji="1" lang="ja-JP" altLang="en-US" sz="1600" dirty="0">
+              <a:solidFill>
+                <a:schemeClr val="tx1"/>
+              </a:solidFill>
+              <a:latin typeface="メイリオ" panose="020B0604030504040204" pitchFamily="50" charset="-128"/>
+              <a:ea typeface="メイリオ" panose="020B0604030504040204" pitchFamily="50" charset="-128"/>
+            </a:endParaRPr>
+          </a:p>
+        </p:txBody>
+      </p:sp>
+      <p:sp>
+        <p:nvSpPr>
+          <p:cNvPr id="9" name="テキスト ボックス 8">
+            <a:extLst>
+              <a:ext uri="{FF2B5EF4-FFF2-40B4-BE49-F238E27FC236}">
+                <a16:creationId xmlns:a16="http://schemas.microsoft.com/office/drawing/2014/main" id="{F40EE823-2809-CBB0-C95B-8D6047314488}"/>
+              </a:ext>
+            </a:extLst>
+          </p:cNvPr>
+          <p:cNvSpPr txBox="1"/>
+          <p:nvPr/>
+        </p:nvSpPr>
+        <p:spPr>
+          <a:xfrm>
+            <a:off x="4327748" y="5356778"/>
+            <a:ext cx="2070477" cy="338554"/>
+          </a:xfrm>
+          <a:prstGeom prst="rect">
+            <a:avLst/>
+          </a:prstGeom>
+          <a:noFill/>
+        </p:spPr>
+        <p:txBody>
+          <a:bodyPr wrap="square" rtlCol="0">
+            <a:spAutoFit/>
+          </a:bodyPr>
+          <a:lstStyle/>
+          <a:p>
+            <a:pPr algn="ctr"/>
+            <a:r>
+              <a:rPr lang="en-US" altLang="ja-JP" sz="1600" dirty="0">
+                <a:solidFill>
+                  <a:srgbClr val="FF0000"/>
+                </a:solidFill>
+                <a:latin typeface="メイリオ" panose="020B0604030504040204" pitchFamily="50" charset="-128"/>
+                <a:ea typeface="メイリオ" panose="020B0604030504040204" pitchFamily="50" charset="-128"/>
+              </a:rPr>
+              <a:t>step1. </a:t>
+            </a:r>
+            <a:r>
+              <a:rPr lang="ja-JP" altLang="en-US" sz="1600" dirty="0">
+                <a:solidFill>
+                  <a:srgbClr val="FF0000"/>
+                </a:solidFill>
+                <a:latin typeface="メイリオ" panose="020B0604030504040204" pitchFamily="50" charset="-128"/>
+                <a:ea typeface="メイリオ" panose="020B0604030504040204" pitchFamily="50" charset="-128"/>
+              </a:rPr>
+              <a:t>クエリ拡張</a:t>
+            </a:r>
+          </a:p>
+        </p:txBody>
+      </p:sp>
+      <p:cxnSp>
+        <p:nvCxnSpPr>
+          <p:cNvPr id="10" name="直線矢印コネクタ 9">
+            <a:extLst>
+              <a:ext uri="{FF2B5EF4-FFF2-40B4-BE49-F238E27FC236}">
+                <a16:creationId xmlns:a16="http://schemas.microsoft.com/office/drawing/2014/main" id="{1C65B2DB-712C-FEC6-FF71-3807ED4A34F2}"/>
+              </a:ext>
+            </a:extLst>
+          </p:cNvPr>
+          <p:cNvCxnSpPr>
+            <a:cxnSpLocks/>
+            <a:stCxn id="8" idx="3"/>
+            <a:endCxn id="5" idx="1"/>
+          </p:cNvCxnSpPr>
+          <p:nvPr/>
+        </p:nvCxnSpPr>
+        <p:spPr>
+          <a:xfrm>
+            <a:off x="3898262" y="4543711"/>
+            <a:ext cx="1083725" cy="0"/>
+          </a:xfrm>
+          <a:prstGeom prst="straightConnector1">
+            <a:avLst/>
+          </a:prstGeom>
+          <a:ln>
+            <a:solidFill>
+              <a:schemeClr val="tx1"/>
+            </a:solidFill>
+            <a:tailEnd type="triangle"/>
+          </a:ln>
+        </p:spPr>
+        <p:style>
+          <a:lnRef idx="2">
+            <a:schemeClr val="accent1"/>
+          </a:lnRef>
+          <a:fillRef idx="0">
+            <a:schemeClr val="accent1"/>
+          </a:fillRef>
+          <a:effectRef idx="1">
+            <a:schemeClr val="accent1"/>
+          </a:effectRef>
+          <a:fontRef idx="minor">
+            <a:schemeClr val="tx1"/>
+          </a:fontRef>
+        </p:style>
+      </p:cxnSp>
+      <p:cxnSp>
+        <p:nvCxnSpPr>
+          <p:cNvPr id="14" name="直線矢印コネクタ 13">
+            <a:extLst>
+              <a:ext uri="{FF2B5EF4-FFF2-40B4-BE49-F238E27FC236}">
+                <a16:creationId xmlns:a16="http://schemas.microsoft.com/office/drawing/2014/main" id="{AEB1EA0E-6EF5-399F-2EE7-73584A864DF2}"/>
+              </a:ext>
+            </a:extLst>
+          </p:cNvPr>
+          <p:cNvCxnSpPr>
+            <a:cxnSpLocks/>
+            <a:endCxn id="37" idx="1"/>
+          </p:cNvCxnSpPr>
+          <p:nvPr/>
+        </p:nvCxnSpPr>
+        <p:spPr>
+          <a:xfrm flipV="1">
+            <a:off x="5835517" y="3727137"/>
+            <a:ext cx="881201" cy="641529"/>
+          </a:xfrm>
+          <a:prstGeom prst="straightConnector1">
+            <a:avLst/>
+          </a:prstGeom>
+          <a:ln>
+            <a:solidFill>
+              <a:schemeClr val="tx1"/>
+            </a:solidFill>
+            <a:tailEnd type="triangle"/>
+          </a:ln>
+        </p:spPr>
+        <p:style>
+          <a:lnRef idx="2">
+            <a:schemeClr val="accent1"/>
+          </a:lnRef>
+          <a:fillRef idx="0">
+            <a:schemeClr val="accent1"/>
+          </a:fillRef>
+          <a:effectRef idx="1">
+            <a:schemeClr val="accent1"/>
+          </a:effectRef>
+          <a:fontRef idx="minor">
+            <a:schemeClr val="tx1"/>
+          </a:fontRef>
+        </p:style>
+      </p:cxnSp>
+      <p:cxnSp>
+        <p:nvCxnSpPr>
+          <p:cNvPr id="16" name="直線矢印コネクタ 15">
+            <a:extLst>
+              <a:ext uri="{FF2B5EF4-FFF2-40B4-BE49-F238E27FC236}">
+                <a16:creationId xmlns:a16="http://schemas.microsoft.com/office/drawing/2014/main" id="{483A1D9E-F1AF-FBF8-2E79-F2DC6BDE6BD9}"/>
+              </a:ext>
+            </a:extLst>
+          </p:cNvPr>
+          <p:cNvCxnSpPr>
+            <a:cxnSpLocks/>
+            <a:endCxn id="36" idx="1"/>
+          </p:cNvCxnSpPr>
+          <p:nvPr/>
+        </p:nvCxnSpPr>
+        <p:spPr>
+          <a:xfrm>
+            <a:off x="5835515" y="4705569"/>
+            <a:ext cx="881202" cy="668086"/>
+          </a:xfrm>
+          <a:prstGeom prst="straightConnector1">
+            <a:avLst/>
+          </a:prstGeom>
+          <a:ln>
+            <a:solidFill>
+              <a:schemeClr val="tx1"/>
+            </a:solidFill>
+            <a:tailEnd type="triangle"/>
+          </a:ln>
+        </p:spPr>
+        <p:style>
+          <a:lnRef idx="2">
+            <a:schemeClr val="accent1"/>
+          </a:lnRef>
+          <a:fillRef idx="0">
+            <a:schemeClr val="accent1"/>
+          </a:fillRef>
+          <a:effectRef idx="1">
+            <a:schemeClr val="accent1"/>
+          </a:effectRef>
+          <a:fontRef idx="minor">
+            <a:schemeClr val="tx1"/>
+          </a:fontRef>
+        </p:style>
+      </p:cxnSp>
+      <p:cxnSp>
+        <p:nvCxnSpPr>
+          <p:cNvPr id="20" name="直線矢印コネクタ 19">
+            <a:extLst>
+              <a:ext uri="{FF2B5EF4-FFF2-40B4-BE49-F238E27FC236}">
+                <a16:creationId xmlns:a16="http://schemas.microsoft.com/office/drawing/2014/main" id="{61B57041-2BAF-941E-BF97-EBA8089F27E5}"/>
+              </a:ext>
+            </a:extLst>
+          </p:cNvPr>
+          <p:cNvCxnSpPr>
+            <a:cxnSpLocks/>
+          </p:cNvCxnSpPr>
+          <p:nvPr/>
+        </p:nvCxnSpPr>
+        <p:spPr>
+          <a:xfrm>
+            <a:off x="5835516" y="4543710"/>
+            <a:ext cx="898241" cy="0"/>
+          </a:xfrm>
+          <a:prstGeom prst="straightConnector1">
+            <a:avLst/>
+          </a:prstGeom>
+          <a:ln>
+            <a:solidFill>
+              <a:schemeClr val="tx1"/>
+            </a:solidFill>
+            <a:tailEnd type="triangle"/>
+          </a:ln>
+        </p:spPr>
+        <p:style>
+          <a:lnRef idx="2">
+            <a:schemeClr val="accent1"/>
+          </a:lnRef>
+          <a:fillRef idx="0">
+            <a:schemeClr val="accent1"/>
+          </a:fillRef>
+          <a:effectRef idx="1">
+            <a:schemeClr val="accent1"/>
+          </a:effectRef>
+          <a:fontRef idx="minor">
+            <a:schemeClr val="tx1"/>
+          </a:fontRef>
+        </p:style>
+      </p:cxnSp>
+      <p:sp>
+        <p:nvSpPr>
+          <p:cNvPr id="35" name="正方形/長方形 34">
+            <a:extLst>
+              <a:ext uri="{FF2B5EF4-FFF2-40B4-BE49-F238E27FC236}">
+                <a16:creationId xmlns:a16="http://schemas.microsoft.com/office/drawing/2014/main" id="{C29C8DE9-76BC-9243-F989-909AB644E58E}"/>
+              </a:ext>
+            </a:extLst>
+          </p:cNvPr>
+          <p:cNvSpPr/>
+          <p:nvPr/>
+        </p:nvSpPr>
+        <p:spPr>
+          <a:xfrm>
+            <a:off x="6716718" y="4327975"/>
+            <a:ext cx="1269895" cy="444843"/>
+          </a:xfrm>
+          <a:prstGeom prst="rect">
+            <a:avLst/>
+          </a:prstGeom>
+          <a:noFill/>
+        </p:spPr>
+        <p:style>
+          <a:lnRef idx="2">
+            <a:schemeClr val="accent1">
+              <a:shade val="15000"/>
+            </a:schemeClr>
+          </a:lnRef>
+          <a:fillRef idx="1">
+            <a:schemeClr val="accent1"/>
+          </a:fillRef>
+          <a:effectRef idx="0">
+            <a:schemeClr val="accent1"/>
+          </a:effectRef>
+          <a:fontRef idx="minor">
+            <a:schemeClr val="lt1"/>
+          </a:fontRef>
+        </p:style>
+        <p:txBody>
+          <a:bodyPr rot="0" spcFirstLastPara="0" vertOverflow="overflow" horzOverflow="overflow" vert="horz" wrap="square" lIns="91440" tIns="45720" rIns="91440" bIns="45720" numCol="1" spcCol="0" rtlCol="0" fromWordArt="0" anchor="ctr" anchorCtr="1" forceAA="0" compatLnSpc="1">
+            <a:prstTxWarp prst="textNoShape">
+              <a:avLst/>
+            </a:prstTxWarp>
+            <a:normAutofit/>
+          </a:bodyPr>
+          <a:lstStyle/>
+          <a:p>
+            <a:pPr algn="ctr"/>
+            <a:r>
+              <a:rPr kumimoji="1" lang="ja-JP" altLang="en-US" sz="1600" dirty="0">
+                <a:solidFill>
+                  <a:schemeClr val="tx1"/>
+                </a:solidFill>
+                <a:latin typeface="メイリオ" panose="020B0604030504040204" pitchFamily="50" charset="-128"/>
+                <a:ea typeface="メイリオ" panose="020B0604030504040204" pitchFamily="50" charset="-128"/>
+              </a:rPr>
+              <a:t>クエリ</a:t>
+            </a:r>
+            <a:r>
+              <a:rPr kumimoji="1" lang="en-US" altLang="ja-JP" sz="1600" dirty="0">
+                <a:solidFill>
+                  <a:schemeClr val="tx1"/>
+                </a:solidFill>
+                <a:latin typeface="メイリオ" panose="020B0604030504040204" pitchFamily="50" charset="-128"/>
+                <a:ea typeface="メイリオ" panose="020B0604030504040204" pitchFamily="50" charset="-128"/>
+              </a:rPr>
+              <a:t>2</a:t>
+            </a:r>
+            <a:endParaRPr kumimoji="1" lang="ja-JP" altLang="en-US" sz="1600" dirty="0">
+              <a:solidFill>
+                <a:schemeClr val="tx1"/>
+              </a:solidFill>
+              <a:latin typeface="メイリオ" panose="020B0604030504040204" pitchFamily="50" charset="-128"/>
+              <a:ea typeface="メイリオ" panose="020B0604030504040204" pitchFamily="50" charset="-128"/>
+            </a:endParaRPr>
+          </a:p>
+        </p:txBody>
+      </p:sp>
+      <p:sp>
+        <p:nvSpPr>
+          <p:cNvPr id="36" name="正方形/長方形 35">
+            <a:extLst>
+              <a:ext uri="{FF2B5EF4-FFF2-40B4-BE49-F238E27FC236}">
+                <a16:creationId xmlns:a16="http://schemas.microsoft.com/office/drawing/2014/main" id="{7D44C719-D30D-5D7B-9658-5C7BA2DB7961}"/>
+              </a:ext>
+            </a:extLst>
+          </p:cNvPr>
+          <p:cNvSpPr/>
+          <p:nvPr/>
+        </p:nvSpPr>
+        <p:spPr>
+          <a:xfrm>
+            <a:off x="6716718" y="5151234"/>
+            <a:ext cx="1269895" cy="444843"/>
+          </a:xfrm>
+          <a:prstGeom prst="rect">
+            <a:avLst/>
+          </a:prstGeom>
+          <a:noFill/>
+        </p:spPr>
+        <p:style>
+          <a:lnRef idx="2">
+            <a:schemeClr val="accent1">
+              <a:shade val="15000"/>
+            </a:schemeClr>
+          </a:lnRef>
+          <a:fillRef idx="1">
+            <a:schemeClr val="accent1"/>
+          </a:fillRef>
+          <a:effectRef idx="0">
+            <a:schemeClr val="accent1"/>
+          </a:effectRef>
+          <a:fontRef idx="minor">
+            <a:schemeClr val="lt1"/>
+          </a:fontRef>
+        </p:style>
+        <p:txBody>
+          <a:bodyPr rot="0" spcFirstLastPara="0" vertOverflow="overflow" horzOverflow="overflow" vert="horz" wrap="square" lIns="91440" tIns="45720" rIns="91440" bIns="45720" numCol="1" spcCol="0" rtlCol="0" fromWordArt="0" anchor="ctr" anchorCtr="1" forceAA="0" compatLnSpc="1">
+            <a:prstTxWarp prst="textNoShape">
+              <a:avLst/>
+            </a:prstTxWarp>
+            <a:normAutofit/>
+          </a:bodyPr>
+          <a:lstStyle/>
+          <a:p>
+            <a:pPr algn="ctr"/>
+            <a:r>
+              <a:rPr kumimoji="1" lang="ja-JP" altLang="en-US" sz="1600" dirty="0">
+                <a:solidFill>
+                  <a:schemeClr val="tx1"/>
+                </a:solidFill>
+                <a:latin typeface="メイリオ" panose="020B0604030504040204" pitchFamily="50" charset="-128"/>
+                <a:ea typeface="メイリオ" panose="020B0604030504040204" pitchFamily="50" charset="-128"/>
+              </a:rPr>
+              <a:t>クエリ</a:t>
+            </a:r>
+            <a:r>
+              <a:rPr kumimoji="1" lang="en-US" altLang="ja-JP" sz="1600" dirty="0">
+                <a:solidFill>
+                  <a:schemeClr val="tx1"/>
+                </a:solidFill>
+                <a:latin typeface="メイリオ" panose="020B0604030504040204" pitchFamily="50" charset="-128"/>
+                <a:ea typeface="メイリオ" panose="020B0604030504040204" pitchFamily="50" charset="-128"/>
+              </a:rPr>
+              <a:t>3</a:t>
+            </a:r>
+            <a:endParaRPr kumimoji="1" lang="ja-JP" altLang="en-US" sz="1600" dirty="0">
+              <a:solidFill>
+                <a:schemeClr val="tx1"/>
+              </a:solidFill>
+              <a:latin typeface="メイリオ" panose="020B0604030504040204" pitchFamily="50" charset="-128"/>
+              <a:ea typeface="メイリオ" panose="020B0604030504040204" pitchFamily="50" charset="-128"/>
+            </a:endParaRPr>
+          </a:p>
+        </p:txBody>
+      </p:sp>
+      <p:sp>
+        <p:nvSpPr>
+          <p:cNvPr id="37" name="正方形/長方形 36">
+            <a:extLst>
+              <a:ext uri="{FF2B5EF4-FFF2-40B4-BE49-F238E27FC236}">
+                <a16:creationId xmlns:a16="http://schemas.microsoft.com/office/drawing/2014/main" id="{E49B8942-CD84-EA0A-3948-9716501038FE}"/>
+              </a:ext>
+            </a:extLst>
+          </p:cNvPr>
+          <p:cNvSpPr/>
+          <p:nvPr/>
+        </p:nvSpPr>
+        <p:spPr>
+          <a:xfrm>
+            <a:off x="6716718" y="3504715"/>
+            <a:ext cx="1269895" cy="444843"/>
+          </a:xfrm>
+          <a:prstGeom prst="rect">
+            <a:avLst/>
+          </a:prstGeom>
+          <a:noFill/>
+        </p:spPr>
+        <p:style>
+          <a:lnRef idx="2">
+            <a:schemeClr val="accent1">
+              <a:shade val="15000"/>
+            </a:schemeClr>
+          </a:lnRef>
+          <a:fillRef idx="1">
+            <a:schemeClr val="accent1"/>
+          </a:fillRef>
+          <a:effectRef idx="0">
+            <a:schemeClr val="accent1"/>
+          </a:effectRef>
+          <a:fontRef idx="minor">
+            <a:schemeClr val="lt1"/>
+          </a:fontRef>
+        </p:style>
+        <p:txBody>
+          <a:bodyPr rot="0" spcFirstLastPara="0" vertOverflow="overflow" horzOverflow="overflow" vert="horz" wrap="square" lIns="91440" tIns="45720" rIns="91440" bIns="45720" numCol="1" spcCol="0" rtlCol="0" fromWordArt="0" anchor="ctr" anchorCtr="1" forceAA="0" compatLnSpc="1">
+            <a:prstTxWarp prst="textNoShape">
+              <a:avLst/>
+            </a:prstTxWarp>
+            <a:normAutofit/>
+          </a:bodyPr>
+          <a:lstStyle/>
+          <a:p>
+            <a:pPr algn="ctr"/>
+            <a:r>
+              <a:rPr kumimoji="1" lang="ja-JP" altLang="en-US" sz="1600" dirty="0">
+                <a:solidFill>
+                  <a:schemeClr val="tx1"/>
+                </a:solidFill>
+                <a:latin typeface="メイリオ" panose="020B0604030504040204" pitchFamily="50" charset="-128"/>
+                <a:ea typeface="メイリオ" panose="020B0604030504040204" pitchFamily="50" charset="-128"/>
+              </a:rPr>
+              <a:t>クエリ</a:t>
+            </a:r>
+            <a:r>
+              <a:rPr kumimoji="1" lang="en-US" altLang="ja-JP" sz="1600" dirty="0">
+                <a:solidFill>
+                  <a:schemeClr val="tx1"/>
+                </a:solidFill>
+                <a:latin typeface="メイリオ" panose="020B0604030504040204" pitchFamily="50" charset="-128"/>
+                <a:ea typeface="メイリオ" panose="020B0604030504040204" pitchFamily="50" charset="-128"/>
+              </a:rPr>
+              <a:t>1</a:t>
+            </a:r>
+            <a:endParaRPr kumimoji="1" lang="ja-JP" altLang="en-US" sz="1600" dirty="0">
+              <a:solidFill>
+                <a:schemeClr val="tx1"/>
+              </a:solidFill>
+              <a:latin typeface="メイリオ" panose="020B0604030504040204" pitchFamily="50" charset="-128"/>
+              <a:ea typeface="メイリオ" panose="020B0604030504040204" pitchFamily="50" charset="-128"/>
+            </a:endParaRPr>
+          </a:p>
+        </p:txBody>
+      </p:sp>
+      <p:cxnSp>
+        <p:nvCxnSpPr>
+          <p:cNvPr id="41" name="直線矢印コネクタ 40">
+            <a:extLst>
+              <a:ext uri="{FF2B5EF4-FFF2-40B4-BE49-F238E27FC236}">
+                <a16:creationId xmlns:a16="http://schemas.microsoft.com/office/drawing/2014/main" id="{1B590832-F1E1-E11D-505C-588C555A1BAF}"/>
+              </a:ext>
+            </a:extLst>
+          </p:cNvPr>
+          <p:cNvCxnSpPr>
+            <a:cxnSpLocks/>
+          </p:cNvCxnSpPr>
+          <p:nvPr/>
+        </p:nvCxnSpPr>
+        <p:spPr>
+          <a:xfrm>
+            <a:off x="7986613" y="4543710"/>
+            <a:ext cx="898241" cy="0"/>
+          </a:xfrm>
+          <a:prstGeom prst="straightConnector1">
+            <a:avLst/>
+          </a:prstGeom>
+          <a:ln>
+            <a:solidFill>
+              <a:schemeClr val="tx1"/>
+            </a:solidFill>
+            <a:tailEnd type="triangle"/>
+          </a:ln>
+        </p:spPr>
+        <p:style>
+          <a:lnRef idx="2">
+            <a:schemeClr val="accent1"/>
+          </a:lnRef>
+          <a:fillRef idx="0">
+            <a:schemeClr val="accent1"/>
+          </a:fillRef>
+          <a:effectRef idx="1">
+            <a:schemeClr val="accent1"/>
+          </a:effectRef>
+          <a:fontRef idx="minor">
+            <a:schemeClr val="tx1"/>
+          </a:fontRef>
+        </p:style>
+      </p:cxnSp>
+      <p:cxnSp>
+        <p:nvCxnSpPr>
+          <p:cNvPr id="42" name="直線矢印コネクタ 41">
+            <a:extLst>
+              <a:ext uri="{FF2B5EF4-FFF2-40B4-BE49-F238E27FC236}">
+                <a16:creationId xmlns:a16="http://schemas.microsoft.com/office/drawing/2014/main" id="{D6ED5AF2-3FA6-B536-4C36-41F89CF3B396}"/>
+              </a:ext>
+            </a:extLst>
+          </p:cNvPr>
+          <p:cNvCxnSpPr>
+            <a:cxnSpLocks/>
+            <a:stCxn id="36" idx="3"/>
+          </p:cNvCxnSpPr>
+          <p:nvPr/>
+        </p:nvCxnSpPr>
+        <p:spPr>
+          <a:xfrm flipV="1">
+            <a:off x="7986613" y="4755815"/>
+            <a:ext cx="881201" cy="617841"/>
+          </a:xfrm>
+          <a:prstGeom prst="straightConnector1">
+            <a:avLst/>
+          </a:prstGeom>
+          <a:ln>
+            <a:solidFill>
+              <a:schemeClr val="tx1"/>
+            </a:solidFill>
+            <a:tailEnd type="triangle"/>
+          </a:ln>
+        </p:spPr>
+        <p:style>
+          <a:lnRef idx="2">
+            <a:schemeClr val="accent1"/>
+          </a:lnRef>
+          <a:fillRef idx="0">
+            <a:schemeClr val="accent1"/>
+          </a:fillRef>
+          <a:effectRef idx="1">
+            <a:schemeClr val="accent1"/>
+          </a:effectRef>
+          <a:fontRef idx="minor">
+            <a:schemeClr val="tx1"/>
+          </a:fontRef>
+        </p:style>
+      </p:cxnSp>
+      <p:cxnSp>
+        <p:nvCxnSpPr>
+          <p:cNvPr id="45" name="直線矢印コネクタ 44">
+            <a:extLst>
+              <a:ext uri="{FF2B5EF4-FFF2-40B4-BE49-F238E27FC236}">
+                <a16:creationId xmlns:a16="http://schemas.microsoft.com/office/drawing/2014/main" id="{0BC38828-1D71-4D87-2A15-6249E9D03F27}"/>
+              </a:ext>
+            </a:extLst>
+          </p:cNvPr>
+          <p:cNvCxnSpPr>
+            <a:cxnSpLocks/>
+            <a:stCxn id="37" idx="3"/>
+          </p:cNvCxnSpPr>
+          <p:nvPr/>
+        </p:nvCxnSpPr>
+        <p:spPr>
+          <a:xfrm>
+            <a:off x="7986613" y="3727137"/>
+            <a:ext cx="889721" cy="641529"/>
+          </a:xfrm>
+          <a:prstGeom prst="straightConnector1">
+            <a:avLst/>
+          </a:prstGeom>
+          <a:ln>
+            <a:solidFill>
+              <a:schemeClr val="tx1"/>
+            </a:solidFill>
+            <a:tailEnd type="triangle"/>
+          </a:ln>
+        </p:spPr>
+        <p:style>
+          <a:lnRef idx="2">
+            <a:schemeClr val="accent1"/>
+          </a:lnRef>
+          <a:fillRef idx="0">
+            <a:schemeClr val="accent1"/>
+          </a:fillRef>
+          <a:effectRef idx="1">
+            <a:schemeClr val="accent1"/>
+          </a:effectRef>
+          <a:fontRef idx="minor">
+            <a:schemeClr val="tx1"/>
+          </a:fontRef>
+        </p:style>
+      </p:cxnSp>
+      <p:cxnSp>
+        <p:nvCxnSpPr>
+          <p:cNvPr id="13" name="コネクタ: 曲線 12">
+            <a:extLst>
+              <a:ext uri="{FF2B5EF4-FFF2-40B4-BE49-F238E27FC236}">
+                <a16:creationId xmlns:a16="http://schemas.microsoft.com/office/drawing/2014/main" id="{96B7FDB3-E975-EE4F-7D88-56DE6F3CC0AB}"/>
+              </a:ext>
+            </a:extLst>
+          </p:cNvPr>
+          <p:cNvCxnSpPr>
+            <a:cxnSpLocks/>
+          </p:cNvCxnSpPr>
+          <p:nvPr/>
+        </p:nvCxnSpPr>
+        <p:spPr>
+          <a:xfrm rot="5400000" flipH="1" flipV="1">
+            <a:off x="6023814" y="1453308"/>
+            <a:ext cx="144000" cy="5544000"/>
+          </a:xfrm>
+          <a:prstGeom prst="curvedConnector3">
+            <a:avLst>
+              <a:gd name="adj1" fmla="val 965081"/>
+            </a:avLst>
+          </a:prstGeom>
+          <a:ln w="19050">
+            <a:tailEnd type="triangle"/>
+          </a:ln>
+        </p:spPr>
+        <p:style>
+          <a:lnRef idx="2">
+            <a:schemeClr val="dk1"/>
+          </a:lnRef>
+          <a:fillRef idx="0">
+            <a:schemeClr val="dk1"/>
+          </a:fillRef>
+          <a:effectRef idx="1">
+            <a:schemeClr val="dk1"/>
+          </a:effectRef>
+          <a:fontRef idx="minor">
+            <a:schemeClr val="tx1"/>
+          </a:fontRef>
+        </p:style>
+      </p:cxnSp>
+      <p:sp>
+        <p:nvSpPr>
+          <p:cNvPr id="33" name="テキスト ボックス 32">
+            <a:extLst>
+              <a:ext uri="{FF2B5EF4-FFF2-40B4-BE49-F238E27FC236}">
+                <a16:creationId xmlns:a16="http://schemas.microsoft.com/office/drawing/2014/main" id="{5534E278-4ADF-77E6-3D8E-F37E34154613}"/>
+              </a:ext>
+            </a:extLst>
+          </p:cNvPr>
+          <p:cNvSpPr txBox="1"/>
+          <p:nvPr/>
+        </p:nvSpPr>
+        <p:spPr>
+          <a:xfrm>
+            <a:off x="8323796" y="5356778"/>
+            <a:ext cx="2420316" cy="584775"/>
+          </a:xfrm>
+          <a:prstGeom prst="rect">
+            <a:avLst/>
+          </a:prstGeom>
+          <a:noFill/>
+        </p:spPr>
+        <p:txBody>
+          <a:bodyPr wrap="square" rtlCol="0">
+            <a:spAutoFit/>
+          </a:bodyPr>
+          <a:lstStyle/>
+          <a:p>
+            <a:pPr algn="ctr"/>
+            <a:r>
+              <a:rPr lang="en-US" altLang="ja-JP" sz="1600" dirty="0">
+                <a:solidFill>
+                  <a:srgbClr val="FF0000"/>
+                </a:solidFill>
+                <a:latin typeface="メイリオ" panose="020B0604030504040204" pitchFamily="50" charset="-128"/>
+                <a:ea typeface="メイリオ" panose="020B0604030504040204" pitchFamily="50" charset="-128"/>
+              </a:rPr>
+              <a:t>step2. </a:t>
+            </a:r>
+            <a:r>
+              <a:rPr lang="ja-JP" altLang="en-US" sz="1600" dirty="0">
+                <a:solidFill>
+                  <a:srgbClr val="FF0000"/>
+                </a:solidFill>
+                <a:latin typeface="メイリオ" panose="020B0604030504040204" pitchFamily="50" charset="-128"/>
+                <a:ea typeface="メイリオ" panose="020B0604030504040204" pitchFamily="50" charset="-128"/>
+              </a:rPr>
+              <a:t>ベクトル検索の</a:t>
+            </a:r>
+            <a:br>
+              <a:rPr lang="en-US" altLang="ja-JP" sz="1600" dirty="0">
+                <a:solidFill>
+                  <a:srgbClr val="FF0000"/>
+                </a:solidFill>
+                <a:latin typeface="メイリオ" panose="020B0604030504040204" pitchFamily="50" charset="-128"/>
+                <a:ea typeface="メイリオ" panose="020B0604030504040204" pitchFamily="50" charset="-128"/>
+              </a:rPr>
+            </a:br>
+            <a:r>
+              <a:rPr lang="ja-JP" altLang="en-US" sz="1600" dirty="0">
+                <a:solidFill>
+                  <a:srgbClr val="FF0000"/>
+                </a:solidFill>
+                <a:latin typeface="メイリオ" panose="020B0604030504040204" pitchFamily="50" charset="-128"/>
+                <a:ea typeface="メイリオ" panose="020B0604030504040204" pitchFamily="50" charset="-128"/>
+              </a:rPr>
+              <a:t>並列実行</a:t>
+            </a:r>
+          </a:p>
+        </p:txBody>
+      </p:sp>
+      <p:cxnSp>
+        <p:nvCxnSpPr>
+          <p:cNvPr id="34" name="直線矢印コネクタ 33">
+            <a:extLst>
+              <a:ext uri="{FF2B5EF4-FFF2-40B4-BE49-F238E27FC236}">
+                <a16:creationId xmlns:a16="http://schemas.microsoft.com/office/drawing/2014/main" id="{285FD186-9725-7DDC-42AD-7642FF7C1ED8}"/>
+              </a:ext>
+            </a:extLst>
+          </p:cNvPr>
+          <p:cNvCxnSpPr>
+            <a:cxnSpLocks/>
+            <a:endCxn id="44" idx="1"/>
+          </p:cNvCxnSpPr>
+          <p:nvPr/>
+        </p:nvCxnSpPr>
+        <p:spPr>
+          <a:xfrm flipV="1">
+            <a:off x="10021155" y="3727137"/>
+            <a:ext cx="881201" cy="641529"/>
+          </a:xfrm>
+          <a:prstGeom prst="straightConnector1">
+            <a:avLst/>
+          </a:prstGeom>
+          <a:ln>
+            <a:solidFill>
+              <a:schemeClr val="tx1"/>
+            </a:solidFill>
+            <a:tailEnd type="triangle"/>
+          </a:ln>
+        </p:spPr>
+        <p:style>
+          <a:lnRef idx="2">
+            <a:schemeClr val="accent1"/>
+          </a:lnRef>
+          <a:fillRef idx="0">
+            <a:schemeClr val="accent1"/>
+          </a:fillRef>
+          <a:effectRef idx="1">
+            <a:schemeClr val="accent1"/>
+          </a:effectRef>
+          <a:fontRef idx="minor">
+            <a:schemeClr val="tx1"/>
+          </a:fontRef>
+        </p:style>
+      </p:cxnSp>
+      <p:cxnSp>
+        <p:nvCxnSpPr>
+          <p:cNvPr id="38" name="直線矢印コネクタ 37">
+            <a:extLst>
+              <a:ext uri="{FF2B5EF4-FFF2-40B4-BE49-F238E27FC236}">
+                <a16:creationId xmlns:a16="http://schemas.microsoft.com/office/drawing/2014/main" id="{BB756058-A813-3ED0-3D4A-95D7E2B310B1}"/>
+              </a:ext>
+            </a:extLst>
+          </p:cNvPr>
+          <p:cNvCxnSpPr>
+            <a:cxnSpLocks/>
+            <a:endCxn id="43" idx="1"/>
+          </p:cNvCxnSpPr>
+          <p:nvPr/>
+        </p:nvCxnSpPr>
+        <p:spPr>
+          <a:xfrm>
+            <a:off x="10021153" y="4705569"/>
+            <a:ext cx="881202" cy="668086"/>
+          </a:xfrm>
+          <a:prstGeom prst="straightConnector1">
+            <a:avLst/>
+          </a:prstGeom>
+          <a:ln>
+            <a:solidFill>
+              <a:schemeClr val="tx1"/>
+            </a:solidFill>
+            <a:tailEnd type="triangle"/>
+          </a:ln>
+        </p:spPr>
+        <p:style>
+          <a:lnRef idx="2">
+            <a:schemeClr val="accent1"/>
+          </a:lnRef>
+          <a:fillRef idx="0">
+            <a:schemeClr val="accent1"/>
+          </a:fillRef>
+          <a:effectRef idx="1">
+            <a:schemeClr val="accent1"/>
+          </a:effectRef>
+          <a:fontRef idx="minor">
+            <a:schemeClr val="tx1"/>
+          </a:fontRef>
+        </p:style>
+      </p:cxnSp>
+      <p:cxnSp>
+        <p:nvCxnSpPr>
+          <p:cNvPr id="39" name="直線矢印コネクタ 38">
+            <a:extLst>
+              <a:ext uri="{FF2B5EF4-FFF2-40B4-BE49-F238E27FC236}">
+                <a16:creationId xmlns:a16="http://schemas.microsoft.com/office/drawing/2014/main" id="{E67B5C68-183C-04B1-016B-C4DDDC3E9044}"/>
+              </a:ext>
+            </a:extLst>
+          </p:cNvPr>
+          <p:cNvCxnSpPr>
+            <a:cxnSpLocks/>
+          </p:cNvCxnSpPr>
+          <p:nvPr/>
+        </p:nvCxnSpPr>
+        <p:spPr>
+          <a:xfrm>
+            <a:off x="10021154" y="4543710"/>
+            <a:ext cx="898241" cy="0"/>
+          </a:xfrm>
+          <a:prstGeom prst="straightConnector1">
+            <a:avLst/>
+          </a:prstGeom>
+          <a:ln>
+            <a:solidFill>
+              <a:schemeClr val="tx1"/>
+            </a:solidFill>
+            <a:tailEnd type="triangle"/>
+          </a:ln>
+        </p:spPr>
+        <p:style>
+          <a:lnRef idx="2">
+            <a:schemeClr val="accent1"/>
+          </a:lnRef>
+          <a:fillRef idx="0">
+            <a:schemeClr val="accent1"/>
+          </a:fillRef>
+          <a:effectRef idx="1">
+            <a:schemeClr val="accent1"/>
+          </a:effectRef>
+          <a:fontRef idx="minor">
+            <a:schemeClr val="tx1"/>
+          </a:fontRef>
+        </p:style>
+      </p:cxnSp>
+      <p:sp>
+        <p:nvSpPr>
+          <p:cNvPr id="40" name="正方形/長方形 39">
+            <a:extLst>
+              <a:ext uri="{FF2B5EF4-FFF2-40B4-BE49-F238E27FC236}">
+                <a16:creationId xmlns:a16="http://schemas.microsoft.com/office/drawing/2014/main" id="{FF919A20-900A-4B02-70DC-6926C87B9D6E}"/>
+              </a:ext>
+            </a:extLst>
+          </p:cNvPr>
+          <p:cNvSpPr/>
+          <p:nvPr/>
+        </p:nvSpPr>
+        <p:spPr>
+          <a:xfrm>
+            <a:off x="10902356" y="4327975"/>
+            <a:ext cx="1269895" cy="444843"/>
+          </a:xfrm>
+          <a:prstGeom prst="rect">
+            <a:avLst/>
+          </a:prstGeom>
+          <a:noFill/>
+        </p:spPr>
+        <p:style>
+          <a:lnRef idx="2">
+            <a:schemeClr val="accent1">
+              <a:shade val="15000"/>
+            </a:schemeClr>
+          </a:lnRef>
+          <a:fillRef idx="1">
+            <a:schemeClr val="accent1"/>
+          </a:fillRef>
+          <a:effectRef idx="0">
+            <a:schemeClr val="accent1"/>
+          </a:effectRef>
+          <a:fontRef idx="minor">
+            <a:schemeClr val="lt1"/>
+          </a:fontRef>
+        </p:style>
+        <p:txBody>
+          <a:bodyPr rot="0" spcFirstLastPara="0" vertOverflow="overflow" horzOverflow="overflow" vert="horz" wrap="square" lIns="91440" tIns="45720" rIns="91440" bIns="45720" numCol="1" spcCol="0" rtlCol="0" fromWordArt="0" anchor="ctr" anchorCtr="1" forceAA="0" compatLnSpc="1">
+            <a:prstTxWarp prst="textNoShape">
+              <a:avLst/>
+            </a:prstTxWarp>
+            <a:normAutofit/>
+          </a:bodyPr>
+          <a:lstStyle/>
+          <a:p>
+            <a:pPr algn="ctr"/>
+            <a:r>
+              <a:rPr kumimoji="1" lang="ja-JP" altLang="en-US" sz="1600" dirty="0">
+                <a:solidFill>
+                  <a:schemeClr val="tx1"/>
+                </a:solidFill>
+                <a:latin typeface="メイリオ" panose="020B0604030504040204" pitchFamily="50" charset="-128"/>
+                <a:ea typeface="メイリオ" panose="020B0604030504040204" pitchFamily="50" charset="-128"/>
+              </a:rPr>
+              <a:t>検索結果</a:t>
+            </a:r>
+            <a:r>
+              <a:rPr kumimoji="1" lang="en-US" altLang="ja-JP" sz="1600" dirty="0">
+                <a:solidFill>
+                  <a:schemeClr val="tx1"/>
+                </a:solidFill>
+                <a:latin typeface="メイリオ" panose="020B0604030504040204" pitchFamily="50" charset="-128"/>
+                <a:ea typeface="メイリオ" panose="020B0604030504040204" pitchFamily="50" charset="-128"/>
+              </a:rPr>
+              <a:t>2</a:t>
+            </a:r>
+            <a:endParaRPr kumimoji="1" lang="ja-JP" altLang="en-US" sz="1600" dirty="0">
+              <a:solidFill>
+                <a:schemeClr val="tx1"/>
+              </a:solidFill>
+              <a:latin typeface="メイリオ" panose="020B0604030504040204" pitchFamily="50" charset="-128"/>
+              <a:ea typeface="メイリオ" panose="020B0604030504040204" pitchFamily="50" charset="-128"/>
+            </a:endParaRPr>
+          </a:p>
+        </p:txBody>
+      </p:sp>
+      <p:sp>
+        <p:nvSpPr>
+          <p:cNvPr id="43" name="正方形/長方形 42">
+            <a:extLst>
+              <a:ext uri="{FF2B5EF4-FFF2-40B4-BE49-F238E27FC236}">
+                <a16:creationId xmlns:a16="http://schemas.microsoft.com/office/drawing/2014/main" id="{F5AED7AC-7C98-467C-955A-CEB21D72E1AD}"/>
+              </a:ext>
+            </a:extLst>
+          </p:cNvPr>
+          <p:cNvSpPr/>
+          <p:nvPr/>
+        </p:nvSpPr>
+        <p:spPr>
+          <a:xfrm>
+            <a:off x="10902356" y="5151234"/>
+            <a:ext cx="1269895" cy="444843"/>
+          </a:xfrm>
+          <a:prstGeom prst="rect">
+            <a:avLst/>
+          </a:prstGeom>
+          <a:noFill/>
+        </p:spPr>
+        <p:style>
+          <a:lnRef idx="2">
+            <a:schemeClr val="accent1">
+              <a:shade val="15000"/>
+            </a:schemeClr>
+          </a:lnRef>
+          <a:fillRef idx="1">
+            <a:schemeClr val="accent1"/>
+          </a:fillRef>
+          <a:effectRef idx="0">
+            <a:schemeClr val="accent1"/>
+          </a:effectRef>
+          <a:fontRef idx="minor">
+            <a:schemeClr val="lt1"/>
+          </a:fontRef>
+        </p:style>
+        <p:txBody>
+          <a:bodyPr rot="0" spcFirstLastPara="0" vertOverflow="overflow" horzOverflow="overflow" vert="horz" wrap="square" lIns="91440" tIns="45720" rIns="91440" bIns="45720" numCol="1" spcCol="0" rtlCol="0" fromWordArt="0" anchor="ctr" anchorCtr="1" forceAA="0" compatLnSpc="1">
+            <a:prstTxWarp prst="textNoShape">
+              <a:avLst/>
+            </a:prstTxWarp>
+            <a:normAutofit/>
+          </a:bodyPr>
+          <a:lstStyle/>
+          <a:p>
+            <a:pPr algn="ctr"/>
+            <a:r>
+              <a:rPr kumimoji="1" lang="ja-JP" altLang="en-US" sz="1600" dirty="0">
+                <a:solidFill>
+                  <a:schemeClr val="tx1"/>
+                </a:solidFill>
+                <a:latin typeface="メイリオ" panose="020B0604030504040204" pitchFamily="50" charset="-128"/>
+                <a:ea typeface="メイリオ" panose="020B0604030504040204" pitchFamily="50" charset="-128"/>
+              </a:rPr>
+              <a:t>検索結果</a:t>
+            </a:r>
+            <a:r>
+              <a:rPr kumimoji="1" lang="en-US" altLang="ja-JP" sz="1600" dirty="0">
+                <a:solidFill>
+                  <a:schemeClr val="tx1"/>
+                </a:solidFill>
+                <a:latin typeface="メイリオ" panose="020B0604030504040204" pitchFamily="50" charset="-128"/>
+                <a:ea typeface="メイリオ" panose="020B0604030504040204" pitchFamily="50" charset="-128"/>
+              </a:rPr>
+              <a:t>3</a:t>
+            </a:r>
+            <a:endParaRPr kumimoji="1" lang="ja-JP" altLang="en-US" sz="1600" dirty="0">
+              <a:solidFill>
+                <a:schemeClr val="tx1"/>
+              </a:solidFill>
+              <a:latin typeface="メイリオ" panose="020B0604030504040204" pitchFamily="50" charset="-128"/>
+              <a:ea typeface="メイリオ" panose="020B0604030504040204" pitchFamily="50" charset="-128"/>
+            </a:endParaRPr>
+          </a:p>
+        </p:txBody>
+      </p:sp>
+      <p:sp>
+        <p:nvSpPr>
+          <p:cNvPr id="44" name="正方形/長方形 43">
+            <a:extLst>
+              <a:ext uri="{FF2B5EF4-FFF2-40B4-BE49-F238E27FC236}">
+                <a16:creationId xmlns:a16="http://schemas.microsoft.com/office/drawing/2014/main" id="{85AF2176-C5FD-1FE2-5BBD-331704F9508C}"/>
+              </a:ext>
+            </a:extLst>
+          </p:cNvPr>
+          <p:cNvSpPr/>
+          <p:nvPr/>
+        </p:nvSpPr>
+        <p:spPr>
+          <a:xfrm>
+            <a:off x="10902356" y="3504715"/>
+            <a:ext cx="1269895" cy="444843"/>
+          </a:xfrm>
+          <a:prstGeom prst="rect">
+            <a:avLst/>
+          </a:prstGeom>
+          <a:noFill/>
+        </p:spPr>
+        <p:style>
+          <a:lnRef idx="2">
+            <a:schemeClr val="accent1">
+              <a:shade val="15000"/>
+            </a:schemeClr>
+          </a:lnRef>
+          <a:fillRef idx="1">
+            <a:schemeClr val="accent1"/>
+          </a:fillRef>
+          <a:effectRef idx="0">
+            <a:schemeClr val="accent1"/>
+          </a:effectRef>
+          <a:fontRef idx="minor">
+            <a:schemeClr val="lt1"/>
+          </a:fontRef>
+        </p:style>
+        <p:txBody>
+          <a:bodyPr rot="0" spcFirstLastPara="0" vertOverflow="overflow" horzOverflow="overflow" vert="horz" wrap="square" lIns="91440" tIns="45720" rIns="91440" bIns="45720" numCol="1" spcCol="0" rtlCol="0" fromWordArt="0" anchor="ctr" anchorCtr="1" forceAA="0" compatLnSpc="1">
+            <a:prstTxWarp prst="textNoShape">
+              <a:avLst/>
+            </a:prstTxWarp>
+            <a:normAutofit/>
+          </a:bodyPr>
+          <a:lstStyle/>
+          <a:p>
+            <a:pPr algn="ctr"/>
+            <a:r>
+              <a:rPr kumimoji="1" lang="ja-JP" altLang="en-US" sz="1600" dirty="0">
+                <a:solidFill>
+                  <a:schemeClr val="tx1"/>
+                </a:solidFill>
+                <a:latin typeface="メイリオ" panose="020B0604030504040204" pitchFamily="50" charset="-128"/>
+                <a:ea typeface="メイリオ" panose="020B0604030504040204" pitchFamily="50" charset="-128"/>
+              </a:rPr>
+              <a:t>検索結果</a:t>
+            </a:r>
+            <a:r>
+              <a:rPr kumimoji="1" lang="en-US" altLang="ja-JP" sz="1600" dirty="0">
+                <a:solidFill>
+                  <a:schemeClr val="tx1"/>
+                </a:solidFill>
+                <a:latin typeface="メイリオ" panose="020B0604030504040204" pitchFamily="50" charset="-128"/>
+                <a:ea typeface="メイリオ" panose="020B0604030504040204" pitchFamily="50" charset="-128"/>
+              </a:rPr>
+              <a:t>1</a:t>
+            </a:r>
+            <a:endParaRPr kumimoji="1" lang="ja-JP" altLang="en-US" sz="1600" dirty="0">
+              <a:solidFill>
+                <a:schemeClr val="tx1"/>
+              </a:solidFill>
+              <a:latin typeface="メイリオ" panose="020B0604030504040204" pitchFamily="50" charset="-128"/>
+              <a:ea typeface="メイリオ" panose="020B0604030504040204" pitchFamily="50" charset="-128"/>
+            </a:endParaRPr>
+          </a:p>
+        </p:txBody>
+      </p:sp>
+      <p:cxnSp>
+        <p:nvCxnSpPr>
+          <p:cNvPr id="46" name="直線矢印コネクタ 45">
+            <a:extLst>
+              <a:ext uri="{FF2B5EF4-FFF2-40B4-BE49-F238E27FC236}">
+                <a16:creationId xmlns:a16="http://schemas.microsoft.com/office/drawing/2014/main" id="{F3D751CF-F836-50D4-C5EC-64D90F957E1F}"/>
+              </a:ext>
+            </a:extLst>
+          </p:cNvPr>
+          <p:cNvCxnSpPr>
+            <a:cxnSpLocks/>
+          </p:cNvCxnSpPr>
+          <p:nvPr/>
+        </p:nvCxnSpPr>
+        <p:spPr>
+          <a:xfrm>
+            <a:off x="12172251" y="4543710"/>
+            <a:ext cx="898241" cy="0"/>
+          </a:xfrm>
+          <a:prstGeom prst="straightConnector1">
+            <a:avLst/>
+          </a:prstGeom>
+          <a:ln>
+            <a:solidFill>
+              <a:schemeClr val="tx1"/>
+            </a:solidFill>
+            <a:tailEnd type="triangle"/>
+          </a:ln>
+        </p:spPr>
+        <p:style>
+          <a:lnRef idx="2">
+            <a:schemeClr val="accent1"/>
+          </a:lnRef>
+          <a:fillRef idx="0">
+            <a:schemeClr val="accent1"/>
+          </a:fillRef>
+          <a:effectRef idx="1">
+            <a:schemeClr val="accent1"/>
+          </a:effectRef>
+          <a:fontRef idx="minor">
+            <a:schemeClr val="tx1"/>
+          </a:fontRef>
+        </p:style>
+      </p:cxnSp>
+      <p:cxnSp>
+        <p:nvCxnSpPr>
+          <p:cNvPr id="47" name="直線矢印コネクタ 46">
+            <a:extLst>
+              <a:ext uri="{FF2B5EF4-FFF2-40B4-BE49-F238E27FC236}">
+                <a16:creationId xmlns:a16="http://schemas.microsoft.com/office/drawing/2014/main" id="{06CE0013-D8AD-2B42-1B83-31B4AF03E006}"/>
+              </a:ext>
+            </a:extLst>
+          </p:cNvPr>
+          <p:cNvCxnSpPr>
+            <a:cxnSpLocks/>
+            <a:stCxn id="43" idx="3"/>
+          </p:cNvCxnSpPr>
+          <p:nvPr/>
+        </p:nvCxnSpPr>
+        <p:spPr>
+          <a:xfrm flipV="1">
+            <a:off x="12172251" y="4755815"/>
+            <a:ext cx="881201" cy="617841"/>
+          </a:xfrm>
+          <a:prstGeom prst="straightConnector1">
+            <a:avLst/>
+          </a:prstGeom>
+          <a:ln>
+            <a:solidFill>
+              <a:schemeClr val="tx1"/>
+            </a:solidFill>
+            <a:tailEnd type="triangle"/>
+          </a:ln>
+        </p:spPr>
+        <p:style>
+          <a:lnRef idx="2">
+            <a:schemeClr val="accent1"/>
+          </a:lnRef>
+          <a:fillRef idx="0">
+            <a:schemeClr val="accent1"/>
+          </a:fillRef>
+          <a:effectRef idx="1">
+            <a:schemeClr val="accent1"/>
+          </a:effectRef>
+          <a:fontRef idx="minor">
+            <a:schemeClr val="tx1"/>
+          </a:fontRef>
+        </p:style>
+      </p:cxnSp>
+      <p:cxnSp>
+        <p:nvCxnSpPr>
+          <p:cNvPr id="48" name="直線矢印コネクタ 47">
+            <a:extLst>
+              <a:ext uri="{FF2B5EF4-FFF2-40B4-BE49-F238E27FC236}">
+                <a16:creationId xmlns:a16="http://schemas.microsoft.com/office/drawing/2014/main" id="{EF0D03B9-73BC-DC36-9F93-6901520B3664}"/>
+              </a:ext>
+            </a:extLst>
+          </p:cNvPr>
+          <p:cNvCxnSpPr>
+            <a:cxnSpLocks/>
+            <a:stCxn id="44" idx="3"/>
+          </p:cNvCxnSpPr>
+          <p:nvPr/>
+        </p:nvCxnSpPr>
+        <p:spPr>
+          <a:xfrm>
+            <a:off x="12172251" y="3727137"/>
+            <a:ext cx="889721" cy="641529"/>
+          </a:xfrm>
+          <a:prstGeom prst="straightConnector1">
+            <a:avLst/>
+          </a:prstGeom>
+          <a:ln>
+            <a:solidFill>
+              <a:schemeClr val="tx1"/>
+            </a:solidFill>
+            <a:tailEnd type="triangle"/>
+          </a:ln>
+        </p:spPr>
+        <p:style>
+          <a:lnRef idx="2">
+            <a:schemeClr val="accent1"/>
+          </a:lnRef>
+          <a:fillRef idx="0">
+            <a:schemeClr val="accent1"/>
+          </a:fillRef>
+          <a:effectRef idx="1">
+            <a:schemeClr val="accent1"/>
+          </a:effectRef>
+          <a:fontRef idx="minor">
+            <a:schemeClr val="tx1"/>
+          </a:fontRef>
+        </p:style>
+      </p:cxnSp>
+      <p:cxnSp>
+        <p:nvCxnSpPr>
+          <p:cNvPr id="49" name="直線矢印コネクタ 48">
+            <a:extLst>
+              <a:ext uri="{FF2B5EF4-FFF2-40B4-BE49-F238E27FC236}">
+                <a16:creationId xmlns:a16="http://schemas.microsoft.com/office/drawing/2014/main" id="{0394C686-BE12-10B4-AC4B-474DAF5BF950}"/>
+              </a:ext>
+            </a:extLst>
+          </p:cNvPr>
+          <p:cNvCxnSpPr>
+            <a:cxnSpLocks/>
+            <a:endCxn id="50" idx="1"/>
+          </p:cNvCxnSpPr>
+          <p:nvPr/>
+        </p:nvCxnSpPr>
+        <p:spPr>
+          <a:xfrm flipV="1">
+            <a:off x="10021153" y="2923324"/>
+            <a:ext cx="908590" cy="1160999"/>
+          </a:xfrm>
+          <a:prstGeom prst="straightConnector1">
+            <a:avLst/>
+          </a:prstGeom>
+          <a:ln>
+            <a:solidFill>
+              <a:schemeClr val="tx1"/>
+            </a:solidFill>
+            <a:tailEnd type="triangle"/>
+          </a:ln>
+        </p:spPr>
+        <p:style>
+          <a:lnRef idx="2">
+            <a:schemeClr val="accent1"/>
+          </a:lnRef>
+          <a:fillRef idx="0">
+            <a:schemeClr val="accent1"/>
+          </a:fillRef>
+          <a:effectRef idx="1">
+            <a:schemeClr val="accent1"/>
+          </a:effectRef>
+          <a:fontRef idx="minor">
+            <a:schemeClr val="tx1"/>
+          </a:fontRef>
+        </p:style>
+      </p:cxnSp>
+      <p:sp>
+        <p:nvSpPr>
+          <p:cNvPr id="50" name="正方形/長方形 49">
+            <a:extLst>
+              <a:ext uri="{FF2B5EF4-FFF2-40B4-BE49-F238E27FC236}">
+                <a16:creationId xmlns:a16="http://schemas.microsoft.com/office/drawing/2014/main" id="{6752639C-790B-4499-B908-F556910C5A6F}"/>
+              </a:ext>
+            </a:extLst>
+          </p:cNvPr>
+          <p:cNvSpPr/>
+          <p:nvPr/>
+        </p:nvSpPr>
+        <p:spPr>
+          <a:xfrm>
+            <a:off x="10929743" y="2700902"/>
+            <a:ext cx="1269895" cy="444843"/>
+          </a:xfrm>
+          <a:prstGeom prst="rect">
+            <a:avLst/>
+          </a:prstGeom>
+          <a:noFill/>
+        </p:spPr>
+        <p:style>
+          <a:lnRef idx="2">
+            <a:schemeClr val="accent1">
+              <a:shade val="15000"/>
+            </a:schemeClr>
+          </a:lnRef>
+          <a:fillRef idx="1">
+            <a:schemeClr val="accent1"/>
+          </a:fillRef>
+          <a:effectRef idx="0">
+            <a:schemeClr val="accent1"/>
+          </a:effectRef>
+          <a:fontRef idx="minor">
+            <a:schemeClr val="lt1"/>
+          </a:fontRef>
+        </p:style>
+        <p:txBody>
+          <a:bodyPr rot="0" spcFirstLastPara="0" vertOverflow="overflow" horzOverflow="overflow" vert="horz" wrap="square" lIns="91440" tIns="45720" rIns="91440" bIns="45720" numCol="1" spcCol="0" rtlCol="0" fromWordArt="0" anchor="ctr" anchorCtr="1" forceAA="0" compatLnSpc="1">
+            <a:prstTxWarp prst="textNoShape">
+              <a:avLst/>
+            </a:prstTxWarp>
+            <a:normAutofit/>
+          </a:bodyPr>
+          <a:lstStyle/>
+          <a:p>
+            <a:pPr algn="ctr"/>
+            <a:r>
+              <a:rPr kumimoji="1" lang="ja-JP" altLang="en-US" sz="1600" dirty="0">
+                <a:solidFill>
+                  <a:schemeClr val="tx1"/>
+                </a:solidFill>
+                <a:latin typeface="メイリオ" panose="020B0604030504040204" pitchFamily="50" charset="-128"/>
+                <a:ea typeface="メイリオ" panose="020B0604030504040204" pitchFamily="50" charset="-128"/>
+              </a:rPr>
+              <a:t>検索結果</a:t>
+            </a:r>
+            <a:r>
+              <a:rPr kumimoji="1" lang="en-US" altLang="ja-JP" sz="1600" dirty="0">
+                <a:solidFill>
+                  <a:schemeClr val="tx1"/>
+                </a:solidFill>
+                <a:latin typeface="メイリオ" panose="020B0604030504040204" pitchFamily="50" charset="-128"/>
+                <a:ea typeface="メイリオ" panose="020B0604030504040204" pitchFamily="50" charset="-128"/>
+              </a:rPr>
+              <a:t>0</a:t>
+            </a:r>
+            <a:endParaRPr kumimoji="1" lang="ja-JP" altLang="en-US" sz="1600" dirty="0">
+              <a:solidFill>
+                <a:schemeClr val="tx1"/>
+              </a:solidFill>
+              <a:latin typeface="メイリオ" panose="020B0604030504040204" pitchFamily="50" charset="-128"/>
+              <a:ea typeface="メイリオ" panose="020B0604030504040204" pitchFamily="50" charset="-128"/>
+            </a:endParaRPr>
+          </a:p>
+        </p:txBody>
+      </p:sp>
+      <p:cxnSp>
+        <p:nvCxnSpPr>
+          <p:cNvPr id="52" name="直線矢印コネクタ 51">
+            <a:extLst>
+              <a:ext uri="{FF2B5EF4-FFF2-40B4-BE49-F238E27FC236}">
+                <a16:creationId xmlns:a16="http://schemas.microsoft.com/office/drawing/2014/main" id="{819BA52E-5602-642B-D19A-540D25C12874}"/>
+              </a:ext>
+            </a:extLst>
+          </p:cNvPr>
+          <p:cNvCxnSpPr>
+            <a:cxnSpLocks/>
+            <a:stCxn id="50" idx="3"/>
+          </p:cNvCxnSpPr>
+          <p:nvPr/>
+        </p:nvCxnSpPr>
+        <p:spPr>
+          <a:xfrm>
+            <a:off x="12199638" y="2923324"/>
+            <a:ext cx="853814" cy="1160999"/>
+          </a:xfrm>
+          <a:prstGeom prst="straightConnector1">
+            <a:avLst/>
+          </a:prstGeom>
+          <a:ln>
+            <a:solidFill>
+              <a:schemeClr val="tx1"/>
+            </a:solidFill>
+            <a:tailEnd type="triangle"/>
+          </a:ln>
+        </p:spPr>
+        <p:style>
+          <a:lnRef idx="2">
+            <a:schemeClr val="accent1"/>
+          </a:lnRef>
+          <a:fillRef idx="0">
+            <a:schemeClr val="accent1"/>
+          </a:fillRef>
+          <a:effectRef idx="1">
+            <a:schemeClr val="accent1"/>
+          </a:effectRef>
+          <a:fontRef idx="minor">
+            <a:schemeClr val="tx1"/>
+          </a:fontRef>
+        </p:style>
+      </p:cxnSp>
+      <p:pic>
+        <p:nvPicPr>
+          <p:cNvPr id="56" name="Graphic 6" descr="Amazon Bedrock service icon.">
+            <a:extLst>
+              <a:ext uri="{FF2B5EF4-FFF2-40B4-BE49-F238E27FC236}">
+                <a16:creationId xmlns:a16="http://schemas.microsoft.com/office/drawing/2014/main" id="{19DC1A60-6A70-4668-95C9-AAEA2D433E88}"/>
+              </a:ext>
+            </a:extLst>
+          </p:cNvPr>
+          <p:cNvPicPr>
+            <a:picLocks noChangeAspect="1"/>
+          </p:cNvPicPr>
+          <p:nvPr/>
+        </p:nvPicPr>
+        <p:blipFill>
+          <a:blip r:embed="rId3">
+            <a:extLst>
+              <a:ext uri="{96DAC541-7B7A-43D3-8B79-37D633B846F1}">
+                <asvg:svgBlip xmlns:asvg="http://schemas.microsoft.com/office/drawing/2016/SVG/main" r:embed="rId4"/>
+              </a:ext>
+            </a:extLst>
+          </a:blip>
+          <a:srcRect/>
+          <a:stretch/>
+        </p:blipFill>
+        <p:spPr>
+          <a:xfrm>
+            <a:off x="13288431" y="4162711"/>
+            <a:ext cx="762000" cy="762000"/>
+          </a:xfrm>
+          <a:prstGeom prst="rect">
+            <a:avLst/>
+          </a:prstGeom>
+        </p:spPr>
+      </p:pic>
+      <p:sp>
+        <p:nvSpPr>
+          <p:cNvPr id="57" name="TextBox 12">
+            <a:extLst>
+              <a:ext uri="{FF2B5EF4-FFF2-40B4-BE49-F238E27FC236}">
+                <a16:creationId xmlns:a16="http://schemas.microsoft.com/office/drawing/2014/main" id="{B8DD9475-802F-0863-2B10-16751D96AD15}"/>
+              </a:ext>
+            </a:extLst>
+          </p:cNvPr>
+          <p:cNvSpPr txBox="1">
+            <a:spLocks noChangeArrowheads="1"/>
+          </p:cNvSpPr>
+          <p:nvPr/>
+        </p:nvSpPr>
+        <p:spPr bwMode="auto">
+          <a:xfrm>
+            <a:off x="12528961" y="4926302"/>
+            <a:ext cx="2279650" cy="307777"/>
+          </a:xfrm>
+          <a:prstGeom prst="rect">
+            <a:avLst/>
+          </a:prstGeom>
+          <a:noFill/>
+          <a:ln>
+            <a:noFill/>
+          </a:ln>
+          <a:extLst>
+            <a:ext uri="{909E8E84-426E-40DD-AFC4-6F175D3DCCD1}">
+              <a14:hiddenFill xmlns:a14="http://schemas.microsoft.com/office/drawing/2010/main">
+                <a:solidFill>
+                  <a:srgbClr val="FFFFFF"/>
+                </a:solidFill>
+              </a14:hiddenFill>
+            </a:ext>
+            <a:ext uri="{91240B29-F687-4F45-9708-019B960494DF}">
+              <a14:hiddenLine xmlns:a14="http://schemas.microsoft.com/office/drawing/2010/main" w="9525">
+                <a:solidFill>
+                  <a:srgbClr val="000000"/>
+                </a:solidFill>
+                <a:miter lim="800000"/>
+                <a:headEnd/>
+                <a:tailEnd/>
+              </a14:hiddenLine>
+            </a:ext>
+          </a:extLst>
+        </p:spPr>
+        <p:txBody>
+          <a:bodyPr>
+            <a:spAutoFit/>
+          </a:bodyPr>
+          <a:lstStyle>
+            <a:lvl1pPr>
+              <a:defRPr>
+                <a:solidFill>
+                  <a:schemeClr val="tx1"/>
+                </a:solidFill>
+                <a:latin typeface="Calibri" panose="020F0502020204030204" pitchFamily="34" charset="0"/>
+              </a:defRPr>
+            </a:lvl1pPr>
+            <a:lvl2pPr marL="742950" indent="-285750">
+              <a:defRPr>
+                <a:solidFill>
+                  <a:schemeClr val="tx1"/>
+                </a:solidFill>
+                <a:latin typeface="Calibri" panose="020F0502020204030204" pitchFamily="34" charset="0"/>
+              </a:defRPr>
+            </a:lvl2pPr>
+            <a:lvl3pPr marL="1143000" indent="-228600">
+              <a:defRPr>
+                <a:solidFill>
+                  <a:schemeClr val="tx1"/>
+                </a:solidFill>
+                <a:latin typeface="Calibri" panose="020F0502020204030204" pitchFamily="34" charset="0"/>
+              </a:defRPr>
+            </a:lvl3pPr>
+            <a:lvl4pPr marL="1600200" indent="-228600">
+              <a:defRPr>
+                <a:solidFill>
+                  <a:schemeClr val="tx1"/>
+                </a:solidFill>
+                <a:latin typeface="Calibri" panose="020F0502020204030204" pitchFamily="34" charset="0"/>
+              </a:defRPr>
+            </a:lvl4pPr>
+            <a:lvl5pPr marL="2057400" indent="-228600">
+              <a:defRPr>
+                <a:solidFill>
+                  <a:schemeClr val="tx1"/>
+                </a:solidFill>
+                <a:latin typeface="Calibri" panose="020F0502020204030204" pitchFamily="34" charset="0"/>
+              </a:defRPr>
+            </a:lvl5pPr>
+            <a:lvl6pPr marL="2514600" indent="-228600" eaLnBrk="0" fontAlgn="base" hangingPunct="0">
+              <a:spcBef>
+                <a:spcPct val="0"/>
+              </a:spcBef>
+              <a:spcAft>
+                <a:spcPct val="0"/>
+              </a:spcAft>
+              <a:defRPr>
+                <a:solidFill>
+                  <a:schemeClr val="tx1"/>
+                </a:solidFill>
+                <a:latin typeface="Calibri" panose="020F0502020204030204" pitchFamily="34" charset="0"/>
+              </a:defRPr>
+            </a:lvl6pPr>
+            <a:lvl7pPr marL="2971800" indent="-228600" eaLnBrk="0" fontAlgn="base" hangingPunct="0">
+              <a:spcBef>
+                <a:spcPct val="0"/>
+              </a:spcBef>
+              <a:spcAft>
+                <a:spcPct val="0"/>
+              </a:spcAft>
+              <a:defRPr>
+                <a:solidFill>
+                  <a:schemeClr val="tx1"/>
+                </a:solidFill>
+                <a:latin typeface="Calibri" panose="020F0502020204030204" pitchFamily="34" charset="0"/>
+              </a:defRPr>
+            </a:lvl7pPr>
+            <a:lvl8pPr marL="3429000" indent="-228600" eaLnBrk="0" fontAlgn="base" hangingPunct="0">
+              <a:spcBef>
+                <a:spcPct val="0"/>
+              </a:spcBef>
+              <a:spcAft>
+                <a:spcPct val="0"/>
+              </a:spcAft>
+              <a:defRPr>
+                <a:solidFill>
+                  <a:schemeClr val="tx1"/>
+                </a:solidFill>
+                <a:latin typeface="Calibri" panose="020F0502020204030204" pitchFamily="34" charset="0"/>
+              </a:defRPr>
+            </a:lvl8pPr>
+            <a:lvl9pPr marL="3886200" indent="-228600" eaLnBrk="0" fontAlgn="base" hangingPunct="0">
+              <a:spcBef>
+                <a:spcPct val="0"/>
+              </a:spcBef>
+              <a:spcAft>
+                <a:spcPct val="0"/>
+              </a:spcAft>
+              <a:defRPr>
+                <a:solidFill>
+                  <a:schemeClr val="tx1"/>
+                </a:solidFill>
+                <a:latin typeface="Calibri" panose="020F0502020204030204" pitchFamily="34" charset="0"/>
+              </a:defRPr>
+            </a:lvl9pPr>
+          </a:lstStyle>
+          <a:p>
+            <a:pPr algn="ctr" eaLnBrk="1" hangingPunct="1"/>
+            <a:r>
+              <a:rPr lang="en-US" altLang="en-US" sz="1400" dirty="0">
+                <a:latin typeface="Arial" panose="020B0604020202020204" pitchFamily="34" charset="0"/>
+                <a:ea typeface="Amazon Ember" panose="020B0603020204020204" pitchFamily="34" charset="0"/>
+                <a:cs typeface="Arial" panose="020B0604020202020204" pitchFamily="34" charset="0"/>
+              </a:rPr>
+              <a:t>Amazon Bedrock</a:t>
+            </a:r>
+          </a:p>
+        </p:txBody>
+      </p:sp>
+      <p:sp>
+        <p:nvSpPr>
+          <p:cNvPr id="58" name="テキスト ボックス 57">
+            <a:extLst>
+              <a:ext uri="{FF2B5EF4-FFF2-40B4-BE49-F238E27FC236}">
+                <a16:creationId xmlns:a16="http://schemas.microsoft.com/office/drawing/2014/main" id="{C3B7F172-95D8-D75F-D785-2FF5D111EB6A}"/>
+              </a:ext>
+            </a:extLst>
+          </p:cNvPr>
+          <p:cNvSpPr txBox="1"/>
+          <p:nvPr/>
+        </p:nvSpPr>
+        <p:spPr>
+          <a:xfrm>
+            <a:off x="12606685" y="5356778"/>
+            <a:ext cx="2125492" cy="584775"/>
+          </a:xfrm>
+          <a:prstGeom prst="rect">
+            <a:avLst/>
+          </a:prstGeom>
+          <a:noFill/>
+        </p:spPr>
+        <p:txBody>
+          <a:bodyPr wrap="square" rtlCol="0">
+            <a:spAutoFit/>
+          </a:bodyPr>
+          <a:lstStyle/>
+          <a:p>
+            <a:pPr algn="ctr"/>
+            <a:r>
+              <a:rPr lang="en-US" altLang="ja-JP" sz="1600" dirty="0">
+                <a:solidFill>
+                  <a:srgbClr val="FF0000"/>
+                </a:solidFill>
+                <a:latin typeface="メイリオ" panose="020B0604030504040204" pitchFamily="50" charset="-128"/>
+                <a:ea typeface="メイリオ" panose="020B0604030504040204" pitchFamily="50" charset="-128"/>
+              </a:rPr>
+              <a:t>step3.</a:t>
+            </a:r>
+            <a:r>
+              <a:rPr lang="ja-JP" altLang="en-US" sz="1600" dirty="0">
+                <a:solidFill>
+                  <a:srgbClr val="FF0000"/>
+                </a:solidFill>
+                <a:latin typeface="メイリオ" panose="020B0604030504040204" pitchFamily="50" charset="-128"/>
+                <a:ea typeface="メイリオ" panose="020B0604030504040204" pitchFamily="50" charset="-128"/>
+              </a:rPr>
+              <a:t>関連度評価の</a:t>
+            </a:r>
+            <a:endParaRPr lang="en-US" altLang="ja-JP" sz="1600" dirty="0">
+              <a:solidFill>
+                <a:srgbClr val="FF0000"/>
+              </a:solidFill>
+              <a:latin typeface="メイリオ" panose="020B0604030504040204" pitchFamily="50" charset="-128"/>
+              <a:ea typeface="メイリオ" panose="020B0604030504040204" pitchFamily="50" charset="-128"/>
+            </a:endParaRPr>
+          </a:p>
+          <a:p>
+            <a:pPr algn="ctr"/>
+            <a:r>
+              <a:rPr lang="ja-JP" altLang="en-US" sz="1600" dirty="0">
+                <a:solidFill>
+                  <a:srgbClr val="FF0000"/>
+                </a:solidFill>
+                <a:latin typeface="メイリオ" panose="020B0604030504040204" pitchFamily="50" charset="-128"/>
+                <a:ea typeface="メイリオ" panose="020B0604030504040204" pitchFamily="50" charset="-128"/>
+              </a:rPr>
+              <a:t>並列実行</a:t>
+            </a:r>
+          </a:p>
+        </p:txBody>
+      </p:sp>
+      <p:cxnSp>
+        <p:nvCxnSpPr>
+          <p:cNvPr id="63" name="直線矢印コネクタ 62">
+            <a:extLst>
+              <a:ext uri="{FF2B5EF4-FFF2-40B4-BE49-F238E27FC236}">
+                <a16:creationId xmlns:a16="http://schemas.microsoft.com/office/drawing/2014/main" id="{EF37669A-A7AB-ECE3-7746-E0EDE08B7516}"/>
+              </a:ext>
+            </a:extLst>
+          </p:cNvPr>
+          <p:cNvCxnSpPr>
+            <a:cxnSpLocks/>
+            <a:endCxn id="66" idx="1"/>
+          </p:cNvCxnSpPr>
+          <p:nvPr/>
+        </p:nvCxnSpPr>
+        <p:spPr>
+          <a:xfrm flipV="1">
+            <a:off x="14168353" y="3727137"/>
+            <a:ext cx="881201" cy="641529"/>
+          </a:xfrm>
+          <a:prstGeom prst="straightConnector1">
+            <a:avLst/>
+          </a:prstGeom>
+          <a:ln>
+            <a:solidFill>
+              <a:schemeClr val="tx1"/>
+            </a:solidFill>
+            <a:tailEnd type="triangle"/>
+          </a:ln>
+        </p:spPr>
+        <p:style>
+          <a:lnRef idx="2">
+            <a:schemeClr val="accent1"/>
+          </a:lnRef>
+          <a:fillRef idx="0">
+            <a:schemeClr val="accent1"/>
+          </a:fillRef>
+          <a:effectRef idx="1">
+            <a:schemeClr val="accent1"/>
+          </a:effectRef>
+          <a:fontRef idx="minor">
+            <a:schemeClr val="tx1"/>
+          </a:fontRef>
+        </p:style>
+      </p:cxnSp>
+      <p:cxnSp>
+        <p:nvCxnSpPr>
+          <p:cNvPr id="64" name="直線矢印コネクタ 63">
+            <a:extLst>
+              <a:ext uri="{FF2B5EF4-FFF2-40B4-BE49-F238E27FC236}">
+                <a16:creationId xmlns:a16="http://schemas.microsoft.com/office/drawing/2014/main" id="{DAC21460-F036-C912-04F7-D7498E23FB15}"/>
+              </a:ext>
+            </a:extLst>
+          </p:cNvPr>
+          <p:cNvCxnSpPr>
+            <a:cxnSpLocks/>
+            <a:endCxn id="65" idx="1"/>
+          </p:cNvCxnSpPr>
+          <p:nvPr/>
+        </p:nvCxnSpPr>
+        <p:spPr>
+          <a:xfrm>
+            <a:off x="14168351" y="4705569"/>
+            <a:ext cx="881202" cy="668086"/>
+          </a:xfrm>
+          <a:prstGeom prst="straightConnector1">
+            <a:avLst/>
+          </a:prstGeom>
+          <a:ln>
+            <a:solidFill>
+              <a:schemeClr val="tx1"/>
+            </a:solidFill>
+            <a:tailEnd type="triangle"/>
+          </a:ln>
+        </p:spPr>
+        <p:style>
+          <a:lnRef idx="2">
+            <a:schemeClr val="accent1"/>
+          </a:lnRef>
+          <a:fillRef idx="0">
+            <a:schemeClr val="accent1"/>
+          </a:fillRef>
+          <a:effectRef idx="1">
+            <a:schemeClr val="accent1"/>
+          </a:effectRef>
+          <a:fontRef idx="minor">
+            <a:schemeClr val="tx1"/>
+          </a:fontRef>
+        </p:style>
+      </p:cxnSp>
+      <p:sp>
+        <p:nvSpPr>
+          <p:cNvPr id="65" name="正方形/長方形 64">
+            <a:extLst>
+              <a:ext uri="{FF2B5EF4-FFF2-40B4-BE49-F238E27FC236}">
+                <a16:creationId xmlns:a16="http://schemas.microsoft.com/office/drawing/2014/main" id="{61C61209-058F-A886-77E9-B5ADD8A92EEA}"/>
+              </a:ext>
+            </a:extLst>
+          </p:cNvPr>
+          <p:cNvSpPr/>
+          <p:nvPr/>
+        </p:nvSpPr>
+        <p:spPr>
+          <a:xfrm>
+            <a:off x="15049554" y="5151234"/>
+            <a:ext cx="1269895" cy="444843"/>
+          </a:xfrm>
+          <a:prstGeom prst="rect">
+            <a:avLst/>
+          </a:prstGeom>
+          <a:noFill/>
+        </p:spPr>
+        <p:style>
+          <a:lnRef idx="2">
+            <a:schemeClr val="accent1">
+              <a:shade val="15000"/>
+            </a:schemeClr>
+          </a:lnRef>
+          <a:fillRef idx="1">
+            <a:schemeClr val="accent1"/>
+          </a:fillRef>
+          <a:effectRef idx="0">
+            <a:schemeClr val="accent1"/>
+          </a:effectRef>
+          <a:fontRef idx="minor">
+            <a:schemeClr val="lt1"/>
+          </a:fontRef>
+        </p:style>
+        <p:txBody>
+          <a:bodyPr rot="0" spcFirstLastPara="0" vertOverflow="overflow" horzOverflow="overflow" vert="horz" wrap="square" lIns="91440" tIns="45720" rIns="91440" bIns="45720" numCol="1" spcCol="0" rtlCol="0" fromWordArt="0" anchor="ctr" anchorCtr="1" forceAA="0" compatLnSpc="1">
+            <a:prstTxWarp prst="textNoShape">
+              <a:avLst/>
+            </a:prstTxWarp>
+            <a:normAutofit/>
+          </a:bodyPr>
+          <a:lstStyle/>
+          <a:p>
+            <a:pPr algn="ctr"/>
+            <a:r>
+              <a:rPr kumimoji="1" lang="ja-JP" altLang="en-US" sz="1600" dirty="0">
+                <a:solidFill>
+                  <a:schemeClr val="tx1"/>
+                </a:solidFill>
+                <a:latin typeface="メイリオ" panose="020B0604030504040204" pitchFamily="50" charset="-128"/>
+                <a:ea typeface="メイリオ" panose="020B0604030504040204" pitchFamily="50" charset="-128"/>
+              </a:rPr>
+              <a:t>検索結果</a:t>
+            </a:r>
+            <a:r>
+              <a:rPr kumimoji="1" lang="en-US" altLang="ja-JP" sz="1600" dirty="0">
+                <a:solidFill>
+                  <a:schemeClr val="tx1"/>
+                </a:solidFill>
+                <a:latin typeface="メイリオ" panose="020B0604030504040204" pitchFamily="50" charset="-128"/>
+                <a:ea typeface="メイリオ" panose="020B0604030504040204" pitchFamily="50" charset="-128"/>
+              </a:rPr>
+              <a:t>3</a:t>
+            </a:r>
+            <a:endParaRPr kumimoji="1" lang="ja-JP" altLang="en-US" sz="1600" dirty="0">
+              <a:solidFill>
+                <a:schemeClr val="tx1"/>
+              </a:solidFill>
+              <a:latin typeface="メイリオ" panose="020B0604030504040204" pitchFamily="50" charset="-128"/>
+              <a:ea typeface="メイリオ" panose="020B0604030504040204" pitchFamily="50" charset="-128"/>
+            </a:endParaRPr>
+          </a:p>
+        </p:txBody>
+      </p:sp>
+      <p:sp>
+        <p:nvSpPr>
+          <p:cNvPr id="66" name="正方形/長方形 65">
+            <a:extLst>
+              <a:ext uri="{FF2B5EF4-FFF2-40B4-BE49-F238E27FC236}">
+                <a16:creationId xmlns:a16="http://schemas.microsoft.com/office/drawing/2014/main" id="{9C4D190C-E814-822A-D263-1BADFF9C7EA5}"/>
+              </a:ext>
+            </a:extLst>
+          </p:cNvPr>
+          <p:cNvSpPr/>
+          <p:nvPr/>
+        </p:nvSpPr>
+        <p:spPr>
+          <a:xfrm>
+            <a:off x="15049554" y="3504715"/>
+            <a:ext cx="1269895" cy="444843"/>
+          </a:xfrm>
+          <a:prstGeom prst="rect">
+            <a:avLst/>
+          </a:prstGeom>
+          <a:noFill/>
+        </p:spPr>
+        <p:style>
+          <a:lnRef idx="2">
+            <a:schemeClr val="accent1">
+              <a:shade val="15000"/>
+            </a:schemeClr>
+          </a:lnRef>
+          <a:fillRef idx="1">
+            <a:schemeClr val="accent1"/>
+          </a:fillRef>
+          <a:effectRef idx="0">
+            <a:schemeClr val="accent1"/>
+          </a:effectRef>
+          <a:fontRef idx="minor">
+            <a:schemeClr val="lt1"/>
+          </a:fontRef>
+        </p:style>
+        <p:txBody>
+          <a:bodyPr rot="0" spcFirstLastPara="0" vertOverflow="overflow" horzOverflow="overflow" vert="horz" wrap="square" lIns="91440" tIns="45720" rIns="91440" bIns="45720" numCol="1" spcCol="0" rtlCol="0" fromWordArt="0" anchor="ctr" anchorCtr="1" forceAA="0" compatLnSpc="1">
+            <a:prstTxWarp prst="textNoShape">
+              <a:avLst/>
+            </a:prstTxWarp>
+            <a:normAutofit/>
+          </a:bodyPr>
+          <a:lstStyle/>
+          <a:p>
+            <a:pPr algn="ctr"/>
+            <a:r>
+              <a:rPr kumimoji="1" lang="ja-JP" altLang="en-US" sz="1600" dirty="0">
+                <a:solidFill>
+                  <a:schemeClr val="tx1"/>
+                </a:solidFill>
+                <a:latin typeface="メイリオ" panose="020B0604030504040204" pitchFamily="50" charset="-128"/>
+                <a:ea typeface="メイリオ" panose="020B0604030504040204" pitchFamily="50" charset="-128"/>
+              </a:rPr>
+              <a:t>検索結果</a:t>
+            </a:r>
+            <a:r>
+              <a:rPr kumimoji="1" lang="en-US" altLang="ja-JP" sz="1600" dirty="0">
+                <a:solidFill>
+                  <a:schemeClr val="tx1"/>
+                </a:solidFill>
+                <a:latin typeface="メイリオ" panose="020B0604030504040204" pitchFamily="50" charset="-128"/>
+                <a:ea typeface="メイリオ" panose="020B0604030504040204" pitchFamily="50" charset="-128"/>
+              </a:rPr>
+              <a:t>1</a:t>
+            </a:r>
+            <a:endParaRPr kumimoji="1" lang="ja-JP" altLang="en-US" sz="1600" dirty="0">
+              <a:solidFill>
+                <a:schemeClr val="tx1"/>
+              </a:solidFill>
+              <a:latin typeface="メイリオ" panose="020B0604030504040204" pitchFamily="50" charset="-128"/>
+              <a:ea typeface="メイリオ" panose="020B0604030504040204" pitchFamily="50" charset="-128"/>
+            </a:endParaRPr>
+          </a:p>
+        </p:txBody>
+      </p:sp>
+      <p:cxnSp>
+        <p:nvCxnSpPr>
+          <p:cNvPr id="67" name="直線矢印コネクタ 66">
+            <a:extLst>
+              <a:ext uri="{FF2B5EF4-FFF2-40B4-BE49-F238E27FC236}">
+                <a16:creationId xmlns:a16="http://schemas.microsoft.com/office/drawing/2014/main" id="{4991DCAC-005E-B4A1-4932-B445EF10F445}"/>
+              </a:ext>
+            </a:extLst>
+          </p:cNvPr>
+          <p:cNvCxnSpPr>
+            <a:cxnSpLocks/>
+            <a:stCxn id="65" idx="3"/>
+          </p:cNvCxnSpPr>
+          <p:nvPr/>
+        </p:nvCxnSpPr>
+        <p:spPr>
+          <a:xfrm flipV="1">
+            <a:off x="16319449" y="4755815"/>
+            <a:ext cx="881201" cy="617841"/>
+          </a:xfrm>
+          <a:prstGeom prst="straightConnector1">
+            <a:avLst/>
+          </a:prstGeom>
+          <a:ln>
+            <a:solidFill>
+              <a:schemeClr val="tx1"/>
+            </a:solidFill>
+            <a:tailEnd type="triangle"/>
+          </a:ln>
+        </p:spPr>
+        <p:style>
+          <a:lnRef idx="2">
+            <a:schemeClr val="accent1"/>
+          </a:lnRef>
+          <a:fillRef idx="0">
+            <a:schemeClr val="accent1"/>
+          </a:fillRef>
+          <a:effectRef idx="1">
+            <a:schemeClr val="accent1"/>
+          </a:effectRef>
+          <a:fontRef idx="minor">
+            <a:schemeClr val="tx1"/>
+          </a:fontRef>
+        </p:style>
+      </p:cxnSp>
+      <p:cxnSp>
+        <p:nvCxnSpPr>
+          <p:cNvPr id="68" name="直線矢印コネクタ 67">
+            <a:extLst>
+              <a:ext uri="{FF2B5EF4-FFF2-40B4-BE49-F238E27FC236}">
+                <a16:creationId xmlns:a16="http://schemas.microsoft.com/office/drawing/2014/main" id="{A5B3276B-F37A-003A-65B2-0D3B55777294}"/>
+              </a:ext>
+            </a:extLst>
+          </p:cNvPr>
+          <p:cNvCxnSpPr>
+            <a:cxnSpLocks/>
+            <a:stCxn id="66" idx="3"/>
+          </p:cNvCxnSpPr>
+          <p:nvPr/>
+        </p:nvCxnSpPr>
+        <p:spPr>
+          <a:xfrm>
+            <a:off x="16319449" y="3727137"/>
+            <a:ext cx="889721" cy="641529"/>
+          </a:xfrm>
+          <a:prstGeom prst="straightConnector1">
+            <a:avLst/>
+          </a:prstGeom>
+          <a:ln>
+            <a:solidFill>
+              <a:schemeClr val="tx1"/>
+            </a:solidFill>
+            <a:tailEnd type="triangle"/>
+          </a:ln>
+        </p:spPr>
+        <p:style>
+          <a:lnRef idx="2">
+            <a:schemeClr val="accent1"/>
+          </a:lnRef>
+          <a:fillRef idx="0">
+            <a:schemeClr val="accent1"/>
+          </a:fillRef>
+          <a:effectRef idx="1">
+            <a:schemeClr val="accent1"/>
+          </a:effectRef>
+          <a:fontRef idx="minor">
+            <a:schemeClr val="tx1"/>
+          </a:fontRef>
+        </p:style>
+      </p:cxnSp>
+      <p:pic>
+        <p:nvPicPr>
+          <p:cNvPr id="76" name="Graphic 6" descr="Amazon Bedrock service icon.">
+            <a:extLst>
+              <a:ext uri="{FF2B5EF4-FFF2-40B4-BE49-F238E27FC236}">
+                <a16:creationId xmlns:a16="http://schemas.microsoft.com/office/drawing/2014/main" id="{99384EBF-9683-2F15-A542-60CE42FF0077}"/>
+              </a:ext>
+            </a:extLst>
+          </p:cNvPr>
+          <p:cNvPicPr>
+            <a:picLocks noChangeAspect="1"/>
+          </p:cNvPicPr>
+          <p:nvPr/>
+        </p:nvPicPr>
+        <p:blipFill>
+          <a:blip r:embed="rId3">
+            <a:extLst>
+              <a:ext uri="{96DAC541-7B7A-43D3-8B79-37D633B846F1}">
+                <asvg:svgBlip xmlns:asvg="http://schemas.microsoft.com/office/drawing/2016/SVG/main" r:embed="rId4"/>
+              </a:ext>
+            </a:extLst>
+          </a:blip>
+          <a:srcRect/>
+          <a:stretch/>
+        </p:blipFill>
+        <p:spPr>
+          <a:xfrm>
+            <a:off x="17427986" y="4162711"/>
+            <a:ext cx="762000" cy="762000"/>
+          </a:xfrm>
+          <a:prstGeom prst="rect">
+            <a:avLst/>
+          </a:prstGeom>
+        </p:spPr>
+      </p:pic>
+      <p:sp>
+        <p:nvSpPr>
+          <p:cNvPr id="77" name="TextBox 12">
+            <a:extLst>
+              <a:ext uri="{FF2B5EF4-FFF2-40B4-BE49-F238E27FC236}">
+                <a16:creationId xmlns:a16="http://schemas.microsoft.com/office/drawing/2014/main" id="{76F44301-7370-666B-5836-7344B67AC2DF}"/>
+              </a:ext>
+            </a:extLst>
+          </p:cNvPr>
+          <p:cNvSpPr txBox="1">
+            <a:spLocks noChangeArrowheads="1"/>
+          </p:cNvSpPr>
+          <p:nvPr/>
+        </p:nvSpPr>
+        <p:spPr bwMode="auto">
+          <a:xfrm>
+            <a:off x="16669161" y="4926302"/>
+            <a:ext cx="2279650" cy="307777"/>
+          </a:xfrm>
+          <a:prstGeom prst="rect">
+            <a:avLst/>
+          </a:prstGeom>
+          <a:noFill/>
+          <a:ln>
+            <a:noFill/>
+          </a:ln>
+          <a:extLst>
+            <a:ext uri="{909E8E84-426E-40DD-AFC4-6F175D3DCCD1}">
+              <a14:hiddenFill xmlns:a14="http://schemas.microsoft.com/office/drawing/2010/main">
+                <a:solidFill>
+                  <a:srgbClr val="FFFFFF"/>
+                </a:solidFill>
+              </a14:hiddenFill>
+            </a:ext>
+            <a:ext uri="{91240B29-F687-4F45-9708-019B960494DF}">
+              <a14:hiddenLine xmlns:a14="http://schemas.microsoft.com/office/drawing/2010/main" w="9525">
+                <a:solidFill>
+                  <a:srgbClr val="000000"/>
+                </a:solidFill>
+                <a:miter lim="800000"/>
+                <a:headEnd/>
+                <a:tailEnd/>
+              </a14:hiddenLine>
+            </a:ext>
+          </a:extLst>
+        </p:spPr>
+        <p:txBody>
+          <a:bodyPr>
+            <a:spAutoFit/>
+          </a:bodyPr>
+          <a:lstStyle>
+            <a:lvl1pPr>
+              <a:defRPr>
+                <a:solidFill>
+                  <a:schemeClr val="tx1"/>
+                </a:solidFill>
+                <a:latin typeface="Calibri" panose="020F0502020204030204" pitchFamily="34" charset="0"/>
+              </a:defRPr>
+            </a:lvl1pPr>
+            <a:lvl2pPr marL="742950" indent="-285750">
+              <a:defRPr>
+                <a:solidFill>
+                  <a:schemeClr val="tx1"/>
+                </a:solidFill>
+                <a:latin typeface="Calibri" panose="020F0502020204030204" pitchFamily="34" charset="0"/>
+              </a:defRPr>
+            </a:lvl2pPr>
+            <a:lvl3pPr marL="1143000" indent="-228600">
+              <a:defRPr>
+                <a:solidFill>
+                  <a:schemeClr val="tx1"/>
+                </a:solidFill>
+                <a:latin typeface="Calibri" panose="020F0502020204030204" pitchFamily="34" charset="0"/>
+              </a:defRPr>
+            </a:lvl3pPr>
+            <a:lvl4pPr marL="1600200" indent="-228600">
+              <a:defRPr>
+                <a:solidFill>
+                  <a:schemeClr val="tx1"/>
+                </a:solidFill>
+                <a:latin typeface="Calibri" panose="020F0502020204030204" pitchFamily="34" charset="0"/>
+              </a:defRPr>
+            </a:lvl4pPr>
+            <a:lvl5pPr marL="2057400" indent="-228600">
+              <a:defRPr>
+                <a:solidFill>
+                  <a:schemeClr val="tx1"/>
+                </a:solidFill>
+                <a:latin typeface="Calibri" panose="020F0502020204030204" pitchFamily="34" charset="0"/>
+              </a:defRPr>
+            </a:lvl5pPr>
+            <a:lvl6pPr marL="2514600" indent="-228600" eaLnBrk="0" fontAlgn="base" hangingPunct="0">
+              <a:spcBef>
+                <a:spcPct val="0"/>
+              </a:spcBef>
+              <a:spcAft>
+                <a:spcPct val="0"/>
+              </a:spcAft>
+              <a:defRPr>
+                <a:solidFill>
+                  <a:schemeClr val="tx1"/>
+                </a:solidFill>
+                <a:latin typeface="Calibri" panose="020F0502020204030204" pitchFamily="34" charset="0"/>
+              </a:defRPr>
+            </a:lvl6pPr>
+            <a:lvl7pPr marL="2971800" indent="-228600" eaLnBrk="0" fontAlgn="base" hangingPunct="0">
+              <a:spcBef>
+                <a:spcPct val="0"/>
+              </a:spcBef>
+              <a:spcAft>
+                <a:spcPct val="0"/>
+              </a:spcAft>
+              <a:defRPr>
+                <a:solidFill>
+                  <a:schemeClr val="tx1"/>
+                </a:solidFill>
+                <a:latin typeface="Calibri" panose="020F0502020204030204" pitchFamily="34" charset="0"/>
+              </a:defRPr>
+            </a:lvl7pPr>
+            <a:lvl8pPr marL="3429000" indent="-228600" eaLnBrk="0" fontAlgn="base" hangingPunct="0">
+              <a:spcBef>
+                <a:spcPct val="0"/>
+              </a:spcBef>
+              <a:spcAft>
+                <a:spcPct val="0"/>
+              </a:spcAft>
+              <a:defRPr>
+                <a:solidFill>
+                  <a:schemeClr val="tx1"/>
+                </a:solidFill>
+                <a:latin typeface="Calibri" panose="020F0502020204030204" pitchFamily="34" charset="0"/>
+              </a:defRPr>
+            </a:lvl8pPr>
+            <a:lvl9pPr marL="3886200" indent="-228600" eaLnBrk="0" fontAlgn="base" hangingPunct="0">
+              <a:spcBef>
+                <a:spcPct val="0"/>
+              </a:spcBef>
+              <a:spcAft>
+                <a:spcPct val="0"/>
+              </a:spcAft>
+              <a:defRPr>
+                <a:solidFill>
+                  <a:schemeClr val="tx1"/>
+                </a:solidFill>
+                <a:latin typeface="Calibri" panose="020F0502020204030204" pitchFamily="34" charset="0"/>
+              </a:defRPr>
+            </a:lvl9pPr>
+          </a:lstStyle>
+          <a:p>
+            <a:pPr algn="ctr" eaLnBrk="1" hangingPunct="1"/>
+            <a:r>
+              <a:rPr lang="en-US" altLang="en-US" sz="1400" dirty="0">
+                <a:latin typeface="Arial" panose="020B0604020202020204" pitchFamily="34" charset="0"/>
+                <a:ea typeface="Amazon Ember" panose="020B0603020204020204" pitchFamily="34" charset="0"/>
+                <a:cs typeface="Arial" panose="020B0604020202020204" pitchFamily="34" charset="0"/>
+              </a:rPr>
+              <a:t>Amazon Bedrock</a:t>
+            </a:r>
+          </a:p>
+        </p:txBody>
+      </p:sp>
+      <p:sp>
+        <p:nvSpPr>
+          <p:cNvPr id="78" name="テキスト ボックス 77">
+            <a:extLst>
+              <a:ext uri="{FF2B5EF4-FFF2-40B4-BE49-F238E27FC236}">
+                <a16:creationId xmlns:a16="http://schemas.microsoft.com/office/drawing/2014/main" id="{22476242-B6AB-381F-A11B-918D72FEB2E8}"/>
+              </a:ext>
+            </a:extLst>
+          </p:cNvPr>
+          <p:cNvSpPr txBox="1"/>
+          <p:nvPr/>
+        </p:nvSpPr>
+        <p:spPr>
+          <a:xfrm>
+            <a:off x="16891501" y="5356778"/>
+            <a:ext cx="1834970" cy="338554"/>
+          </a:xfrm>
+          <a:prstGeom prst="rect">
+            <a:avLst/>
+          </a:prstGeom>
+          <a:noFill/>
+        </p:spPr>
+        <p:txBody>
+          <a:bodyPr wrap="square" rtlCol="0">
+            <a:spAutoFit/>
+          </a:bodyPr>
+          <a:lstStyle/>
+          <a:p>
+            <a:r>
+              <a:rPr lang="en-US" altLang="ja-JP" sz="1600" dirty="0">
+                <a:solidFill>
+                  <a:srgbClr val="FF0000"/>
+                </a:solidFill>
+                <a:latin typeface="メイリオ" panose="020B0604030504040204" pitchFamily="50" charset="-128"/>
+                <a:ea typeface="メイリオ" panose="020B0604030504040204" pitchFamily="50" charset="-128"/>
+              </a:rPr>
+              <a:t>step4.</a:t>
+            </a:r>
+            <a:r>
+              <a:rPr lang="ja-JP" altLang="en-US" sz="1600" dirty="0">
+                <a:solidFill>
+                  <a:srgbClr val="FF0000"/>
+                </a:solidFill>
+                <a:latin typeface="メイリオ" panose="020B0604030504040204" pitchFamily="50" charset="-128"/>
+                <a:ea typeface="メイリオ" panose="020B0604030504040204" pitchFamily="50" charset="-128"/>
+              </a:rPr>
+              <a:t>回答生成</a:t>
+            </a:r>
+          </a:p>
+        </p:txBody>
+      </p:sp>
+      <p:cxnSp>
+        <p:nvCxnSpPr>
+          <p:cNvPr id="79" name="直線矢印コネクタ 78">
+            <a:extLst>
+              <a:ext uri="{FF2B5EF4-FFF2-40B4-BE49-F238E27FC236}">
+                <a16:creationId xmlns:a16="http://schemas.microsoft.com/office/drawing/2014/main" id="{5046276E-FA99-ABBF-0D84-11731CD9EA20}"/>
+              </a:ext>
+            </a:extLst>
+          </p:cNvPr>
+          <p:cNvCxnSpPr>
+            <a:cxnSpLocks/>
+          </p:cNvCxnSpPr>
+          <p:nvPr/>
+        </p:nvCxnSpPr>
+        <p:spPr>
+          <a:xfrm>
+            <a:off x="18189986" y="4543710"/>
+            <a:ext cx="898241" cy="0"/>
+          </a:xfrm>
+          <a:prstGeom prst="straightConnector1">
+            <a:avLst/>
+          </a:prstGeom>
+          <a:ln>
+            <a:solidFill>
+              <a:schemeClr val="tx1"/>
+            </a:solidFill>
+            <a:tailEnd type="triangle"/>
+          </a:ln>
+        </p:spPr>
+        <p:style>
+          <a:lnRef idx="2">
+            <a:schemeClr val="accent1"/>
+          </a:lnRef>
+          <a:fillRef idx="0">
+            <a:schemeClr val="accent1"/>
+          </a:fillRef>
+          <a:effectRef idx="1">
+            <a:schemeClr val="accent1"/>
+          </a:effectRef>
+          <a:fontRef idx="minor">
+            <a:schemeClr val="tx1"/>
+          </a:fontRef>
+        </p:style>
+      </p:cxnSp>
+      <p:sp>
+        <p:nvSpPr>
+          <p:cNvPr id="81" name="正方形/長方形 80">
+            <a:extLst>
+              <a:ext uri="{FF2B5EF4-FFF2-40B4-BE49-F238E27FC236}">
+                <a16:creationId xmlns:a16="http://schemas.microsoft.com/office/drawing/2014/main" id="{DC8258EB-2F23-277C-7767-1388ED8D0AB0}"/>
+              </a:ext>
+            </a:extLst>
+          </p:cNvPr>
+          <p:cNvSpPr/>
+          <p:nvPr/>
+        </p:nvSpPr>
+        <p:spPr>
+          <a:xfrm>
+            <a:off x="19088097" y="4321290"/>
+            <a:ext cx="1269895" cy="444843"/>
+          </a:xfrm>
+          <a:prstGeom prst="rect">
+            <a:avLst/>
+          </a:prstGeom>
+          <a:noFill/>
+        </p:spPr>
+        <p:style>
+          <a:lnRef idx="2">
+            <a:schemeClr val="accent1">
+              <a:shade val="15000"/>
+            </a:schemeClr>
+          </a:lnRef>
+          <a:fillRef idx="1">
+            <a:schemeClr val="accent1"/>
+          </a:fillRef>
+          <a:effectRef idx="0">
+            <a:schemeClr val="accent1"/>
+          </a:effectRef>
+          <a:fontRef idx="minor">
+            <a:schemeClr val="lt1"/>
+          </a:fontRef>
+        </p:style>
+        <p:txBody>
+          <a:bodyPr rot="0" spcFirstLastPara="0" vertOverflow="overflow" horzOverflow="overflow" vert="horz" wrap="square" lIns="91440" tIns="45720" rIns="91440" bIns="45720" numCol="1" spcCol="0" rtlCol="0" fromWordArt="0" anchor="ctr" anchorCtr="1" forceAA="0" compatLnSpc="1">
+            <a:prstTxWarp prst="textNoShape">
+              <a:avLst/>
+            </a:prstTxWarp>
+            <a:normAutofit/>
+          </a:bodyPr>
+          <a:lstStyle/>
+          <a:p>
+            <a:pPr algn="ctr"/>
+            <a:r>
+              <a:rPr kumimoji="1" lang="ja-JP" altLang="en-US" sz="1600" dirty="0">
+                <a:solidFill>
+                  <a:schemeClr val="tx1"/>
+                </a:solidFill>
+                <a:latin typeface="メイリオ" panose="020B0604030504040204" pitchFamily="50" charset="-128"/>
+                <a:ea typeface="メイリオ" panose="020B0604030504040204" pitchFamily="50" charset="-128"/>
+              </a:rPr>
+              <a:t>回答</a:t>
+            </a:r>
+          </a:p>
+        </p:txBody>
+      </p:sp>
+    </p:spTree>
+    <p:extLst>
+      <p:ext uri="{BB962C8B-B14F-4D97-AF65-F5344CB8AC3E}">
+        <p14:creationId xmlns:p14="http://schemas.microsoft.com/office/powerpoint/2010/main" val="571670197"/>
       </p:ext>
     </p:extLst>
   </p:cSld>
